--- a/Documentation/Presentation.pptx
+++ b/Documentation/Presentation.pptx
@@ -217,7 +217,7 @@
           <a:p>
             <a:fld id="{078FA8FC-E36D-6E4B-843C-56BC4CA43923}" type="datetimeFigureOut">
               <a:rPr lang="it-IT" smtClean="0"/>
-              <a:t>12/04/23</a:t>
+              <a:t>13/04/2023</a:t>
             </a:fld>
             <a:endParaRPr lang="it-IT"/>
           </a:p>
@@ -719,7 +719,7 @@
           <a:p>
             <a:fld id="{4CDE23C7-78A4-413A-A84B-93D4CC0A9EB1}" type="datetimeFigureOut">
               <a:rPr lang="en-US" smtClean="0"/>
-              <a:t>4/12/23</a:t>
+              <a:t>4/13/2023</a:t>
             </a:fld>
             <a:endParaRPr lang="en-US"/>
           </a:p>
@@ -922,7 +922,7 @@
           <a:p>
             <a:fld id="{4CDE23C7-78A4-413A-A84B-93D4CC0A9EB1}" type="datetimeFigureOut">
               <a:rPr lang="en-US" smtClean="0"/>
-              <a:t>4/12/23</a:t>
+              <a:t>4/13/2023</a:t>
             </a:fld>
             <a:endParaRPr lang="en-US"/>
           </a:p>
@@ -1130,7 +1130,7 @@
           <a:p>
             <a:fld id="{4CDE23C7-78A4-413A-A84B-93D4CC0A9EB1}" type="datetimeFigureOut">
               <a:rPr lang="en-US" smtClean="0"/>
-              <a:t>4/12/23</a:t>
+              <a:t>4/13/2023</a:t>
             </a:fld>
             <a:endParaRPr lang="en-US"/>
           </a:p>
@@ -1328,7 +1328,7 @@
           <a:p>
             <a:fld id="{4CDE23C7-78A4-413A-A84B-93D4CC0A9EB1}" type="datetimeFigureOut">
               <a:rPr lang="en-US" smtClean="0"/>
-              <a:t>4/12/23</a:t>
+              <a:t>4/13/2023</a:t>
             </a:fld>
             <a:endParaRPr lang="en-US"/>
           </a:p>
@@ -1605,7 +1605,7 @@
           <a:p>
             <a:fld id="{4CDE23C7-78A4-413A-A84B-93D4CC0A9EB1}" type="datetimeFigureOut">
               <a:rPr lang="en-US" smtClean="0"/>
-              <a:t>4/12/23</a:t>
+              <a:t>4/13/2023</a:t>
             </a:fld>
             <a:endParaRPr lang="en-US"/>
           </a:p>
@@ -1870,7 +1870,7 @@
           <a:p>
             <a:fld id="{4CDE23C7-78A4-413A-A84B-93D4CC0A9EB1}" type="datetimeFigureOut">
               <a:rPr lang="en-US" smtClean="0"/>
-              <a:t>4/12/23</a:t>
+              <a:t>4/13/2023</a:t>
             </a:fld>
             <a:endParaRPr lang="en-US"/>
           </a:p>
@@ -2286,7 +2286,7 @@
           <a:p>
             <a:fld id="{4CDE23C7-78A4-413A-A84B-93D4CC0A9EB1}" type="datetimeFigureOut">
               <a:rPr lang="en-US" smtClean="0"/>
-              <a:t>4/12/23</a:t>
+              <a:t>4/13/2023</a:t>
             </a:fld>
             <a:endParaRPr lang="en-US"/>
           </a:p>
@@ -2427,7 +2427,7 @@
           <a:p>
             <a:fld id="{4CDE23C7-78A4-413A-A84B-93D4CC0A9EB1}" type="datetimeFigureOut">
               <a:rPr lang="en-US" smtClean="0"/>
-              <a:t>4/12/23</a:t>
+              <a:t>4/13/2023</a:t>
             </a:fld>
             <a:endParaRPr lang="en-US"/>
           </a:p>
@@ -2540,7 +2540,7 @@
           <a:p>
             <a:fld id="{4CDE23C7-78A4-413A-A84B-93D4CC0A9EB1}" type="datetimeFigureOut">
               <a:rPr lang="en-US" smtClean="0"/>
-              <a:t>4/12/23</a:t>
+              <a:t>4/13/2023</a:t>
             </a:fld>
             <a:endParaRPr lang="en-US"/>
           </a:p>
@@ -2851,7 +2851,7 @@
           <a:p>
             <a:fld id="{4CDE23C7-78A4-413A-A84B-93D4CC0A9EB1}" type="datetimeFigureOut">
               <a:rPr lang="en-US" smtClean="0"/>
-              <a:t>4/12/23</a:t>
+              <a:t>4/13/2023</a:t>
             </a:fld>
             <a:endParaRPr lang="en-US"/>
           </a:p>
@@ -3139,7 +3139,7 @@
           <a:p>
             <a:fld id="{4CDE23C7-78A4-413A-A84B-93D4CC0A9EB1}" type="datetimeFigureOut">
               <a:rPr lang="en-US" smtClean="0"/>
-              <a:t>4/12/23</a:t>
+              <a:t>4/13/2023</a:t>
             </a:fld>
             <a:endParaRPr lang="en-US"/>
           </a:p>
@@ -3379,7 +3379,7 @@
             <a:fld id="{4CDE23C7-78A4-413A-A84B-93D4CC0A9EB1}" type="datetimeFigureOut">
               <a:rPr lang="en-US" smtClean="0"/>
               <a:pPr/>
-              <a:t>4/12/23</a:t>
+              <a:t>4/13/2023</a:t>
             </a:fld>
             <a:endParaRPr lang="en-US" dirty="0"/>
           </a:p>
@@ -4655,7 +4655,7 @@
         <p:spPr>
           <a:xfrm>
             <a:off x="548642" y="2028826"/>
-            <a:ext cx="5448298" cy="4029074"/>
+            <a:ext cx="5401308" cy="4029074"/>
           </a:xfrm>
         </p:spPr>
         <p:txBody>
@@ -4892,8 +4892,8 @@
         </p:nvSpPr>
         <p:spPr>
           <a:xfrm>
-            <a:off x="548641" y="2028826"/>
-            <a:ext cx="5547359" cy="4029074"/>
+            <a:off x="548639" y="1692276"/>
+            <a:ext cx="4359909" cy="2473324"/>
           </a:xfrm>
         </p:spPr>
         <p:txBody>
@@ -4990,7 +4990,7 @@
         </p:blipFill>
         <p:spPr>
           <a:xfrm>
-            <a:off x="5024726" y="950975"/>
+            <a:off x="5024726" y="1545729"/>
             <a:ext cx="6519572" cy="2525117"/>
           </a:xfrm>
           <a:prstGeom prst="rect">
@@ -5020,7 +5020,7 @@
         </p:blipFill>
         <p:spPr>
           <a:xfrm>
-            <a:off x="3771898" y="4261353"/>
+            <a:off x="2209800" y="4274053"/>
             <a:ext cx="7772400" cy="1983702"/>
           </a:xfrm>
           <a:prstGeom prst="rect">
@@ -5294,33 +5294,40 @@
             <p:ph idx="1"/>
           </p:nvPr>
         </p:nvSpPr>
-        <p:spPr/>
-        <p:txBody>
-          <a:bodyPr/>
+        <p:spPr>
+          <a:xfrm>
+            <a:off x="548641" y="2028826"/>
+            <a:ext cx="10995660" cy="530224"/>
+          </a:xfrm>
+        </p:spPr>
+        <p:txBody>
+          <a:bodyPr>
+            <a:normAutofit fontScale="92500"/>
+          </a:bodyPr>
           <a:lstStyle/>
           <a:p>
-            <a:pPr marL="0" indent="0">
+            <a:pPr marL="0" indent="0" algn="ctr">
               <a:buNone/>
             </a:pPr>
             <a:r>
-              <a:rPr lang="it-IT" dirty="0"/>
+              <a:rPr lang="it-IT" sz="2400" dirty="0"/>
               <a:t>Responsible for the UI, </a:t>
             </a:r>
             <a:r>
-              <a:rPr lang="it-IT" dirty="0" err="1"/>
+              <a:rPr lang="it-IT" sz="2400" dirty="0" err="1"/>
               <a:t>dealing</a:t>
             </a:r>
             <a:r>
-              <a:rPr lang="it-IT" dirty="0"/>
+              <a:rPr lang="it-IT" sz="2400" dirty="0"/>
               <a:t> with the </a:t>
             </a:r>
             <a:r>
-              <a:rPr lang="it-IT" dirty="0" err="1"/>
+              <a:rPr lang="it-IT" sz="2400" dirty="0" err="1"/>
               <a:t>visualization</a:t>
             </a:r>
             <a:r>
-              <a:rPr lang="it-IT" dirty="0"/>
-              <a:t> and interaction with the user.</a:t>
+              <a:rPr lang="it-IT" sz="2400" dirty="0"/>
+              <a:t> and interaction with the user</a:t>
             </a:r>
           </a:p>
         </p:txBody>
@@ -5407,7 +5414,7 @@
         </p:blipFill>
         <p:spPr>
           <a:xfrm>
-            <a:off x="7354645" y="3446332"/>
+            <a:off x="7151172" y="3429000"/>
             <a:ext cx="1326756" cy="1871831"/>
           </a:xfrm>
           <a:prstGeom prst="rect">
@@ -5437,7 +5444,7 @@
         </p:blipFill>
         <p:spPr>
           <a:xfrm>
-            <a:off x="10037331" y="3674455"/>
+            <a:off x="10037331" y="3628763"/>
             <a:ext cx="1506967" cy="1506967"/>
           </a:xfrm>
           <a:prstGeom prst="rect">
@@ -5527,8 +5534,8 @@
         </p:blipFill>
         <p:spPr>
           <a:xfrm>
-            <a:off x="549275" y="2531736"/>
-            <a:ext cx="5546725" cy="1794528"/>
+            <a:off x="548639" y="2708312"/>
+            <a:ext cx="4455161" cy="1441375"/>
           </a:xfrm>
         </p:spPr>
       </p:pic>
@@ -5546,8 +5553,8 @@
         </p:nvSpPr>
         <p:spPr>
           <a:xfrm>
-            <a:off x="6834057" y="1720840"/>
-            <a:ext cx="4808668" cy="3416320"/>
+            <a:off x="6096000" y="1905505"/>
+            <a:ext cx="5546725" cy="3046988"/>
           </a:xfrm>
           <a:prstGeom prst="rect">
             <a:avLst/>
@@ -5757,16 +5764,15 @@
             <p:ph idx="1"/>
           </p:nvPr>
         </p:nvPicPr>
-        <p:blipFill>
+        <p:blipFill rotWithShape="1">
           <a:blip r:embed="rId2"/>
-          <a:stretch>
-            <a:fillRect/>
-          </a:stretch>
+          <a:srcRect r="2368" b="9889"/>
+          <a:stretch/>
         </p:blipFill>
         <p:spPr>
           <a:xfrm>
-            <a:off x="2504539" y="2039128"/>
-            <a:ext cx="1876957" cy="2056832"/>
+            <a:off x="2293671" y="2313128"/>
+            <a:ext cx="1197511" cy="1211176"/>
           </a:xfrm>
         </p:spPr>
       </p:pic>
@@ -5784,16 +5790,15 @@
           </p:cNvPicPr>
           <p:nvPr/>
         </p:nvPicPr>
-        <p:blipFill>
+        <p:blipFill rotWithShape="1">
           <a:blip r:embed="rId3"/>
-          <a:stretch>
-            <a:fillRect/>
-          </a:stretch>
+          <a:srcRect l="12054" t="25865" r="11126" b="28563"/>
+          <a:stretch/>
         </p:blipFill>
         <p:spPr>
           <a:xfrm>
-            <a:off x="1190512" y="3790456"/>
-            <a:ext cx="4505012" cy="2365132"/>
+            <a:off x="1162052" y="4189933"/>
+            <a:ext cx="3460750" cy="1077850"/>
           </a:xfrm>
           <a:prstGeom prst="rect">
             <a:avLst/>
@@ -5814,8 +5819,8 @@
         </p:nvSpPr>
         <p:spPr>
           <a:xfrm>
-            <a:off x="6742801" y="2080107"/>
-            <a:ext cx="4801497" cy="3323987"/>
+            <a:off x="6096000" y="2313128"/>
+            <a:ext cx="5448298" cy="2954655"/>
           </a:xfrm>
           <a:prstGeom prst="rect">
             <a:avLst/>
@@ -6016,7 +6021,7 @@
         </p:blipFill>
         <p:spPr>
           <a:xfrm>
-            <a:off x="643665" y="1945243"/>
+            <a:off x="647702" y="4601400"/>
             <a:ext cx="3277096" cy="1077849"/>
           </a:xfrm>
         </p:spPr>
@@ -6035,16 +6040,15 @@
           </p:cNvPicPr>
           <p:nvPr/>
         </p:nvPicPr>
-        <p:blipFill>
+        <p:blipFill rotWithShape="1">
           <a:blip r:embed="rId3"/>
-          <a:stretch>
-            <a:fillRect/>
-          </a:stretch>
+          <a:srcRect l="15161" t="23565" r="13660" b="20768"/>
+          <a:stretch/>
         </p:blipFill>
         <p:spPr>
           <a:xfrm>
-            <a:off x="324998" y="3023092"/>
-            <a:ext cx="3720138" cy="1722502"/>
+            <a:off x="647702" y="1690062"/>
+            <a:ext cx="2647950" cy="958850"/>
           </a:xfrm>
           <a:prstGeom prst="rect">
             <a:avLst/>
@@ -6065,16 +6069,15 @@
           </p:cNvPicPr>
           <p:nvPr/>
         </p:nvPicPr>
-        <p:blipFill>
+        <p:blipFill rotWithShape="1">
           <a:blip r:embed="rId4"/>
-          <a:stretch>
-            <a:fillRect/>
-          </a:stretch>
+          <a:srcRect l="6174" t="11537" r="4845" b="11134"/>
+          <a:stretch/>
         </p:blipFill>
         <p:spPr>
           <a:xfrm>
-            <a:off x="575734" y="4474980"/>
-            <a:ext cx="3222906" cy="1611453"/>
+            <a:off x="647702" y="2949850"/>
+            <a:ext cx="2867801" cy="1246124"/>
           </a:xfrm>
           <a:prstGeom prst="rect">
             <a:avLst/>
@@ -6095,16 +6098,15 @@
           </p:cNvPicPr>
           <p:nvPr/>
         </p:nvPicPr>
-        <p:blipFill>
+        <p:blipFill rotWithShape="1">
           <a:blip r:embed="rId5"/>
-          <a:stretch>
-            <a:fillRect/>
-          </a:stretch>
+          <a:srcRect l="1" r="1759" b="8127"/>
+          <a:stretch/>
         </p:blipFill>
         <p:spPr>
           <a:xfrm>
-            <a:off x="4169511" y="2939509"/>
-            <a:ext cx="1876957" cy="2056832"/>
+            <a:off x="3878149" y="1690062"/>
+            <a:ext cx="1051766" cy="1077849"/>
           </a:xfrm>
           <a:prstGeom prst="rect">
             <a:avLst/>
@@ -6125,8 +6127,8 @@
         </p:nvSpPr>
         <p:spPr>
           <a:xfrm>
-            <a:off x="6145534" y="1690062"/>
-            <a:ext cx="5398764" cy="3477875"/>
+            <a:off x="6096000" y="1690062"/>
+            <a:ext cx="5448298" cy="3477875"/>
           </a:xfrm>
           <a:prstGeom prst="rect">
             <a:avLst/>
@@ -6903,7 +6905,7 @@
                   <a:spcPts val="600"/>
                 </a:spcAft>
               </a:pPr>
-              <a:t>4/12/23</a:t>
+              <a:t>4/13/2023</a:t>
             </a:fld>
             <a:endParaRPr lang="en-US" dirty="0">
               <a:solidFill>
@@ -7056,8 +7058,8 @@
         </p:blipFill>
         <p:spPr>
           <a:xfrm>
-            <a:off x="987602" y="3735149"/>
-            <a:ext cx="3426026" cy="537994"/>
+            <a:off x="1527352" y="3636599"/>
+            <a:ext cx="3070048" cy="482094"/>
           </a:xfrm>
         </p:spPr>
       </p:pic>
@@ -7089,8 +7091,8 @@
         </p:blipFill>
         <p:spPr>
           <a:xfrm>
-            <a:off x="548638" y="4831035"/>
-            <a:ext cx="4303955" cy="1075989"/>
+            <a:off x="1527352" y="4730625"/>
+            <a:ext cx="3070048" cy="767512"/>
           </a:xfrm>
           <a:prstGeom prst="rect">
             <a:avLst/>
@@ -7111,8 +7113,8 @@
         </p:nvSpPr>
         <p:spPr>
           <a:xfrm>
-            <a:off x="6107880" y="2414643"/>
-            <a:ext cx="5132740" cy="2246769"/>
+            <a:off x="6101940" y="2211655"/>
+            <a:ext cx="5442358" cy="3046988"/>
           </a:xfrm>
           <a:prstGeom prst="rect">
             <a:avLst/>
@@ -7130,41 +7132,41 @@
               <a:buChar char="•"/>
             </a:pPr>
             <a:r>
-              <a:rPr lang="it-IT" sz="2000" dirty="0" err="1"/>
+              <a:rPr lang="it-IT" sz="2400" dirty="0" err="1"/>
               <a:t>RabbitMQ</a:t>
             </a:r>
             <a:r>
-              <a:rPr lang="it-IT" sz="2000" dirty="0"/>
+              <a:rPr lang="it-IT" sz="2400" dirty="0"/>
               <a:t> </a:t>
             </a:r>
             <a:r>
-              <a:rPr lang="it-IT" sz="2000" dirty="0" err="1"/>
+              <a:rPr lang="it-IT" sz="2400" dirty="0" err="1"/>
               <a:t>is</a:t>
             </a:r>
             <a:r>
-              <a:rPr lang="it-IT" sz="2000" dirty="0"/>
+              <a:rPr lang="it-IT" sz="2400" dirty="0"/>
               <a:t> a </a:t>
             </a:r>
             <a:r>
-              <a:rPr lang="it-IT" sz="2000" dirty="0" err="1"/>
+              <a:rPr lang="it-IT" sz="2400" dirty="0" err="1"/>
               <a:t>message</a:t>
             </a:r>
             <a:r>
-              <a:rPr lang="it-IT" sz="2000" dirty="0"/>
+              <a:rPr lang="it-IT" sz="2400" dirty="0"/>
               <a:t> </a:t>
             </a:r>
             <a:r>
-              <a:rPr lang="it-IT" sz="2000" dirty="0" err="1"/>
+              <a:rPr lang="it-IT" sz="2400" dirty="0" err="1"/>
               <a:t>oriented</a:t>
             </a:r>
             <a:r>
-              <a:rPr lang="it-IT" sz="2000" dirty="0"/>
+              <a:rPr lang="it-IT" sz="2400" dirty="0"/>
               <a:t> middleware</a:t>
             </a:r>
           </a:p>
           <a:p>
             <a:r>
-              <a:rPr lang="it-IT" sz="2000" dirty="0"/>
+              <a:rPr lang="it-IT" sz="2400" dirty="0"/>
               <a:t> </a:t>
             </a:r>
           </a:p>
@@ -7174,75 +7176,75 @@
               <a:buChar char="•"/>
             </a:pPr>
             <a:r>
-              <a:rPr lang="it-IT" sz="2000" dirty="0" err="1"/>
+              <a:rPr lang="it-IT" sz="2400" dirty="0" err="1"/>
               <a:t>CloudAMQP</a:t>
             </a:r>
             <a:r>
-              <a:rPr lang="it-IT" sz="2000" dirty="0"/>
+              <a:rPr lang="it-IT" sz="2400" dirty="0"/>
               <a:t> </a:t>
             </a:r>
             <a:r>
-              <a:rPr lang="it-IT" sz="2000" dirty="0" err="1"/>
+              <a:rPr lang="it-IT" sz="2400" dirty="0" err="1"/>
               <a:t>provides</a:t>
             </a:r>
             <a:r>
-              <a:rPr lang="it-IT" sz="2000" dirty="0"/>
+              <a:rPr lang="it-IT" sz="2400" dirty="0"/>
               <a:t> </a:t>
             </a:r>
             <a:r>
-              <a:rPr lang="it-IT" sz="2000" dirty="0" err="1"/>
+              <a:rPr lang="it-IT" sz="2400" dirty="0" err="1"/>
               <a:t>managed</a:t>
             </a:r>
             <a:r>
-              <a:rPr lang="it-IT" sz="2000" dirty="0"/>
+              <a:rPr lang="it-IT" sz="2400" dirty="0"/>
               <a:t> </a:t>
             </a:r>
             <a:r>
-              <a:rPr lang="it-IT" sz="2000" dirty="0" err="1"/>
+              <a:rPr lang="it-IT" sz="2400" dirty="0" err="1"/>
               <a:t>RabbitMQ</a:t>
             </a:r>
             <a:r>
-              <a:rPr lang="it-IT" sz="2000" dirty="0"/>
+              <a:rPr lang="it-IT" sz="2400" dirty="0"/>
               <a:t> servers in the cloud, in order to be </a:t>
             </a:r>
             <a:r>
-              <a:rPr lang="it-IT" sz="2000" dirty="0" err="1"/>
+              <a:rPr lang="it-IT" sz="2400" dirty="0" err="1"/>
               <a:t>able</a:t>
             </a:r>
             <a:r>
-              <a:rPr lang="it-IT" sz="2000" dirty="0"/>
+              <a:rPr lang="it-IT" sz="2400" dirty="0"/>
               <a:t> to access </a:t>
             </a:r>
             <a:r>
-              <a:rPr lang="it-IT" sz="2000" dirty="0" err="1"/>
+              <a:rPr lang="it-IT" sz="2400" dirty="0" err="1"/>
               <a:t>all</a:t>
             </a:r>
             <a:r>
-              <a:rPr lang="it-IT" sz="2000" dirty="0"/>
+              <a:rPr lang="it-IT" sz="2400" dirty="0"/>
               <a:t> the </a:t>
             </a:r>
             <a:r>
-              <a:rPr lang="it-IT" sz="2000" dirty="0" err="1"/>
+              <a:rPr lang="it-IT" sz="2400" dirty="0" err="1"/>
               <a:t>different</a:t>
             </a:r>
             <a:r>
-              <a:rPr lang="it-IT" sz="2000" dirty="0"/>
+              <a:rPr lang="it-IT" sz="2400" dirty="0"/>
               <a:t> </a:t>
             </a:r>
             <a:r>
-              <a:rPr lang="it-IT" sz="2000" dirty="0" err="1"/>
+              <a:rPr lang="it-IT" sz="2400" dirty="0" err="1"/>
               <a:t>queues</a:t>
             </a:r>
             <a:r>
-              <a:rPr lang="it-IT" sz="2000" dirty="0"/>
+              <a:rPr lang="it-IT" sz="2400" dirty="0"/>
               <a:t> in the cloud from </a:t>
             </a:r>
             <a:r>
-              <a:rPr lang="it-IT" sz="2000" dirty="0" err="1"/>
+              <a:rPr lang="it-IT" sz="2400" dirty="0" err="1"/>
               <a:t>any</a:t>
             </a:r>
             <a:r>
-              <a:rPr lang="it-IT" sz="2000" dirty="0"/>
+              <a:rPr lang="it-IT" sz="2400" dirty="0"/>
               <a:t> device</a:t>
             </a:r>
           </a:p>
@@ -7262,16 +7264,15 @@
           </p:cNvPicPr>
           <p:nvPr/>
         </p:nvPicPr>
-        <p:blipFill>
+        <p:blipFill rotWithShape="1">
           <a:blip r:embed="rId5"/>
-          <a:stretch>
-            <a:fillRect/>
-          </a:stretch>
+          <a:srcRect r="2714" b="9647"/>
+          <a:stretch/>
         </p:blipFill>
         <p:spPr>
           <a:xfrm>
-            <a:off x="1885732" y="1749606"/>
-            <a:ext cx="1632020" cy="1788422"/>
+            <a:off x="2573317" y="2028825"/>
+            <a:ext cx="978118" cy="995476"/>
           </a:xfrm>
           <a:prstGeom prst="rect">
             <a:avLst/>
@@ -7359,7 +7360,7 @@
         </p:blipFill>
         <p:spPr>
           <a:xfrm>
-            <a:off x="1194100" y="3009218"/>
+            <a:off x="984550" y="3009218"/>
             <a:ext cx="3861995" cy="839564"/>
           </a:xfrm>
           <a:prstGeom prst="rect">
@@ -7385,133 +7386,135 @@
         </p:nvSpPr>
         <p:spPr>
           <a:xfrm>
-            <a:off x="6046468" y="2448607"/>
-            <a:ext cx="5448301" cy="2800350"/>
-          </a:xfrm>
-        </p:spPr>
-        <p:txBody>
-          <a:bodyPr/>
+            <a:off x="6096000" y="2282260"/>
+            <a:ext cx="5448298" cy="3133043"/>
+          </a:xfrm>
+        </p:spPr>
+        <p:txBody>
+          <a:bodyPr>
+            <a:normAutofit lnSpcReduction="10000"/>
+          </a:bodyPr>
           <a:lstStyle/>
           <a:p>
             <a:r>
-              <a:rPr lang="it-IT" dirty="0"/>
+              <a:rPr lang="it-IT" sz="2400" dirty="0"/>
               <a:t>Neo4j </a:t>
             </a:r>
             <a:r>
-              <a:rPr lang="it-IT" dirty="0" err="1"/>
+              <a:rPr lang="it-IT" sz="2400" dirty="0" err="1"/>
               <a:t>NoSQL</a:t>
             </a:r>
             <a:r>
-              <a:rPr lang="it-IT" dirty="0"/>
+              <a:rPr lang="it-IT" sz="2400" dirty="0"/>
               <a:t> </a:t>
             </a:r>
             <a:r>
-              <a:rPr lang="it-IT" dirty="0" err="1"/>
+              <a:rPr lang="it-IT" sz="2400" dirty="0" err="1"/>
               <a:t>graph</a:t>
             </a:r>
             <a:r>
-              <a:rPr lang="it-IT" dirty="0"/>
+              <a:rPr lang="it-IT" sz="2400" dirty="0"/>
               <a:t> database </a:t>
             </a:r>
             <a:r>
-              <a:rPr lang="it-IT" dirty="0" err="1"/>
+              <a:rPr lang="it-IT" sz="2400" dirty="0" err="1"/>
               <a:t>is</a:t>
             </a:r>
             <a:r>
-              <a:rPr lang="it-IT" dirty="0"/>
+              <a:rPr lang="it-IT" sz="2400" dirty="0"/>
               <a:t> </a:t>
             </a:r>
             <a:r>
-              <a:rPr lang="it-IT" dirty="0" err="1"/>
+              <a:rPr lang="it-IT" sz="2400" dirty="0" err="1"/>
               <a:t>used</a:t>
             </a:r>
             <a:r>
-              <a:rPr lang="it-IT" dirty="0"/>
+              <a:rPr lang="it-IT" sz="2400" dirty="0"/>
               <a:t> in order to store </a:t>
             </a:r>
             <a:r>
-              <a:rPr lang="it-IT" dirty="0" err="1"/>
+              <a:rPr lang="it-IT" sz="2400" dirty="0" err="1"/>
               <a:t>all</a:t>
             </a:r>
             <a:r>
-              <a:rPr lang="it-IT" dirty="0"/>
+              <a:rPr lang="it-IT" sz="2400" dirty="0"/>
               <a:t> the system data</a:t>
             </a:r>
           </a:p>
           <a:p>
             <a:r>
-              <a:rPr lang="it-IT" dirty="0"/>
+              <a:rPr lang="it-IT" sz="2400" dirty="0"/>
               <a:t>Neo4j </a:t>
             </a:r>
             <a:r>
-              <a:rPr lang="it-IT" dirty="0" err="1"/>
+              <a:rPr lang="it-IT" sz="2400" dirty="0" err="1"/>
               <a:t>AuraDB</a:t>
             </a:r>
             <a:r>
-              <a:rPr lang="it-IT" dirty="0"/>
+              <a:rPr lang="it-IT" sz="2400" dirty="0"/>
               <a:t> </a:t>
             </a:r>
             <a:r>
-              <a:rPr lang="it-IT" dirty="0" err="1"/>
+              <a:rPr lang="it-IT" sz="2400" dirty="0" err="1"/>
               <a:t>offers</a:t>
             </a:r>
             <a:r>
-              <a:rPr lang="it-IT" dirty="0"/>
+              <a:rPr lang="it-IT" sz="2400" dirty="0"/>
               <a:t> a database </a:t>
             </a:r>
             <a:r>
-              <a:rPr lang="it-IT" dirty="0" err="1"/>
+              <a:rPr lang="it-IT" sz="2400" dirty="0" err="1"/>
               <a:t>instance</a:t>
             </a:r>
             <a:r>
-              <a:rPr lang="it-IT" dirty="0"/>
+              <a:rPr lang="it-IT" sz="2400" dirty="0"/>
               <a:t> in the cloud with </a:t>
             </a:r>
             <a:r>
-              <a:rPr lang="it-IT" dirty="0" err="1"/>
+              <a:rPr lang="it-IT" sz="2400" dirty="0" err="1"/>
               <a:t>which</a:t>
             </a:r>
             <a:r>
-              <a:rPr lang="it-IT" dirty="0"/>
+              <a:rPr lang="it-IT" sz="2400" dirty="0"/>
               <a:t> </a:t>
             </a:r>
             <a:r>
-              <a:rPr lang="it-IT" dirty="0" err="1"/>
+              <a:rPr lang="it-IT" sz="2400" dirty="0" err="1"/>
               <a:t>all</a:t>
             </a:r>
             <a:r>
-              <a:rPr lang="it-IT" dirty="0"/>
+              <a:rPr lang="it-IT" sz="2400" dirty="0"/>
               <a:t> the </a:t>
             </a:r>
             <a:r>
-              <a:rPr lang="it-IT" dirty="0" err="1"/>
+              <a:rPr lang="it-IT" sz="2400" dirty="0" err="1"/>
               <a:t>before</a:t>
             </a:r>
             <a:r>
-              <a:rPr lang="it-IT" dirty="0"/>
+              <a:rPr lang="it-IT" sz="2400" dirty="0"/>
               <a:t> </a:t>
             </a:r>
             <a:r>
-              <a:rPr lang="it-IT" dirty="0" err="1"/>
+              <a:rPr lang="it-IT" sz="2400" dirty="0" err="1"/>
               <a:t>mentioned</a:t>
             </a:r>
             <a:r>
-              <a:rPr lang="it-IT" dirty="0"/>
+              <a:rPr lang="it-IT" sz="2400" dirty="0"/>
               <a:t> </a:t>
             </a:r>
             <a:r>
-              <a:rPr lang="it-IT" dirty="0" err="1"/>
+              <a:rPr lang="it-IT" sz="2400" dirty="0" err="1"/>
               <a:t>microservices</a:t>
             </a:r>
             <a:r>
-              <a:rPr lang="it-IT" dirty="0"/>
+              <a:rPr lang="it-IT" sz="2400" dirty="0"/>
               <a:t> can </a:t>
             </a:r>
             <a:r>
-              <a:rPr lang="it-IT" dirty="0" err="1"/>
+              <a:rPr lang="it-IT" sz="2400" dirty="0" err="1"/>
               <a:t>communicate</a:t>
             </a:r>
-            <a:endParaRPr lang="it-IT" dirty="0"/>
+            <a:endParaRPr lang="it-IT" sz="2400" dirty="0"/>
           </a:p>
         </p:txBody>
       </p:sp>

--- a/Documentation/Presentation.pptx
+++ b/Documentation/Presentation.pptx
@@ -5,7 +5,7 @@
     <p:sldMasterId id="2147483979" r:id="rId1"/>
   </p:sldMasterIdLst>
   <p:notesMasterIdLst>
-    <p:notesMasterId r:id="rId23"/>
+    <p:notesMasterId r:id="rId24"/>
   </p:notesMasterIdLst>
   <p:sldIdLst>
     <p:sldId id="256" r:id="rId2"/>
@@ -23,12 +23,13 @@
     <p:sldId id="269" r:id="rId14"/>
     <p:sldId id="270" r:id="rId15"/>
     <p:sldId id="259" r:id="rId16"/>
-    <p:sldId id="271" r:id="rId17"/>
-    <p:sldId id="272" r:id="rId18"/>
-    <p:sldId id="273" r:id="rId19"/>
-    <p:sldId id="274" r:id="rId20"/>
-    <p:sldId id="275" r:id="rId21"/>
-    <p:sldId id="276" r:id="rId22"/>
+    <p:sldId id="277" r:id="rId17"/>
+    <p:sldId id="271" r:id="rId18"/>
+    <p:sldId id="272" r:id="rId19"/>
+    <p:sldId id="273" r:id="rId20"/>
+    <p:sldId id="274" r:id="rId21"/>
+    <p:sldId id="275" r:id="rId22"/>
+    <p:sldId id="276" r:id="rId23"/>
   </p:sldIdLst>
   <p:sldSz cx="12192000" cy="6858000"/>
   <p:notesSz cx="6858000" cy="9144000"/>
@@ -217,7 +218,7 @@
           <a:p>
             <a:fld id="{078FA8FC-E36D-6E4B-843C-56BC4CA43923}" type="datetimeFigureOut">
               <a:rPr lang="it-IT" smtClean="0"/>
-              <a:t>13/04/2023</a:t>
+              <a:t>13/04/23</a:t>
             </a:fld>
             <a:endParaRPr lang="it-IT"/>
           </a:p>
@@ -719,7 +720,7 @@
           <a:p>
             <a:fld id="{4CDE23C7-78A4-413A-A84B-93D4CC0A9EB1}" type="datetimeFigureOut">
               <a:rPr lang="en-US" smtClean="0"/>
-              <a:t>4/13/2023</a:t>
+              <a:t>4/13/23</a:t>
             </a:fld>
             <a:endParaRPr lang="en-US"/>
           </a:p>
@@ -922,7 +923,7 @@
           <a:p>
             <a:fld id="{4CDE23C7-78A4-413A-A84B-93D4CC0A9EB1}" type="datetimeFigureOut">
               <a:rPr lang="en-US" smtClean="0"/>
-              <a:t>4/13/2023</a:t>
+              <a:t>4/13/23</a:t>
             </a:fld>
             <a:endParaRPr lang="en-US"/>
           </a:p>
@@ -1130,7 +1131,7 @@
           <a:p>
             <a:fld id="{4CDE23C7-78A4-413A-A84B-93D4CC0A9EB1}" type="datetimeFigureOut">
               <a:rPr lang="en-US" smtClean="0"/>
-              <a:t>4/13/2023</a:t>
+              <a:t>4/13/23</a:t>
             </a:fld>
             <a:endParaRPr lang="en-US"/>
           </a:p>
@@ -1328,7 +1329,7 @@
           <a:p>
             <a:fld id="{4CDE23C7-78A4-413A-A84B-93D4CC0A9EB1}" type="datetimeFigureOut">
               <a:rPr lang="en-US" smtClean="0"/>
-              <a:t>4/13/2023</a:t>
+              <a:t>4/13/23</a:t>
             </a:fld>
             <a:endParaRPr lang="en-US"/>
           </a:p>
@@ -1605,7 +1606,7 @@
           <a:p>
             <a:fld id="{4CDE23C7-78A4-413A-A84B-93D4CC0A9EB1}" type="datetimeFigureOut">
               <a:rPr lang="en-US" smtClean="0"/>
-              <a:t>4/13/2023</a:t>
+              <a:t>4/13/23</a:t>
             </a:fld>
             <a:endParaRPr lang="en-US"/>
           </a:p>
@@ -1870,7 +1871,7 @@
           <a:p>
             <a:fld id="{4CDE23C7-78A4-413A-A84B-93D4CC0A9EB1}" type="datetimeFigureOut">
               <a:rPr lang="en-US" smtClean="0"/>
-              <a:t>4/13/2023</a:t>
+              <a:t>4/13/23</a:t>
             </a:fld>
             <a:endParaRPr lang="en-US"/>
           </a:p>
@@ -2286,7 +2287,7 @@
           <a:p>
             <a:fld id="{4CDE23C7-78A4-413A-A84B-93D4CC0A9EB1}" type="datetimeFigureOut">
               <a:rPr lang="en-US" smtClean="0"/>
-              <a:t>4/13/2023</a:t>
+              <a:t>4/13/23</a:t>
             </a:fld>
             <a:endParaRPr lang="en-US"/>
           </a:p>
@@ -2427,7 +2428,7 @@
           <a:p>
             <a:fld id="{4CDE23C7-78A4-413A-A84B-93D4CC0A9EB1}" type="datetimeFigureOut">
               <a:rPr lang="en-US" smtClean="0"/>
-              <a:t>4/13/2023</a:t>
+              <a:t>4/13/23</a:t>
             </a:fld>
             <a:endParaRPr lang="en-US"/>
           </a:p>
@@ -2540,7 +2541,7 @@
           <a:p>
             <a:fld id="{4CDE23C7-78A4-413A-A84B-93D4CC0A9EB1}" type="datetimeFigureOut">
               <a:rPr lang="en-US" smtClean="0"/>
-              <a:t>4/13/2023</a:t>
+              <a:t>4/13/23</a:t>
             </a:fld>
             <a:endParaRPr lang="en-US"/>
           </a:p>
@@ -2851,7 +2852,7 @@
           <a:p>
             <a:fld id="{4CDE23C7-78A4-413A-A84B-93D4CC0A9EB1}" type="datetimeFigureOut">
               <a:rPr lang="en-US" smtClean="0"/>
-              <a:t>4/13/2023</a:t>
+              <a:t>4/13/23</a:t>
             </a:fld>
             <a:endParaRPr lang="en-US"/>
           </a:p>
@@ -3139,7 +3140,7 @@
           <a:p>
             <a:fld id="{4CDE23C7-78A4-413A-A84B-93D4CC0A9EB1}" type="datetimeFigureOut">
               <a:rPr lang="en-US" smtClean="0"/>
-              <a:t>4/13/2023</a:t>
+              <a:t>4/13/23</a:t>
             </a:fld>
             <a:endParaRPr lang="en-US"/>
           </a:p>
@@ -3379,7 +3380,7 @@
             <a:fld id="{4CDE23C7-78A4-413A-A84B-93D4CC0A9EB1}" type="datetimeFigureOut">
               <a:rPr lang="en-US" smtClean="0"/>
               <a:pPr/>
-              <a:t>4/13/2023</a:t>
+              <a:t>4/13/23</a:t>
             </a:fld>
             <a:endParaRPr lang="en-US" dirty="0"/>
           </a:p>
@@ -5254,7 +5255,7 @@
           <p:cNvPr id="2" name="Titolo 1">
             <a:extLst>
               <a:ext uri="{FF2B5EF4-FFF2-40B4-BE49-F238E27FC236}">
-                <a16:creationId xmlns:a16="http://schemas.microsoft.com/office/drawing/2014/main" id="{4CE91677-6EB9-8542-F2FD-F3282BF5CC71}"/>
+                <a16:creationId xmlns:a16="http://schemas.microsoft.com/office/drawing/2014/main" id="{45C9C8C8-706D-A07A-D9E8-2D4C4AC61596}"/>
               </a:ext>
             </a:extLst>
           </p:cNvPr>
@@ -5272,72 +5273,18 @@
           <a:p>
             <a:r>
               <a:rPr lang="it-IT" dirty="0" err="1"/>
-              <a:t>Frontend</a:t>
+              <a:t>Containerization</a:t>
             </a:r>
             <a:endParaRPr lang="it-IT" dirty="0"/>
-          </a:p>
-        </p:txBody>
-      </p:sp>
-      <p:sp>
-        <p:nvSpPr>
-          <p:cNvPr id="3" name="Segnaposto contenuto 2">
-            <a:extLst>
-              <a:ext uri="{FF2B5EF4-FFF2-40B4-BE49-F238E27FC236}">
-                <a16:creationId xmlns:a16="http://schemas.microsoft.com/office/drawing/2014/main" id="{76825168-3379-B854-F932-92932971D050}"/>
-              </a:ext>
-            </a:extLst>
-          </p:cNvPr>
-          <p:cNvSpPr>
-            <a:spLocks noGrp="1"/>
-          </p:cNvSpPr>
-          <p:nvPr>
-            <p:ph idx="1"/>
-          </p:nvPr>
-        </p:nvSpPr>
-        <p:spPr>
-          <a:xfrm>
-            <a:off x="548641" y="2028826"/>
-            <a:ext cx="10995660" cy="530224"/>
-          </a:xfrm>
-        </p:spPr>
-        <p:txBody>
-          <a:bodyPr>
-            <a:normAutofit fontScale="92500"/>
-          </a:bodyPr>
-          <a:lstStyle/>
-          <a:p>
-            <a:pPr marL="0" indent="0" algn="ctr">
-              <a:buNone/>
-            </a:pPr>
-            <a:r>
-              <a:rPr lang="it-IT" sz="2400" dirty="0"/>
-              <a:t>Responsible for the UI, </a:t>
-            </a:r>
-            <a:r>
-              <a:rPr lang="it-IT" sz="2400" dirty="0" err="1"/>
-              <a:t>dealing</a:t>
-            </a:r>
-            <a:r>
-              <a:rPr lang="it-IT" sz="2400" dirty="0"/>
-              <a:t> with the </a:t>
-            </a:r>
-            <a:r>
-              <a:rPr lang="it-IT" sz="2400" dirty="0" err="1"/>
-              <a:t>visualization</a:t>
-            </a:r>
-            <a:r>
-              <a:rPr lang="it-IT" sz="2400" dirty="0"/>
-              <a:t> and interaction with the user</a:t>
-            </a:r>
           </a:p>
         </p:txBody>
       </p:sp>
       <p:pic>
         <p:nvPicPr>
-          <p:cNvPr id="5" name="Immagine 4">
-            <a:extLst>
-              <a:ext uri="{FF2B5EF4-FFF2-40B4-BE49-F238E27FC236}">
-                <a16:creationId xmlns:a16="http://schemas.microsoft.com/office/drawing/2014/main" id="{AEAC611A-2F9D-0250-390E-59209A82AF05}"/>
+          <p:cNvPr id="7" name="Immagine 6">
+            <a:extLst>
+              <a:ext uri="{FF2B5EF4-FFF2-40B4-BE49-F238E27FC236}">
+                <a16:creationId xmlns:a16="http://schemas.microsoft.com/office/drawing/2014/main" id="{D68458E1-7D4B-214A-E487-3DD7D522CFEA}"/>
               </a:ext>
             </a:extLst>
           </p:cNvPr>
@@ -5348,114 +5295,172 @@
         </p:nvPicPr>
         <p:blipFill>
           <a:blip r:embed="rId2"/>
-          <a:stretch>
-            <a:fillRect/>
-          </a:stretch>
+          <a:srcRect/>
+          <a:stretch/>
         </p:blipFill>
         <p:spPr>
           <a:xfrm>
-            <a:off x="647699" y="3590067"/>
-            <a:ext cx="3128235" cy="1733564"/>
+            <a:off x="1494354" y="2937268"/>
+            <a:ext cx="3240932" cy="1823025"/>
           </a:xfrm>
           <a:prstGeom prst="rect">
             <a:avLst/>
           </a:prstGeom>
         </p:spPr>
       </p:pic>
-      <p:pic>
-        <p:nvPicPr>
-          <p:cNvPr id="7" name="Immagine 6">
-            <a:extLst>
-              <a:ext uri="{FF2B5EF4-FFF2-40B4-BE49-F238E27FC236}">
-                <a16:creationId xmlns:a16="http://schemas.microsoft.com/office/drawing/2014/main" id="{1549BB7B-6EA7-7861-D659-707882909B71}"/>
-              </a:ext>
-            </a:extLst>
-          </p:cNvPr>
-          <p:cNvPicPr>
-            <a:picLocks noChangeAspect="1"/>
-          </p:cNvPicPr>
-          <p:nvPr/>
-        </p:nvPicPr>
-        <p:blipFill>
-          <a:blip r:embed="rId3"/>
-          <a:stretch>
-            <a:fillRect/>
-          </a:stretch>
-        </p:blipFill>
-        <p:spPr>
-          <a:xfrm>
-            <a:off x="4126884" y="3446332"/>
-            <a:ext cx="1871831" cy="1871831"/>
-          </a:xfrm>
-          <a:prstGeom prst="rect">
-            <a:avLst/>
-          </a:prstGeom>
-        </p:spPr>
-      </p:pic>
-      <p:pic>
-        <p:nvPicPr>
-          <p:cNvPr id="9" name="Immagine 8">
-            <a:extLst>
-              <a:ext uri="{FF2B5EF4-FFF2-40B4-BE49-F238E27FC236}">
-                <a16:creationId xmlns:a16="http://schemas.microsoft.com/office/drawing/2014/main" id="{B4A8BE39-FED9-D111-3F7A-E059F8F5DB83}"/>
-              </a:ext>
-            </a:extLst>
-          </p:cNvPr>
-          <p:cNvPicPr>
-            <a:picLocks noChangeAspect="1"/>
-          </p:cNvPicPr>
-          <p:nvPr/>
-        </p:nvPicPr>
-        <p:blipFill>
-          <a:blip r:embed="rId4"/>
-          <a:stretch>
-            <a:fillRect/>
-          </a:stretch>
-        </p:blipFill>
-        <p:spPr>
-          <a:xfrm>
-            <a:off x="7151172" y="3429000"/>
-            <a:ext cx="1326756" cy="1871831"/>
-          </a:xfrm>
-          <a:prstGeom prst="rect">
-            <a:avLst/>
-          </a:prstGeom>
-        </p:spPr>
-      </p:pic>
-      <p:pic>
-        <p:nvPicPr>
-          <p:cNvPr id="11" name="Immagine 10">
-            <a:extLst>
-              <a:ext uri="{FF2B5EF4-FFF2-40B4-BE49-F238E27FC236}">
-                <a16:creationId xmlns:a16="http://schemas.microsoft.com/office/drawing/2014/main" id="{C160A196-CD73-811F-A235-EA14B4ECF7EA}"/>
-              </a:ext>
-            </a:extLst>
-          </p:cNvPr>
-          <p:cNvPicPr>
-            <a:picLocks noChangeAspect="1"/>
-          </p:cNvPicPr>
-          <p:nvPr/>
-        </p:nvPicPr>
-        <p:blipFill>
-          <a:blip r:embed="rId5"/>
-          <a:stretch>
-            <a:fillRect/>
-          </a:stretch>
-        </p:blipFill>
-        <p:spPr>
-          <a:xfrm>
-            <a:off x="10037331" y="3628763"/>
-            <a:ext cx="1506967" cy="1506967"/>
-          </a:xfrm>
-          <a:prstGeom prst="rect">
-            <a:avLst/>
-          </a:prstGeom>
-        </p:spPr>
-      </p:pic>
+      <p:sp>
+        <p:nvSpPr>
+          <p:cNvPr id="9" name="Segnaposto contenuto 8">
+            <a:extLst>
+              <a:ext uri="{FF2B5EF4-FFF2-40B4-BE49-F238E27FC236}">
+                <a16:creationId xmlns:a16="http://schemas.microsoft.com/office/drawing/2014/main" id="{10378ADB-B697-F950-EE99-70C2DF7A132D}"/>
+              </a:ext>
+            </a:extLst>
+          </p:cNvPr>
+          <p:cNvSpPr>
+            <a:spLocks noGrp="1"/>
+          </p:cNvSpPr>
+          <p:nvPr>
+            <p:ph idx="1"/>
+          </p:nvPr>
+        </p:nvSpPr>
+        <p:spPr>
+          <a:xfrm>
+            <a:off x="6096000" y="2282260"/>
+            <a:ext cx="5448298" cy="3133043"/>
+          </a:xfrm>
+        </p:spPr>
+        <p:txBody>
+          <a:bodyPr>
+            <a:normAutofit/>
+          </a:bodyPr>
+          <a:lstStyle/>
+          <a:p>
+            <a:r>
+              <a:rPr lang="it-IT" sz="2400" dirty="0"/>
+              <a:t>The system </a:t>
+            </a:r>
+            <a:r>
+              <a:rPr lang="it-IT" sz="2400" dirty="0" err="1"/>
+              <a:t>architecture</a:t>
+            </a:r>
+            <a:r>
+              <a:rPr lang="it-IT" sz="2400" dirty="0"/>
+              <a:t> </a:t>
+            </a:r>
+            <a:r>
+              <a:rPr lang="it-IT" sz="2400" dirty="0" err="1"/>
+              <a:t>is</a:t>
+            </a:r>
+            <a:r>
+              <a:rPr lang="it-IT" sz="2400" dirty="0"/>
+              <a:t> </a:t>
+            </a:r>
+            <a:r>
+              <a:rPr lang="it-IT" sz="2400" dirty="0" err="1"/>
+              <a:t>based</a:t>
+            </a:r>
+            <a:r>
+              <a:rPr lang="it-IT" sz="2400" dirty="0"/>
+              <a:t> on </a:t>
+            </a:r>
+            <a:r>
+              <a:rPr lang="it-IT" sz="2400" dirty="0" err="1"/>
+              <a:t>microservices</a:t>
+            </a:r>
+            <a:r>
+              <a:rPr lang="it-IT" sz="2400" dirty="0"/>
+              <a:t>, </a:t>
+            </a:r>
+            <a:r>
+              <a:rPr lang="it-IT" sz="2400" dirty="0" err="1"/>
+              <a:t>each</a:t>
+            </a:r>
+            <a:r>
+              <a:rPr lang="it-IT" sz="2400" dirty="0"/>
+              <a:t> running on </a:t>
+            </a:r>
+            <a:r>
+              <a:rPr lang="it-IT" sz="2400" dirty="0" err="1"/>
+              <a:t>its</a:t>
+            </a:r>
+            <a:r>
+              <a:rPr lang="it-IT" sz="2400" dirty="0"/>
+              <a:t> </a:t>
+            </a:r>
+            <a:r>
+              <a:rPr lang="it-IT" sz="2400" dirty="0" err="1"/>
+              <a:t>own</a:t>
+            </a:r>
+            <a:r>
+              <a:rPr lang="it-IT" sz="2400" dirty="0"/>
+              <a:t> Docker container and </a:t>
+            </a:r>
+            <a:r>
+              <a:rPr lang="it-IT" sz="2400" dirty="0" err="1"/>
+              <a:t>each</a:t>
+            </a:r>
+            <a:r>
+              <a:rPr lang="it-IT" sz="2400" dirty="0"/>
+              <a:t> </a:t>
+            </a:r>
+            <a:r>
+              <a:rPr lang="it-IT" sz="2400" dirty="0" err="1"/>
+              <a:t>accessing</a:t>
+            </a:r>
+            <a:r>
+              <a:rPr lang="it-IT" sz="2400" dirty="0"/>
+              <a:t> </a:t>
+            </a:r>
+            <a:r>
+              <a:rPr lang="it-IT" sz="2400" dirty="0" err="1"/>
+              <a:t>its</a:t>
+            </a:r>
+            <a:r>
+              <a:rPr lang="it-IT" sz="2400" dirty="0"/>
+              <a:t> </a:t>
+            </a:r>
+            <a:r>
+              <a:rPr lang="it-IT" sz="2400" dirty="0" err="1"/>
+              <a:t>own</a:t>
+            </a:r>
+            <a:r>
+              <a:rPr lang="it-IT" sz="2400" dirty="0"/>
+              <a:t> data</a:t>
+            </a:r>
+          </a:p>
+          <a:p>
+            <a:r>
+              <a:rPr lang="it-IT" sz="2400" dirty="0" err="1"/>
+              <a:t>These</a:t>
+            </a:r>
+            <a:r>
+              <a:rPr lang="it-IT" sz="2400" dirty="0"/>
+              <a:t> containers are </a:t>
+            </a:r>
+            <a:r>
+              <a:rPr lang="it-IT" sz="2400" dirty="0" err="1"/>
+              <a:t>orchestrated</a:t>
+            </a:r>
+            <a:r>
+              <a:rPr lang="it-IT" sz="2400" dirty="0"/>
+              <a:t> </a:t>
+            </a:r>
+            <a:r>
+              <a:rPr lang="it-IT" sz="2400" dirty="0" err="1"/>
+              <a:t>through</a:t>
+            </a:r>
+            <a:r>
+              <a:rPr lang="it-IT" sz="2400" dirty="0"/>
+              <a:t> Docker Compose</a:t>
+            </a:r>
+          </a:p>
+        </p:txBody>
+      </p:sp>
     </p:spTree>
     <p:extLst>
       <p:ext uri="{BB962C8B-B14F-4D97-AF65-F5344CB8AC3E}">
-        <p14:creationId xmlns:p14="http://schemas.microsoft.com/office/powerpoint/2010/main" val="2944861936"/>
+        <p14:creationId xmlns:p14="http://schemas.microsoft.com/office/powerpoint/2010/main" val="1880590527"/>
       </p:ext>
     </p:extLst>
   </p:cSld>
@@ -5487,7 +5492,7 @@
           <p:cNvPr id="2" name="Titolo 1">
             <a:extLst>
               <a:ext uri="{FF2B5EF4-FFF2-40B4-BE49-F238E27FC236}">
-                <a16:creationId xmlns:a16="http://schemas.microsoft.com/office/drawing/2014/main" id="{8CE2F62E-6282-4803-8B63-A7D9A13ABCA8}"/>
+                <a16:creationId xmlns:a16="http://schemas.microsoft.com/office/drawing/2014/main" id="{4CE91677-6EB9-8542-F2FD-F3282BF5CC71}"/>
               </a:ext>
             </a:extLst>
           </p:cNvPr>
@@ -5504,27 +5509,80 @@
           <a:lstStyle/>
           <a:p>
             <a:r>
-              <a:rPr lang="it-IT" dirty="0"/>
-              <a:t>Api Gateway</a:t>
+              <a:rPr lang="it-IT" dirty="0" err="1"/>
+              <a:t>Frontend</a:t>
+            </a:r>
+            <a:endParaRPr lang="it-IT" dirty="0"/>
+          </a:p>
+        </p:txBody>
+      </p:sp>
+      <p:sp>
+        <p:nvSpPr>
+          <p:cNvPr id="3" name="Segnaposto contenuto 2">
+            <a:extLst>
+              <a:ext uri="{FF2B5EF4-FFF2-40B4-BE49-F238E27FC236}">
+                <a16:creationId xmlns:a16="http://schemas.microsoft.com/office/drawing/2014/main" id="{76825168-3379-B854-F932-92932971D050}"/>
+              </a:ext>
+            </a:extLst>
+          </p:cNvPr>
+          <p:cNvSpPr>
+            <a:spLocks noGrp="1"/>
+          </p:cNvSpPr>
+          <p:nvPr>
+            <p:ph idx="1"/>
+          </p:nvPr>
+        </p:nvSpPr>
+        <p:spPr>
+          <a:xfrm>
+            <a:off x="548641" y="2028826"/>
+            <a:ext cx="10995660" cy="530224"/>
+          </a:xfrm>
+        </p:spPr>
+        <p:txBody>
+          <a:bodyPr>
+            <a:normAutofit fontScale="92500"/>
+          </a:bodyPr>
+          <a:lstStyle/>
+          <a:p>
+            <a:pPr marL="0" indent="0" algn="ctr">
+              <a:buNone/>
+            </a:pPr>
+            <a:r>
+              <a:rPr lang="it-IT" sz="2400" dirty="0"/>
+              <a:t>Responsible for the UI, </a:t>
+            </a:r>
+            <a:r>
+              <a:rPr lang="it-IT" sz="2400" dirty="0" err="1"/>
+              <a:t>dealing</a:t>
+            </a:r>
+            <a:r>
+              <a:rPr lang="it-IT" sz="2400" dirty="0"/>
+              <a:t> with the </a:t>
+            </a:r>
+            <a:r>
+              <a:rPr lang="it-IT" sz="2400" dirty="0" err="1"/>
+              <a:t>visualization</a:t>
+            </a:r>
+            <a:r>
+              <a:rPr lang="it-IT" sz="2400" dirty="0"/>
+              <a:t> and interaction with the user</a:t>
             </a:r>
           </a:p>
         </p:txBody>
       </p:sp>
       <p:pic>
         <p:nvPicPr>
-          <p:cNvPr id="5" name="Segnaposto contenuto 4">
-            <a:extLst>
-              <a:ext uri="{FF2B5EF4-FFF2-40B4-BE49-F238E27FC236}">
-                <a16:creationId xmlns:a16="http://schemas.microsoft.com/office/drawing/2014/main" id="{1D694AED-82CA-F743-6E57-E5649BB41153}"/>
+          <p:cNvPr id="5" name="Immagine 4">
+            <a:extLst>
+              <a:ext uri="{FF2B5EF4-FFF2-40B4-BE49-F238E27FC236}">
+                <a16:creationId xmlns:a16="http://schemas.microsoft.com/office/drawing/2014/main" id="{AEAC611A-2F9D-0250-390E-59209A82AF05}"/>
               </a:ext>
             </a:extLst>
           </p:cNvPr>
           <p:cNvPicPr>
-            <a:picLocks noGrp="1" noChangeAspect="1"/>
+            <a:picLocks noChangeAspect="1"/>
           </p:cNvPicPr>
-          <p:nvPr>
-            <p:ph idx="1"/>
-          </p:nvPr>
+          <p:nvPr/>
         </p:nvPicPr>
         <p:blipFill>
           <a:blip r:embed="rId2"/>
@@ -5534,161 +5592,108 @@
         </p:blipFill>
         <p:spPr>
           <a:xfrm>
-            <a:off x="548639" y="2708312"/>
-            <a:ext cx="4455161" cy="1441375"/>
-          </a:xfrm>
-        </p:spPr>
-      </p:pic>
-      <p:sp>
-        <p:nvSpPr>
-          <p:cNvPr id="7" name="CasellaDiTesto 6">
-            <a:extLst>
-              <a:ext uri="{FF2B5EF4-FFF2-40B4-BE49-F238E27FC236}">
-                <a16:creationId xmlns:a16="http://schemas.microsoft.com/office/drawing/2014/main" id="{97E3980A-8F29-A3CF-04FD-7136C8C4E35A}"/>
-              </a:ext>
-            </a:extLst>
-          </p:cNvPr>
-          <p:cNvSpPr txBox="1"/>
-          <p:nvPr/>
-        </p:nvSpPr>
-        <p:spPr>
-          <a:xfrm>
-            <a:off x="6096000" y="1905505"/>
-            <a:ext cx="5546725" cy="3046988"/>
+            <a:off x="647699" y="3590067"/>
+            <a:ext cx="3128235" cy="1733564"/>
           </a:xfrm>
           <a:prstGeom prst="rect">
             <a:avLst/>
           </a:prstGeom>
-          <a:noFill/>
-        </p:spPr>
-        <p:txBody>
-          <a:bodyPr wrap="square" rtlCol="0">
-            <a:spAutoFit/>
-          </a:bodyPr>
-          <a:lstStyle/>
-          <a:p>
-            <a:pPr marL="285750" indent="-285750">
-              <a:buFont typeface="Arial" panose="020B0604020202020204" pitchFamily="34" charset="0"/>
-              <a:buChar char="•"/>
-            </a:pPr>
-            <a:r>
-              <a:rPr lang="it-IT" sz="2400" dirty="0" err="1"/>
-              <a:t>Lightweight</a:t>
-            </a:r>
-            <a:r>
-              <a:rPr lang="it-IT" sz="2400" dirty="0"/>
-              <a:t>, fast, and </a:t>
-            </a:r>
-            <a:r>
-              <a:rPr lang="it-IT" sz="2400" dirty="0" err="1"/>
-              <a:t>flexible</a:t>
-            </a:r>
-            <a:r>
-              <a:rPr lang="it-IT" sz="2400" dirty="0"/>
-              <a:t> cloud-native API gateway</a:t>
-            </a:r>
-          </a:p>
-          <a:p>
-            <a:pPr marL="285750" indent="-285750">
-              <a:buFont typeface="Arial" panose="020B0604020202020204" pitchFamily="34" charset="0"/>
-              <a:buChar char="•"/>
-            </a:pPr>
-            <a:endParaRPr lang="it-IT" sz="2400" dirty="0"/>
-          </a:p>
-          <a:p>
-            <a:pPr marL="285750" indent="-285750">
-              <a:buFont typeface="Arial" panose="020B0604020202020204" pitchFamily="34" charset="0"/>
-              <a:buChar char="•"/>
-            </a:pPr>
-            <a:r>
-              <a:rPr lang="it-IT" sz="2400" dirty="0"/>
-              <a:t>Single entry point for the client</a:t>
-            </a:r>
-          </a:p>
-          <a:p>
-            <a:pPr marL="285750" indent="-285750">
-              <a:buFont typeface="Arial" panose="020B0604020202020204" pitchFamily="34" charset="0"/>
-              <a:buChar char="•"/>
-            </a:pPr>
-            <a:endParaRPr lang="it-IT" sz="2400" dirty="0"/>
-          </a:p>
-          <a:p>
-            <a:pPr marL="285750" indent="-285750">
-              <a:buFont typeface="Arial" panose="020B0604020202020204" pitchFamily="34" charset="0"/>
-              <a:buChar char="•"/>
-            </a:pPr>
-            <a:r>
-              <a:rPr lang="it-IT" sz="2400" dirty="0"/>
-              <a:t>Reverse proxy </a:t>
-            </a:r>
-            <a:r>
-              <a:rPr lang="it-IT" sz="2400" dirty="0" err="1"/>
-              <a:t>that</a:t>
-            </a:r>
-            <a:r>
-              <a:rPr lang="it-IT" sz="2400" dirty="0"/>
-              <a:t> </a:t>
-            </a:r>
-            <a:r>
-              <a:rPr lang="it-IT" sz="2400" dirty="0" err="1"/>
-              <a:t>allows</a:t>
-            </a:r>
-            <a:r>
-              <a:rPr lang="it-IT" sz="2400" dirty="0"/>
-              <a:t> to </a:t>
-            </a:r>
-            <a:r>
-              <a:rPr lang="it-IT" sz="2400" dirty="0" err="1"/>
-              <a:t>manage</a:t>
-            </a:r>
-            <a:r>
-              <a:rPr lang="it-IT" sz="2400" dirty="0"/>
-              <a:t>, </a:t>
-            </a:r>
-            <a:r>
-              <a:rPr lang="it-IT" sz="2400" dirty="0" err="1"/>
-              <a:t>configure</a:t>
-            </a:r>
-            <a:r>
-              <a:rPr lang="it-IT" sz="2400" dirty="0"/>
-              <a:t>, and </a:t>
-            </a:r>
-            <a:r>
-              <a:rPr lang="it-IT" sz="2400" dirty="0" err="1"/>
-              <a:t>routes</a:t>
-            </a:r>
-            <a:r>
-              <a:rPr lang="it-IT" sz="2400" dirty="0"/>
-              <a:t> </a:t>
-            </a:r>
-            <a:r>
-              <a:rPr lang="it-IT" sz="2400" dirty="0" err="1"/>
-              <a:t>requests</a:t>
-            </a:r>
-            <a:r>
-              <a:rPr lang="it-IT" sz="2400" dirty="0"/>
-              <a:t> to the </a:t>
-            </a:r>
-            <a:r>
-              <a:rPr lang="it-IT" sz="2400" dirty="0" err="1"/>
-              <a:t>proper</a:t>
-            </a:r>
-            <a:r>
-              <a:rPr lang="it-IT" sz="2400" dirty="0"/>
-              <a:t> </a:t>
-            </a:r>
-            <a:r>
-              <a:rPr lang="it-IT" sz="2400" dirty="0" err="1"/>
-              <a:t>microservice</a:t>
-            </a:r>
-            <a:endParaRPr lang="it-IT" sz="2400" dirty="0"/>
-          </a:p>
-        </p:txBody>
-      </p:sp>
+        </p:spPr>
+      </p:pic>
+      <p:pic>
+        <p:nvPicPr>
+          <p:cNvPr id="7" name="Immagine 6">
+            <a:extLst>
+              <a:ext uri="{FF2B5EF4-FFF2-40B4-BE49-F238E27FC236}">
+                <a16:creationId xmlns:a16="http://schemas.microsoft.com/office/drawing/2014/main" id="{1549BB7B-6EA7-7861-D659-707882909B71}"/>
+              </a:ext>
+            </a:extLst>
+          </p:cNvPr>
+          <p:cNvPicPr>
+            <a:picLocks noChangeAspect="1"/>
+          </p:cNvPicPr>
+          <p:nvPr/>
+        </p:nvPicPr>
+        <p:blipFill>
+          <a:blip r:embed="rId3"/>
+          <a:stretch>
+            <a:fillRect/>
+          </a:stretch>
+        </p:blipFill>
+        <p:spPr>
+          <a:xfrm>
+            <a:off x="4126884" y="3446332"/>
+            <a:ext cx="1871831" cy="1871831"/>
+          </a:xfrm>
+          <a:prstGeom prst="rect">
+            <a:avLst/>
+          </a:prstGeom>
+        </p:spPr>
+      </p:pic>
+      <p:pic>
+        <p:nvPicPr>
+          <p:cNvPr id="9" name="Immagine 8">
+            <a:extLst>
+              <a:ext uri="{FF2B5EF4-FFF2-40B4-BE49-F238E27FC236}">
+                <a16:creationId xmlns:a16="http://schemas.microsoft.com/office/drawing/2014/main" id="{B4A8BE39-FED9-D111-3F7A-E059F8F5DB83}"/>
+              </a:ext>
+            </a:extLst>
+          </p:cNvPr>
+          <p:cNvPicPr>
+            <a:picLocks noChangeAspect="1"/>
+          </p:cNvPicPr>
+          <p:nvPr/>
+        </p:nvPicPr>
+        <p:blipFill>
+          <a:blip r:embed="rId4"/>
+          <a:stretch>
+            <a:fillRect/>
+          </a:stretch>
+        </p:blipFill>
+        <p:spPr>
+          <a:xfrm>
+            <a:off x="7151172" y="3429000"/>
+            <a:ext cx="1326756" cy="1871831"/>
+          </a:xfrm>
+          <a:prstGeom prst="rect">
+            <a:avLst/>
+          </a:prstGeom>
+        </p:spPr>
+      </p:pic>
+      <p:pic>
+        <p:nvPicPr>
+          <p:cNvPr id="11" name="Immagine 10">
+            <a:extLst>
+              <a:ext uri="{FF2B5EF4-FFF2-40B4-BE49-F238E27FC236}">
+                <a16:creationId xmlns:a16="http://schemas.microsoft.com/office/drawing/2014/main" id="{C160A196-CD73-811F-A235-EA14B4ECF7EA}"/>
+              </a:ext>
+            </a:extLst>
+          </p:cNvPr>
+          <p:cNvPicPr>
+            <a:picLocks noChangeAspect="1"/>
+          </p:cNvPicPr>
+          <p:nvPr/>
+        </p:nvPicPr>
+        <p:blipFill>
+          <a:blip r:embed="rId5"/>
+          <a:stretch>
+            <a:fillRect/>
+          </a:stretch>
+        </p:blipFill>
+        <p:spPr>
+          <a:xfrm>
+            <a:off x="10037331" y="3628763"/>
+            <a:ext cx="1506967" cy="1506967"/>
+          </a:xfrm>
+          <a:prstGeom prst="rect">
+            <a:avLst/>
+          </a:prstGeom>
+        </p:spPr>
+      </p:pic>
     </p:spTree>
     <p:extLst>
       <p:ext uri="{BB962C8B-B14F-4D97-AF65-F5344CB8AC3E}">
-        <p14:creationId xmlns:p14="http://schemas.microsoft.com/office/powerpoint/2010/main" val="1308618779"/>
+        <p14:creationId xmlns:p14="http://schemas.microsoft.com/office/powerpoint/2010/main" val="2944861936"/>
       </p:ext>
     </p:extLst>
   </p:cSld>
@@ -5720,7 +5725,7 @@
           <p:cNvPr id="2" name="Titolo 1">
             <a:extLst>
               <a:ext uri="{FF2B5EF4-FFF2-40B4-BE49-F238E27FC236}">
-                <a16:creationId xmlns:a16="http://schemas.microsoft.com/office/drawing/2014/main" id="{CDAF1BE7-EEB3-5BAA-2C5F-8D6C2187A7CB}"/>
+                <a16:creationId xmlns:a16="http://schemas.microsoft.com/office/drawing/2014/main" id="{8CE2F62E-6282-4803-8B63-A7D9A13ABCA8}"/>
               </a:ext>
             </a:extLst>
           </p:cNvPr>
@@ -5738,13 +5743,8 @@
           <a:p>
             <a:r>
               <a:rPr lang="it-IT" dirty="0"/>
-              <a:t>Social and image management </a:t>
-            </a:r>
-            <a:r>
-              <a:rPr lang="it-IT" dirty="0" err="1"/>
-              <a:t>microservices</a:t>
-            </a:r>
-            <a:endParaRPr lang="it-IT" dirty="0"/>
+              <a:t>Api Gateway</a:t>
+            </a:r>
           </a:p>
         </p:txBody>
       </p:sp>
@@ -5753,7 +5753,7 @@
           <p:cNvPr id="5" name="Segnaposto contenuto 4">
             <a:extLst>
               <a:ext uri="{FF2B5EF4-FFF2-40B4-BE49-F238E27FC236}">
-                <a16:creationId xmlns:a16="http://schemas.microsoft.com/office/drawing/2014/main" id="{9BA8B358-52A2-87C3-8C7F-5846D49AA5DB}"/>
+                <a16:creationId xmlns:a16="http://schemas.microsoft.com/office/drawing/2014/main" id="{1D694AED-82CA-F743-6E57-E5649BB41153}"/>
               </a:ext>
             </a:extLst>
           </p:cNvPr>
@@ -5764,53 +5764,25 @@
             <p:ph idx="1"/>
           </p:nvPr>
         </p:nvPicPr>
-        <p:blipFill rotWithShape="1">
+        <p:blipFill>
           <a:blip r:embed="rId2"/>
-          <a:srcRect r="2368" b="9889"/>
-          <a:stretch/>
+          <a:stretch>
+            <a:fillRect/>
+          </a:stretch>
         </p:blipFill>
         <p:spPr>
           <a:xfrm>
-            <a:off x="2293671" y="2313128"/>
-            <a:ext cx="1197511" cy="1211176"/>
+            <a:off x="548639" y="2708312"/>
+            <a:ext cx="4455161" cy="1441375"/>
           </a:xfrm>
         </p:spPr>
       </p:pic>
-      <p:pic>
-        <p:nvPicPr>
-          <p:cNvPr id="7" name="Immagine 6">
-            <a:extLst>
-              <a:ext uri="{FF2B5EF4-FFF2-40B4-BE49-F238E27FC236}">
-                <a16:creationId xmlns:a16="http://schemas.microsoft.com/office/drawing/2014/main" id="{B3E1D1FF-3D57-2973-1C8C-E40550EAFCE8}"/>
-              </a:ext>
-            </a:extLst>
-          </p:cNvPr>
-          <p:cNvPicPr>
-            <a:picLocks noChangeAspect="1"/>
-          </p:cNvPicPr>
-          <p:nvPr/>
-        </p:nvPicPr>
-        <p:blipFill rotWithShape="1">
-          <a:blip r:embed="rId3"/>
-          <a:srcRect l="12054" t="25865" r="11126" b="28563"/>
-          <a:stretch/>
-        </p:blipFill>
-        <p:spPr>
-          <a:xfrm>
-            <a:off x="1162052" y="4189933"/>
-            <a:ext cx="3460750" cy="1077850"/>
-          </a:xfrm>
-          <a:prstGeom prst="rect">
-            <a:avLst/>
-          </a:prstGeom>
-        </p:spPr>
-      </p:pic>
-      <p:sp>
-        <p:nvSpPr>
-          <p:cNvPr id="8" name="CasellaDiTesto 7">
-            <a:extLst>
-              <a:ext uri="{FF2B5EF4-FFF2-40B4-BE49-F238E27FC236}">
-                <a16:creationId xmlns:a16="http://schemas.microsoft.com/office/drawing/2014/main" id="{2E327C4E-F760-D57C-CC4E-4F4FB6E4488E}"/>
+      <p:sp>
+        <p:nvSpPr>
+          <p:cNvPr id="7" name="CasellaDiTesto 6">
+            <a:extLst>
+              <a:ext uri="{FF2B5EF4-FFF2-40B4-BE49-F238E27FC236}">
+                <a16:creationId xmlns:a16="http://schemas.microsoft.com/office/drawing/2014/main" id="{97E3980A-8F29-A3CF-04FD-7136C8C4E35A}"/>
               </a:ext>
             </a:extLst>
           </p:cNvPr>
@@ -5819,8 +5791,8 @@
         </p:nvSpPr>
         <p:spPr>
           <a:xfrm>
-            <a:off x="6096000" y="2313128"/>
-            <a:ext cx="5448298" cy="2954655"/>
+            <a:off x="6096000" y="1905505"/>
+            <a:ext cx="5546725" cy="3046988"/>
           </a:xfrm>
           <a:prstGeom prst="rect">
             <a:avLst/>
@@ -5833,67 +5805,25 @@
           </a:bodyPr>
           <a:lstStyle/>
           <a:p>
-            <a:r>
-              <a:rPr lang="it-IT" sz="2400" dirty="0" err="1"/>
-              <a:t>Expose</a:t>
-            </a:r>
-            <a:r>
-              <a:rPr lang="it-IT" sz="2400" dirty="0"/>
-              <a:t> </a:t>
-            </a:r>
-            <a:r>
-              <a:rPr lang="it-IT" sz="2400" dirty="0" err="1"/>
-              <a:t>APIs</a:t>
-            </a:r>
-            <a:r>
-              <a:rPr lang="it-IT" sz="2400" dirty="0"/>
-              <a:t> to:</a:t>
-            </a:r>
-          </a:p>
-          <a:p>
             <a:pPr marL="285750" indent="-285750">
               <a:buFont typeface="Arial" panose="020B0604020202020204" pitchFamily="34" charset="0"/>
               <a:buChar char="•"/>
             </a:pPr>
             <a:r>
               <a:rPr lang="it-IT" sz="2400" dirty="0" err="1"/>
-              <a:t>Manage</a:t>
+              <a:t>Lightweight</a:t>
             </a:r>
             <a:r>
               <a:rPr lang="it-IT" sz="2400" dirty="0"/>
-              <a:t> </a:t>
+              <a:t>, fast, and </a:t>
             </a:r>
             <a:r>
               <a:rPr lang="it-IT" sz="2400" dirty="0" err="1"/>
-              <a:t>all</a:t>
+              <a:t>flexible</a:t>
             </a:r>
             <a:r>
               <a:rPr lang="it-IT" sz="2400" dirty="0"/>
-              <a:t> social </a:t>
-            </a:r>
-            <a:r>
-              <a:rPr lang="it-IT" sz="2400" dirty="0" err="1"/>
-              <a:t>aspects</a:t>
-            </a:r>
-            <a:r>
-              <a:rPr lang="it-IT" sz="2400" dirty="0"/>
-              <a:t> of the system (i.e. user </a:t>
-            </a:r>
-            <a:r>
-              <a:rPr lang="it-IT" sz="2400" dirty="0" err="1"/>
-              <a:t>registration</a:t>
-            </a:r>
-            <a:r>
-              <a:rPr lang="it-IT" sz="2400" dirty="0"/>
-              <a:t>, likes, </a:t>
-            </a:r>
-            <a:r>
-              <a:rPr lang="it-IT" sz="2400" dirty="0" err="1"/>
-              <a:t>comments</a:t>
-            </a:r>
-            <a:r>
-              <a:rPr lang="it-IT" sz="2400" dirty="0"/>
-              <a:t>, new posts)</a:t>
+              <a:t> cloud-native API gateway</a:t>
             </a:r>
           </a:p>
           <a:p>
@@ -5910,15 +5840,7 @@
             </a:pPr>
             <a:r>
               <a:rPr lang="it-IT" sz="2400" dirty="0"/>
-              <a:t>Upload images on the </a:t>
-            </a:r>
-            <a:r>
-              <a:rPr lang="it-IT" sz="2400" dirty="0" err="1"/>
-              <a:t>Firebase</a:t>
-            </a:r>
-            <a:r>
-              <a:rPr lang="it-IT" sz="2400" dirty="0"/>
-              <a:t> cloud storage</a:t>
+              <a:t>Single entry point for the client</a:t>
             </a:r>
           </a:p>
           <a:p>
@@ -5926,14 +5848,85 @@
               <a:buFont typeface="Arial" panose="020B0604020202020204" pitchFamily="34" charset="0"/>
               <a:buChar char="•"/>
             </a:pPr>
-            <a:endParaRPr lang="it-IT" dirty="0"/>
+            <a:endParaRPr lang="it-IT" sz="2400" dirty="0"/>
+          </a:p>
+          <a:p>
+            <a:pPr marL="285750" indent="-285750">
+              <a:buFont typeface="Arial" panose="020B0604020202020204" pitchFamily="34" charset="0"/>
+              <a:buChar char="•"/>
+            </a:pPr>
+            <a:r>
+              <a:rPr lang="it-IT" sz="2400" dirty="0"/>
+              <a:t>Reverse proxy </a:t>
+            </a:r>
+            <a:r>
+              <a:rPr lang="it-IT" sz="2400" dirty="0" err="1"/>
+              <a:t>that</a:t>
+            </a:r>
+            <a:r>
+              <a:rPr lang="it-IT" sz="2400" dirty="0"/>
+              <a:t> </a:t>
+            </a:r>
+            <a:r>
+              <a:rPr lang="it-IT" sz="2400" dirty="0" err="1"/>
+              <a:t>allows</a:t>
+            </a:r>
+            <a:r>
+              <a:rPr lang="it-IT" sz="2400" dirty="0"/>
+              <a:t> to </a:t>
+            </a:r>
+            <a:r>
+              <a:rPr lang="it-IT" sz="2400" dirty="0" err="1"/>
+              <a:t>manage</a:t>
+            </a:r>
+            <a:r>
+              <a:rPr lang="it-IT" sz="2400" dirty="0"/>
+              <a:t>, </a:t>
+            </a:r>
+            <a:r>
+              <a:rPr lang="it-IT" sz="2400" dirty="0" err="1"/>
+              <a:t>configure</a:t>
+            </a:r>
+            <a:r>
+              <a:rPr lang="it-IT" sz="2400" dirty="0"/>
+              <a:t>, and </a:t>
+            </a:r>
+            <a:r>
+              <a:rPr lang="it-IT" sz="2400" dirty="0" err="1"/>
+              <a:t>routes</a:t>
+            </a:r>
+            <a:r>
+              <a:rPr lang="it-IT" sz="2400" dirty="0"/>
+              <a:t> </a:t>
+            </a:r>
+            <a:r>
+              <a:rPr lang="it-IT" sz="2400" dirty="0" err="1"/>
+              <a:t>requests</a:t>
+            </a:r>
+            <a:r>
+              <a:rPr lang="it-IT" sz="2400" dirty="0"/>
+              <a:t> to the </a:t>
+            </a:r>
+            <a:r>
+              <a:rPr lang="it-IT" sz="2400" dirty="0" err="1"/>
+              <a:t>proper</a:t>
+            </a:r>
+            <a:r>
+              <a:rPr lang="it-IT" sz="2400" dirty="0"/>
+              <a:t> </a:t>
+            </a:r>
+            <a:r>
+              <a:rPr lang="it-IT" sz="2400" dirty="0" err="1"/>
+              <a:t>microservice</a:t>
+            </a:r>
+            <a:endParaRPr lang="it-IT" sz="2400" dirty="0"/>
           </a:p>
         </p:txBody>
       </p:sp>
     </p:spTree>
     <p:extLst>
       <p:ext uri="{BB962C8B-B14F-4D97-AF65-F5344CB8AC3E}">
-        <p14:creationId xmlns:p14="http://schemas.microsoft.com/office/powerpoint/2010/main" val="2089190908"/>
+        <p14:creationId xmlns:p14="http://schemas.microsoft.com/office/powerpoint/2010/main" val="1308618779"/>
       </p:ext>
     </p:extLst>
   </p:cSld>
@@ -5965,7 +5958,7 @@
           <p:cNvPr id="2" name="Titolo 1">
             <a:extLst>
               <a:ext uri="{FF2B5EF4-FFF2-40B4-BE49-F238E27FC236}">
-                <a16:creationId xmlns:a16="http://schemas.microsoft.com/office/drawing/2014/main" id="{4A6D11D5-C6BA-9898-03EC-DE46A8E16C99}"/>
+                <a16:creationId xmlns:a16="http://schemas.microsoft.com/office/drawing/2014/main" id="{CDAF1BE7-EEB3-5BAA-2C5F-8D6C2187A7CB}"/>
               </a:ext>
             </a:extLst>
           </p:cNvPr>
@@ -5982,16 +5975,12 @@
           <a:lstStyle/>
           <a:p>
             <a:r>
+              <a:rPr lang="it-IT" dirty="0"/>
+              <a:t>Social and image management </a:t>
+            </a:r>
+            <a:r>
               <a:rPr lang="it-IT" dirty="0" err="1"/>
-              <a:t>Search</a:t>
-            </a:r>
-            <a:r>
-              <a:rPr lang="it-IT" dirty="0"/>
-              <a:t> </a:t>
-            </a:r>
-            <a:r>
-              <a:rPr lang="it-IT" dirty="0" err="1"/>
-              <a:t>microservice</a:t>
+              <a:t>microservices</a:t>
             </a:r>
             <a:endParaRPr lang="it-IT" dirty="0"/>
           </a:p>
@@ -6002,7 +5991,7 @@
           <p:cNvPr id="5" name="Segnaposto contenuto 4">
             <a:extLst>
               <a:ext uri="{FF2B5EF4-FFF2-40B4-BE49-F238E27FC236}">
-                <a16:creationId xmlns:a16="http://schemas.microsoft.com/office/drawing/2014/main" id="{FBF9FD3B-434F-91F9-A56B-AB8704CAB9C0}"/>
+                <a16:creationId xmlns:a16="http://schemas.microsoft.com/office/drawing/2014/main" id="{9BA8B358-52A2-87C3-8C7F-5846D49AA5DB}"/>
               </a:ext>
             </a:extLst>
           </p:cNvPr>
@@ -6013,16 +6002,15 @@
             <p:ph idx="1"/>
           </p:nvPr>
         </p:nvPicPr>
-        <p:blipFill>
+        <p:blipFill rotWithShape="1">
           <a:blip r:embed="rId2"/>
-          <a:stretch>
-            <a:fillRect/>
-          </a:stretch>
+          <a:srcRect r="2368" b="9889"/>
+          <a:stretch/>
         </p:blipFill>
         <p:spPr>
           <a:xfrm>
-            <a:off x="647702" y="4601400"/>
-            <a:ext cx="3277096" cy="1077849"/>
+            <a:off x="2293671" y="2313128"/>
+            <a:ext cx="1197511" cy="1211176"/>
           </a:xfrm>
         </p:spPr>
       </p:pic>
@@ -6031,7 +6019,7 @@
           <p:cNvPr id="7" name="Immagine 6">
             <a:extLst>
               <a:ext uri="{FF2B5EF4-FFF2-40B4-BE49-F238E27FC236}">
-                <a16:creationId xmlns:a16="http://schemas.microsoft.com/office/drawing/2014/main" id="{D757D093-A8BF-8630-E7A0-F6DAEC87A112}"/>
+                <a16:creationId xmlns:a16="http://schemas.microsoft.com/office/drawing/2014/main" id="{B3E1D1FF-3D57-2973-1C8C-E40550EAFCE8}"/>
               </a:ext>
             </a:extLst>
           </p:cNvPr>
@@ -6042,83 +6030,25 @@
         </p:nvPicPr>
         <p:blipFill rotWithShape="1">
           <a:blip r:embed="rId3"/>
-          <a:srcRect l="15161" t="23565" r="13660" b="20768"/>
+          <a:srcRect l="12054" t="25865" r="11126" b="28563"/>
           <a:stretch/>
         </p:blipFill>
         <p:spPr>
           <a:xfrm>
-            <a:off x="647702" y="1690062"/>
-            <a:ext cx="2647950" cy="958850"/>
+            <a:off x="1162052" y="4189933"/>
+            <a:ext cx="3460750" cy="1077850"/>
           </a:xfrm>
           <a:prstGeom prst="rect">
             <a:avLst/>
           </a:prstGeom>
         </p:spPr>
       </p:pic>
-      <p:pic>
-        <p:nvPicPr>
-          <p:cNvPr id="11" name="Immagine 10">
-            <a:extLst>
-              <a:ext uri="{FF2B5EF4-FFF2-40B4-BE49-F238E27FC236}">
-                <a16:creationId xmlns:a16="http://schemas.microsoft.com/office/drawing/2014/main" id="{AF4F5931-7796-F41C-14AB-2ACF90EAF15F}"/>
-              </a:ext>
-            </a:extLst>
-          </p:cNvPr>
-          <p:cNvPicPr>
-            <a:picLocks noChangeAspect="1"/>
-          </p:cNvPicPr>
-          <p:nvPr/>
-        </p:nvPicPr>
-        <p:blipFill rotWithShape="1">
-          <a:blip r:embed="rId4"/>
-          <a:srcRect l="6174" t="11537" r="4845" b="11134"/>
-          <a:stretch/>
-        </p:blipFill>
-        <p:spPr>
-          <a:xfrm>
-            <a:off x="647702" y="2949850"/>
-            <a:ext cx="2867801" cy="1246124"/>
-          </a:xfrm>
-          <a:prstGeom prst="rect">
-            <a:avLst/>
-          </a:prstGeom>
-        </p:spPr>
-      </p:pic>
-      <p:pic>
-        <p:nvPicPr>
-          <p:cNvPr id="12" name="Segnaposto contenuto 4">
-            <a:extLst>
-              <a:ext uri="{FF2B5EF4-FFF2-40B4-BE49-F238E27FC236}">
-                <a16:creationId xmlns:a16="http://schemas.microsoft.com/office/drawing/2014/main" id="{260502AE-618C-AC6D-9249-A9C686496E39}"/>
-              </a:ext>
-            </a:extLst>
-          </p:cNvPr>
-          <p:cNvPicPr>
-            <a:picLocks noChangeAspect="1"/>
-          </p:cNvPicPr>
-          <p:nvPr/>
-        </p:nvPicPr>
-        <p:blipFill rotWithShape="1">
-          <a:blip r:embed="rId5"/>
-          <a:srcRect l="1" r="1759" b="8127"/>
-          <a:stretch/>
-        </p:blipFill>
-        <p:spPr>
-          <a:xfrm>
-            <a:off x="3878149" y="1690062"/>
-            <a:ext cx="1051766" cy="1077849"/>
-          </a:xfrm>
-          <a:prstGeom prst="rect">
-            <a:avLst/>
-          </a:prstGeom>
-        </p:spPr>
-      </p:pic>
-      <p:sp>
-        <p:nvSpPr>
-          <p:cNvPr id="13" name="CasellaDiTesto 12">
-            <a:extLst>
-              <a:ext uri="{FF2B5EF4-FFF2-40B4-BE49-F238E27FC236}">
-                <a16:creationId xmlns:a16="http://schemas.microsoft.com/office/drawing/2014/main" id="{C73633BB-9951-67FD-9BFD-0C34CD633E9D}"/>
+      <p:sp>
+        <p:nvSpPr>
+          <p:cNvPr id="8" name="CasellaDiTesto 7">
+            <a:extLst>
+              <a:ext uri="{FF2B5EF4-FFF2-40B4-BE49-F238E27FC236}">
+                <a16:creationId xmlns:a16="http://schemas.microsoft.com/office/drawing/2014/main" id="{2E327C4E-F760-D57C-CC4E-4F4FB6E4488E}"/>
               </a:ext>
             </a:extLst>
           </p:cNvPr>
@@ -6127,8 +6057,8 @@
         </p:nvSpPr>
         <p:spPr>
           <a:xfrm>
-            <a:off x="6096000" y="1690062"/>
-            <a:ext cx="5448298" cy="3477875"/>
+            <a:off x="6096000" y="2313128"/>
+            <a:ext cx="5448298" cy="2954655"/>
           </a:xfrm>
           <a:prstGeom prst="rect">
             <a:avLst/>
@@ -6141,57 +6071,67 @@
           </a:bodyPr>
           <a:lstStyle/>
           <a:p>
+            <a:r>
+              <a:rPr lang="it-IT" sz="2400" dirty="0" err="1"/>
+              <a:t>Expose</a:t>
+            </a:r>
+            <a:r>
+              <a:rPr lang="it-IT" sz="2400" dirty="0"/>
+              <a:t> </a:t>
+            </a:r>
+            <a:r>
+              <a:rPr lang="it-IT" sz="2400" dirty="0" err="1"/>
+              <a:t>APIs</a:t>
+            </a:r>
+            <a:r>
+              <a:rPr lang="it-IT" sz="2400" dirty="0"/>
+              <a:t> to:</a:t>
+            </a:r>
+          </a:p>
+          <a:p>
             <a:pPr marL="285750" indent="-285750">
               <a:buFont typeface="Arial" panose="020B0604020202020204" pitchFamily="34" charset="0"/>
               <a:buChar char="•"/>
             </a:pPr>
             <a:r>
-              <a:rPr lang="it-IT" sz="2000" dirty="0" err="1"/>
-              <a:t>Elasticsearch</a:t>
-            </a:r>
-            <a:r>
-              <a:rPr lang="it-IT" sz="2000" dirty="0"/>
+              <a:rPr lang="it-IT" sz="2400" dirty="0" err="1"/>
+              <a:t>Manage</a:t>
+            </a:r>
+            <a:r>
+              <a:rPr lang="it-IT" sz="2400" dirty="0"/>
               <a:t> </a:t>
             </a:r>
             <a:r>
-              <a:rPr lang="it-IT" sz="2000" dirty="0" err="1"/>
-              <a:t>is</a:t>
-            </a:r>
-            <a:r>
-              <a:rPr lang="it-IT" sz="2000" dirty="0"/>
-              <a:t> </a:t>
-            </a:r>
-            <a:r>
-              <a:rPr lang="it-IT" sz="2000" dirty="0" err="1"/>
-              <a:t>used</a:t>
-            </a:r>
-            <a:r>
-              <a:rPr lang="it-IT" sz="2000" dirty="0"/>
-              <a:t> </a:t>
-            </a:r>
-            <a:r>
-              <a:rPr lang="it-IT" sz="2000" dirty="0" err="1"/>
-              <a:t>as</a:t>
-            </a:r>
-            <a:r>
-              <a:rPr lang="it-IT" sz="2000" dirty="0"/>
-              <a:t> </a:t>
-            </a:r>
-            <a:r>
-              <a:rPr lang="it-IT" sz="2000" dirty="0" err="1"/>
-              <a:t>search</a:t>
-            </a:r>
-            <a:r>
-              <a:rPr lang="it-IT" sz="2000" dirty="0"/>
-              <a:t> </a:t>
-            </a:r>
-            <a:r>
-              <a:rPr lang="it-IT" sz="2000" dirty="0" err="1"/>
-              <a:t>engine</a:t>
-            </a:r>
-            <a:r>
-              <a:rPr lang="it-IT" sz="2000" dirty="0"/>
-              <a:t> </a:t>
+              <a:rPr lang="it-IT" sz="2400" dirty="0" err="1"/>
+              <a:t>all</a:t>
+            </a:r>
+            <a:r>
+              <a:rPr lang="it-IT" sz="2400" dirty="0"/>
+              <a:t> social </a:t>
+            </a:r>
+            <a:r>
+              <a:rPr lang="it-IT" sz="2400" dirty="0" err="1"/>
+              <a:t>aspects</a:t>
+            </a:r>
+            <a:r>
+              <a:rPr lang="it-IT" sz="2400" dirty="0"/>
+              <a:t> of the system (i.e. user </a:t>
+            </a:r>
+            <a:r>
+              <a:rPr lang="it-IT" sz="2400" dirty="0" err="1"/>
+              <a:t>registration</a:t>
+            </a:r>
+            <a:r>
+              <a:rPr lang="it-IT" sz="2400" dirty="0"/>
+              <a:t>, likes, </a:t>
+            </a:r>
+            <a:r>
+              <a:rPr lang="it-IT" sz="2400" dirty="0" err="1"/>
+              <a:t>comments</a:t>
+            </a:r>
+            <a:r>
+              <a:rPr lang="it-IT" sz="2400" dirty="0"/>
+              <a:t>, new posts)</a:t>
             </a:r>
           </a:p>
           <a:p>
@@ -6199,7 +6139,7 @@
               <a:buFont typeface="Arial" panose="020B0604020202020204" pitchFamily="34" charset="0"/>
               <a:buChar char="•"/>
             </a:pPr>
-            <a:endParaRPr lang="it-IT" sz="2000" dirty="0"/>
+            <a:endParaRPr lang="it-IT" sz="2400" dirty="0"/>
           </a:p>
           <a:p>
             <a:pPr marL="285750" indent="-285750">
@@ -6207,52 +6147,16 @@
               <a:buChar char="•"/>
             </a:pPr>
             <a:r>
-              <a:rPr lang="it-IT" sz="2000" dirty="0" err="1"/>
-              <a:t>Kibana</a:t>
-            </a:r>
-            <a:r>
-              <a:rPr lang="it-IT" sz="2000" dirty="0"/>
-              <a:t> </a:t>
-            </a:r>
-            <a:r>
-              <a:rPr lang="it-IT" sz="2000" dirty="0" err="1"/>
-              <a:t>provides</a:t>
-            </a:r>
-            <a:r>
-              <a:rPr lang="it-IT" sz="2000" dirty="0"/>
-              <a:t> </a:t>
-            </a:r>
-            <a:r>
-              <a:rPr lang="it-IT" sz="2000" dirty="0" err="1"/>
-              <a:t>search</a:t>
-            </a:r>
-            <a:r>
-              <a:rPr lang="it-IT" sz="2000" dirty="0"/>
-              <a:t> and data </a:t>
-            </a:r>
-            <a:r>
-              <a:rPr lang="it-IT" sz="2000" dirty="0" err="1"/>
-              <a:t>visualization</a:t>
-            </a:r>
-            <a:r>
-              <a:rPr lang="it-IT" sz="2000" dirty="0"/>
-              <a:t> capabilities for data </a:t>
-            </a:r>
-            <a:r>
-              <a:rPr lang="it-IT" sz="2000" dirty="0" err="1"/>
-              <a:t>indexed</a:t>
-            </a:r>
-            <a:r>
-              <a:rPr lang="it-IT" sz="2000" dirty="0"/>
-              <a:t> in </a:t>
-            </a:r>
-            <a:r>
-              <a:rPr lang="it-IT" sz="2000" dirty="0" err="1"/>
-              <a:t>Elasticsearch</a:t>
-            </a:r>
-            <a:r>
-              <a:rPr lang="it-IT" sz="2000" dirty="0"/>
-              <a:t> </a:t>
+              <a:rPr lang="it-IT" sz="2400" dirty="0"/>
+              <a:t>Upload images on the </a:t>
+            </a:r>
+            <a:r>
+              <a:rPr lang="it-IT" sz="2400" dirty="0" err="1"/>
+              <a:t>Firebase</a:t>
+            </a:r>
+            <a:r>
+              <a:rPr lang="it-IT" sz="2400" dirty="0"/>
+              <a:t> cloud storage</a:t>
             </a:r>
           </a:p>
           <a:p>
@@ -6260,129 +6164,14 @@
               <a:buFont typeface="Arial" panose="020B0604020202020204" pitchFamily="34" charset="0"/>
               <a:buChar char="•"/>
             </a:pPr>
-            <a:endParaRPr lang="it-IT" sz="2000" dirty="0"/>
-          </a:p>
-          <a:p>
-            <a:pPr marL="285750" indent="-285750">
-              <a:buFont typeface="Arial" panose="020B0604020202020204" pitchFamily="34" charset="0"/>
-              <a:buChar char="•"/>
-            </a:pPr>
-            <a:r>
-              <a:rPr lang="it-IT" sz="2000" dirty="0" err="1"/>
-              <a:t>Deepdetect</a:t>
-            </a:r>
-            <a:r>
-              <a:rPr lang="it-IT" sz="2000" dirty="0"/>
-              <a:t> deep learning </a:t>
-            </a:r>
-            <a:r>
-              <a:rPr lang="it-IT" sz="2000" dirty="0" err="1"/>
-              <a:t>platform</a:t>
-            </a:r>
-            <a:r>
-              <a:rPr lang="it-IT" sz="2000" dirty="0"/>
-              <a:t> </a:t>
-            </a:r>
-            <a:r>
-              <a:rPr lang="it-IT" sz="2000" dirty="0" err="1"/>
-              <a:t>offers</a:t>
-            </a:r>
-            <a:r>
-              <a:rPr lang="it-IT" sz="2000" dirty="0"/>
-              <a:t> </a:t>
-            </a:r>
-            <a:r>
-              <a:rPr lang="it-IT" sz="2000" dirty="0" err="1"/>
-              <a:t>pre-trained</a:t>
-            </a:r>
-            <a:r>
-              <a:rPr lang="it-IT" sz="2000" dirty="0"/>
-              <a:t> models for </a:t>
-            </a:r>
-            <a:r>
-              <a:rPr lang="it-IT" sz="2000" dirty="0" err="1"/>
-              <a:t>classifing</a:t>
-            </a:r>
-            <a:r>
-              <a:rPr lang="it-IT" sz="2000" dirty="0"/>
-              <a:t> images’ </a:t>
-            </a:r>
-            <a:r>
-              <a:rPr lang="it-IT" sz="2000" dirty="0" err="1"/>
-              <a:t>based</a:t>
-            </a:r>
-            <a:r>
-              <a:rPr lang="it-IT" sz="2000" dirty="0"/>
-              <a:t> on </a:t>
-            </a:r>
-            <a:r>
-              <a:rPr lang="it-IT" sz="2000" dirty="0" err="1"/>
-              <a:t>represented</a:t>
-            </a:r>
-            <a:r>
-              <a:rPr lang="it-IT" sz="2000" dirty="0"/>
-              <a:t> </a:t>
-            </a:r>
-            <a:r>
-              <a:rPr lang="it-IT" sz="2000" dirty="0" err="1"/>
-              <a:t>subjects</a:t>
-            </a:r>
-            <a:r>
-              <a:rPr lang="it-IT" sz="2000" dirty="0"/>
-              <a:t> and the </a:t>
-            </a:r>
-            <a:r>
-              <a:rPr lang="it-IT" sz="2000" dirty="0" err="1"/>
-              <a:t>ability</a:t>
-            </a:r>
-            <a:r>
-              <a:rPr lang="it-IT" sz="2000" dirty="0"/>
-              <a:t> to </a:t>
-            </a:r>
-            <a:r>
-              <a:rPr lang="it-IT" sz="2000" dirty="0" err="1"/>
-              <a:t>search</a:t>
-            </a:r>
-            <a:r>
-              <a:rPr lang="it-IT" sz="2000" dirty="0"/>
-              <a:t> for images </a:t>
-            </a:r>
-            <a:r>
-              <a:rPr lang="it-IT" sz="2000" dirty="0" err="1"/>
-              <a:t>based</a:t>
-            </a:r>
-            <a:r>
-              <a:rPr lang="it-IT" sz="2000" dirty="0"/>
-              <a:t> on </a:t>
-            </a:r>
-            <a:r>
-              <a:rPr lang="it-IT" sz="2000" dirty="0" err="1"/>
-              <a:t>them</a:t>
-            </a:r>
-            <a:r>
-              <a:rPr lang="it-IT" sz="2000" dirty="0"/>
-              <a:t> </a:t>
-            </a:r>
-            <a:r>
-              <a:rPr lang="it-IT" sz="2000" dirty="0" err="1"/>
-              <a:t>through</a:t>
-            </a:r>
-            <a:r>
-              <a:rPr lang="it-IT" sz="2000" dirty="0"/>
-              <a:t> </a:t>
-            </a:r>
-            <a:r>
-              <a:rPr lang="it-IT" sz="2000" dirty="0" err="1"/>
-              <a:t>Elasticsearch</a:t>
-            </a:r>
-            <a:endParaRPr lang="it-IT" sz="2000" dirty="0"/>
+            <a:endParaRPr lang="it-IT" dirty="0"/>
           </a:p>
         </p:txBody>
       </p:sp>
     </p:spTree>
     <p:extLst>
       <p:ext uri="{BB962C8B-B14F-4D97-AF65-F5344CB8AC3E}">
-        <p14:creationId xmlns:p14="http://schemas.microsoft.com/office/powerpoint/2010/main" val="2055067997"/>
+        <p14:creationId xmlns:p14="http://schemas.microsoft.com/office/powerpoint/2010/main" val="2089190908"/>
       </p:ext>
     </p:extLst>
   </p:cSld>
@@ -6905,7 +6694,7 @@
                   <a:spcPts val="600"/>
                 </a:spcAft>
               </a:pPr>
-              <a:t>4/13/2023</a:t>
+              <a:t>4/13/23</a:t>
             </a:fld>
             <a:endParaRPr lang="en-US" dirty="0">
               <a:solidFill>
@@ -7002,6 +6791,455 @@
           <p:cNvPr id="2" name="Titolo 1">
             <a:extLst>
               <a:ext uri="{FF2B5EF4-FFF2-40B4-BE49-F238E27FC236}">
+                <a16:creationId xmlns:a16="http://schemas.microsoft.com/office/drawing/2014/main" id="{4A6D11D5-C6BA-9898-03EC-DE46A8E16C99}"/>
+              </a:ext>
+            </a:extLst>
+          </p:cNvPr>
+          <p:cNvSpPr>
+            <a:spLocks noGrp="1"/>
+          </p:cNvSpPr>
+          <p:nvPr>
+            <p:ph type="title"/>
+          </p:nvPr>
+        </p:nvSpPr>
+        <p:spPr/>
+        <p:txBody>
+          <a:bodyPr/>
+          <a:lstStyle/>
+          <a:p>
+            <a:r>
+              <a:rPr lang="it-IT" dirty="0" err="1"/>
+              <a:t>Search</a:t>
+            </a:r>
+            <a:r>
+              <a:rPr lang="it-IT" dirty="0"/>
+              <a:t> </a:t>
+            </a:r>
+            <a:r>
+              <a:rPr lang="it-IT" dirty="0" err="1"/>
+              <a:t>microservice</a:t>
+            </a:r>
+            <a:endParaRPr lang="it-IT" dirty="0"/>
+          </a:p>
+        </p:txBody>
+      </p:sp>
+      <p:pic>
+        <p:nvPicPr>
+          <p:cNvPr id="5" name="Segnaposto contenuto 4">
+            <a:extLst>
+              <a:ext uri="{FF2B5EF4-FFF2-40B4-BE49-F238E27FC236}">
+                <a16:creationId xmlns:a16="http://schemas.microsoft.com/office/drawing/2014/main" id="{FBF9FD3B-434F-91F9-A56B-AB8704CAB9C0}"/>
+              </a:ext>
+            </a:extLst>
+          </p:cNvPr>
+          <p:cNvPicPr>
+            <a:picLocks noGrp="1" noChangeAspect="1"/>
+          </p:cNvPicPr>
+          <p:nvPr>
+            <p:ph idx="1"/>
+          </p:nvPr>
+        </p:nvPicPr>
+        <p:blipFill>
+          <a:blip r:embed="rId2"/>
+          <a:stretch>
+            <a:fillRect/>
+          </a:stretch>
+        </p:blipFill>
+        <p:spPr>
+          <a:xfrm>
+            <a:off x="647702" y="4601400"/>
+            <a:ext cx="3277096" cy="1077849"/>
+          </a:xfrm>
+        </p:spPr>
+      </p:pic>
+      <p:pic>
+        <p:nvPicPr>
+          <p:cNvPr id="7" name="Immagine 6">
+            <a:extLst>
+              <a:ext uri="{FF2B5EF4-FFF2-40B4-BE49-F238E27FC236}">
+                <a16:creationId xmlns:a16="http://schemas.microsoft.com/office/drawing/2014/main" id="{D757D093-A8BF-8630-E7A0-F6DAEC87A112}"/>
+              </a:ext>
+            </a:extLst>
+          </p:cNvPr>
+          <p:cNvPicPr>
+            <a:picLocks noChangeAspect="1"/>
+          </p:cNvPicPr>
+          <p:nvPr/>
+        </p:nvPicPr>
+        <p:blipFill rotWithShape="1">
+          <a:blip r:embed="rId3"/>
+          <a:srcRect l="15161" t="23565" r="13660" b="20768"/>
+          <a:stretch/>
+        </p:blipFill>
+        <p:spPr>
+          <a:xfrm>
+            <a:off x="647702" y="1690062"/>
+            <a:ext cx="2647950" cy="958850"/>
+          </a:xfrm>
+          <a:prstGeom prst="rect">
+            <a:avLst/>
+          </a:prstGeom>
+        </p:spPr>
+      </p:pic>
+      <p:pic>
+        <p:nvPicPr>
+          <p:cNvPr id="11" name="Immagine 10">
+            <a:extLst>
+              <a:ext uri="{FF2B5EF4-FFF2-40B4-BE49-F238E27FC236}">
+                <a16:creationId xmlns:a16="http://schemas.microsoft.com/office/drawing/2014/main" id="{AF4F5931-7796-F41C-14AB-2ACF90EAF15F}"/>
+              </a:ext>
+            </a:extLst>
+          </p:cNvPr>
+          <p:cNvPicPr>
+            <a:picLocks noChangeAspect="1"/>
+          </p:cNvPicPr>
+          <p:nvPr/>
+        </p:nvPicPr>
+        <p:blipFill rotWithShape="1">
+          <a:blip r:embed="rId4"/>
+          <a:srcRect l="6174" t="11537" r="4845" b="11134"/>
+          <a:stretch/>
+        </p:blipFill>
+        <p:spPr>
+          <a:xfrm>
+            <a:off x="647702" y="2949850"/>
+            <a:ext cx="2867801" cy="1246124"/>
+          </a:xfrm>
+          <a:prstGeom prst="rect">
+            <a:avLst/>
+          </a:prstGeom>
+        </p:spPr>
+      </p:pic>
+      <p:pic>
+        <p:nvPicPr>
+          <p:cNvPr id="12" name="Segnaposto contenuto 4">
+            <a:extLst>
+              <a:ext uri="{FF2B5EF4-FFF2-40B4-BE49-F238E27FC236}">
+                <a16:creationId xmlns:a16="http://schemas.microsoft.com/office/drawing/2014/main" id="{260502AE-618C-AC6D-9249-A9C686496E39}"/>
+              </a:ext>
+            </a:extLst>
+          </p:cNvPr>
+          <p:cNvPicPr>
+            <a:picLocks noChangeAspect="1"/>
+          </p:cNvPicPr>
+          <p:nvPr/>
+        </p:nvPicPr>
+        <p:blipFill rotWithShape="1">
+          <a:blip r:embed="rId5"/>
+          <a:srcRect l="1" r="1759" b="8127"/>
+          <a:stretch/>
+        </p:blipFill>
+        <p:spPr>
+          <a:xfrm>
+            <a:off x="3878149" y="1690062"/>
+            <a:ext cx="1051766" cy="1077849"/>
+          </a:xfrm>
+          <a:prstGeom prst="rect">
+            <a:avLst/>
+          </a:prstGeom>
+        </p:spPr>
+      </p:pic>
+      <p:sp>
+        <p:nvSpPr>
+          <p:cNvPr id="13" name="CasellaDiTesto 12">
+            <a:extLst>
+              <a:ext uri="{FF2B5EF4-FFF2-40B4-BE49-F238E27FC236}">
+                <a16:creationId xmlns:a16="http://schemas.microsoft.com/office/drawing/2014/main" id="{C73633BB-9951-67FD-9BFD-0C34CD633E9D}"/>
+              </a:ext>
+            </a:extLst>
+          </p:cNvPr>
+          <p:cNvSpPr txBox="1"/>
+          <p:nvPr/>
+        </p:nvSpPr>
+        <p:spPr>
+          <a:xfrm>
+            <a:off x="6096000" y="1690062"/>
+            <a:ext cx="5448298" cy="3477875"/>
+          </a:xfrm>
+          <a:prstGeom prst="rect">
+            <a:avLst/>
+          </a:prstGeom>
+          <a:noFill/>
+        </p:spPr>
+        <p:txBody>
+          <a:bodyPr wrap="square" rtlCol="0">
+            <a:spAutoFit/>
+          </a:bodyPr>
+          <a:lstStyle/>
+          <a:p>
+            <a:pPr marL="285750" indent="-285750">
+              <a:buFont typeface="Arial" panose="020B0604020202020204" pitchFamily="34" charset="0"/>
+              <a:buChar char="•"/>
+            </a:pPr>
+            <a:r>
+              <a:rPr lang="it-IT" sz="2000" dirty="0" err="1"/>
+              <a:t>Elasticsearch</a:t>
+            </a:r>
+            <a:r>
+              <a:rPr lang="it-IT" sz="2000" dirty="0"/>
+              <a:t> </a:t>
+            </a:r>
+            <a:r>
+              <a:rPr lang="it-IT" sz="2000" dirty="0" err="1"/>
+              <a:t>is</a:t>
+            </a:r>
+            <a:r>
+              <a:rPr lang="it-IT" sz="2000" dirty="0"/>
+              <a:t> </a:t>
+            </a:r>
+            <a:r>
+              <a:rPr lang="it-IT" sz="2000" dirty="0" err="1"/>
+              <a:t>used</a:t>
+            </a:r>
+            <a:r>
+              <a:rPr lang="it-IT" sz="2000" dirty="0"/>
+              <a:t> </a:t>
+            </a:r>
+            <a:r>
+              <a:rPr lang="it-IT" sz="2000" dirty="0" err="1"/>
+              <a:t>as</a:t>
+            </a:r>
+            <a:r>
+              <a:rPr lang="it-IT" sz="2000" dirty="0"/>
+              <a:t> </a:t>
+            </a:r>
+            <a:r>
+              <a:rPr lang="it-IT" sz="2000" dirty="0" err="1"/>
+              <a:t>search</a:t>
+            </a:r>
+            <a:r>
+              <a:rPr lang="it-IT" sz="2000" dirty="0"/>
+              <a:t> </a:t>
+            </a:r>
+            <a:r>
+              <a:rPr lang="it-IT" sz="2000" dirty="0" err="1"/>
+              <a:t>engine</a:t>
+            </a:r>
+            <a:r>
+              <a:rPr lang="it-IT" sz="2000" dirty="0"/>
+              <a:t> </a:t>
+            </a:r>
+          </a:p>
+          <a:p>
+            <a:pPr marL="285750" indent="-285750">
+              <a:buFont typeface="Arial" panose="020B0604020202020204" pitchFamily="34" charset="0"/>
+              <a:buChar char="•"/>
+            </a:pPr>
+            <a:endParaRPr lang="it-IT" sz="2000" dirty="0"/>
+          </a:p>
+          <a:p>
+            <a:pPr marL="285750" indent="-285750">
+              <a:buFont typeface="Arial" panose="020B0604020202020204" pitchFamily="34" charset="0"/>
+              <a:buChar char="•"/>
+            </a:pPr>
+            <a:r>
+              <a:rPr lang="it-IT" sz="2000" dirty="0" err="1"/>
+              <a:t>Kibana</a:t>
+            </a:r>
+            <a:r>
+              <a:rPr lang="it-IT" sz="2000" dirty="0"/>
+              <a:t> </a:t>
+            </a:r>
+            <a:r>
+              <a:rPr lang="it-IT" sz="2000" dirty="0" err="1"/>
+              <a:t>provides</a:t>
+            </a:r>
+            <a:r>
+              <a:rPr lang="it-IT" sz="2000" dirty="0"/>
+              <a:t> </a:t>
+            </a:r>
+            <a:r>
+              <a:rPr lang="it-IT" sz="2000" dirty="0" err="1"/>
+              <a:t>search</a:t>
+            </a:r>
+            <a:r>
+              <a:rPr lang="it-IT" sz="2000" dirty="0"/>
+              <a:t> and data </a:t>
+            </a:r>
+            <a:r>
+              <a:rPr lang="it-IT" sz="2000" dirty="0" err="1"/>
+              <a:t>visualization</a:t>
+            </a:r>
+            <a:r>
+              <a:rPr lang="it-IT" sz="2000" dirty="0"/>
+              <a:t> capabilities for data </a:t>
+            </a:r>
+            <a:r>
+              <a:rPr lang="it-IT" sz="2000" dirty="0" err="1"/>
+              <a:t>indexed</a:t>
+            </a:r>
+            <a:r>
+              <a:rPr lang="it-IT" sz="2000" dirty="0"/>
+              <a:t> in </a:t>
+            </a:r>
+            <a:r>
+              <a:rPr lang="it-IT" sz="2000" dirty="0" err="1"/>
+              <a:t>Elasticsearch</a:t>
+            </a:r>
+            <a:r>
+              <a:rPr lang="it-IT" sz="2000" dirty="0"/>
+              <a:t> </a:t>
+            </a:r>
+          </a:p>
+          <a:p>
+            <a:pPr marL="285750" indent="-285750">
+              <a:buFont typeface="Arial" panose="020B0604020202020204" pitchFamily="34" charset="0"/>
+              <a:buChar char="•"/>
+            </a:pPr>
+            <a:endParaRPr lang="it-IT" sz="2000" dirty="0"/>
+          </a:p>
+          <a:p>
+            <a:pPr marL="285750" indent="-285750">
+              <a:buFont typeface="Arial" panose="020B0604020202020204" pitchFamily="34" charset="0"/>
+              <a:buChar char="•"/>
+            </a:pPr>
+            <a:r>
+              <a:rPr lang="it-IT" sz="2000" dirty="0" err="1"/>
+              <a:t>Deepdetect</a:t>
+            </a:r>
+            <a:r>
+              <a:rPr lang="it-IT" sz="2000" dirty="0"/>
+              <a:t> deep learning </a:t>
+            </a:r>
+            <a:r>
+              <a:rPr lang="it-IT" sz="2000" dirty="0" err="1"/>
+              <a:t>platform</a:t>
+            </a:r>
+            <a:r>
+              <a:rPr lang="it-IT" sz="2000" dirty="0"/>
+              <a:t> </a:t>
+            </a:r>
+            <a:r>
+              <a:rPr lang="it-IT" sz="2000" dirty="0" err="1"/>
+              <a:t>offers</a:t>
+            </a:r>
+            <a:r>
+              <a:rPr lang="it-IT" sz="2000" dirty="0"/>
+              <a:t> </a:t>
+            </a:r>
+            <a:r>
+              <a:rPr lang="it-IT" sz="2000" dirty="0" err="1"/>
+              <a:t>pre-trained</a:t>
+            </a:r>
+            <a:r>
+              <a:rPr lang="it-IT" sz="2000" dirty="0"/>
+              <a:t> models for </a:t>
+            </a:r>
+            <a:r>
+              <a:rPr lang="it-IT" sz="2000" dirty="0" err="1"/>
+              <a:t>classifing</a:t>
+            </a:r>
+            <a:r>
+              <a:rPr lang="it-IT" sz="2000" dirty="0"/>
+              <a:t> images’ </a:t>
+            </a:r>
+            <a:r>
+              <a:rPr lang="it-IT" sz="2000" dirty="0" err="1"/>
+              <a:t>based</a:t>
+            </a:r>
+            <a:r>
+              <a:rPr lang="it-IT" sz="2000" dirty="0"/>
+              <a:t> on </a:t>
+            </a:r>
+            <a:r>
+              <a:rPr lang="it-IT" sz="2000" dirty="0" err="1"/>
+              <a:t>represented</a:t>
+            </a:r>
+            <a:r>
+              <a:rPr lang="it-IT" sz="2000" dirty="0"/>
+              <a:t> </a:t>
+            </a:r>
+            <a:r>
+              <a:rPr lang="it-IT" sz="2000" dirty="0" err="1"/>
+              <a:t>subjects</a:t>
+            </a:r>
+            <a:r>
+              <a:rPr lang="it-IT" sz="2000" dirty="0"/>
+              <a:t> and the </a:t>
+            </a:r>
+            <a:r>
+              <a:rPr lang="it-IT" sz="2000" dirty="0" err="1"/>
+              <a:t>ability</a:t>
+            </a:r>
+            <a:r>
+              <a:rPr lang="it-IT" sz="2000" dirty="0"/>
+              <a:t> to </a:t>
+            </a:r>
+            <a:r>
+              <a:rPr lang="it-IT" sz="2000" dirty="0" err="1"/>
+              <a:t>search</a:t>
+            </a:r>
+            <a:r>
+              <a:rPr lang="it-IT" sz="2000" dirty="0"/>
+              <a:t> for images </a:t>
+            </a:r>
+            <a:r>
+              <a:rPr lang="it-IT" sz="2000" dirty="0" err="1"/>
+              <a:t>based</a:t>
+            </a:r>
+            <a:r>
+              <a:rPr lang="it-IT" sz="2000" dirty="0"/>
+              <a:t> on </a:t>
+            </a:r>
+            <a:r>
+              <a:rPr lang="it-IT" sz="2000" dirty="0" err="1"/>
+              <a:t>them</a:t>
+            </a:r>
+            <a:r>
+              <a:rPr lang="it-IT" sz="2000" dirty="0"/>
+              <a:t> </a:t>
+            </a:r>
+            <a:r>
+              <a:rPr lang="it-IT" sz="2000" dirty="0" err="1"/>
+              <a:t>through</a:t>
+            </a:r>
+            <a:r>
+              <a:rPr lang="it-IT" sz="2000" dirty="0"/>
+              <a:t> </a:t>
+            </a:r>
+            <a:r>
+              <a:rPr lang="it-IT" sz="2000" dirty="0" err="1"/>
+              <a:t>Elasticsearch</a:t>
+            </a:r>
+            <a:endParaRPr lang="it-IT" sz="2000" dirty="0"/>
+          </a:p>
+        </p:txBody>
+      </p:sp>
+    </p:spTree>
+    <p:extLst>
+      <p:ext uri="{BB962C8B-B14F-4D97-AF65-F5344CB8AC3E}">
+        <p14:creationId xmlns:p14="http://schemas.microsoft.com/office/powerpoint/2010/main" val="2055067997"/>
+      </p:ext>
+    </p:extLst>
+  </p:cSld>
+  <p:clrMapOvr>
+    <a:masterClrMapping/>
+  </p:clrMapOvr>
+</p:sld>
+</file>
+
+<file path=ppt/slides/slide21.xml><?xml version="1.0" encoding="utf-8"?>
+<p:sld xmlns:a="http://schemas.openxmlformats.org/drawingml/2006/main" xmlns:r="http://schemas.openxmlformats.org/officeDocument/2006/relationships" xmlns:p="http://schemas.openxmlformats.org/presentationml/2006/main">
+  <p:cSld>
+    <p:spTree>
+      <p:nvGrpSpPr>
+        <p:cNvPr id="1" name=""/>
+        <p:cNvGrpSpPr/>
+        <p:nvPr/>
+      </p:nvGrpSpPr>
+      <p:grpSpPr>
+        <a:xfrm>
+          <a:off x="0" y="0"/>
+          <a:ext cx="0" cy="0"/>
+          <a:chOff x="0" y="0"/>
+          <a:chExt cx="0" cy="0"/>
+        </a:xfrm>
+      </p:grpSpPr>
+      <p:sp>
+        <p:nvSpPr>
+          <p:cNvPr id="2" name="Titolo 1">
+            <a:extLst>
+              <a:ext uri="{FF2B5EF4-FFF2-40B4-BE49-F238E27FC236}">
                 <a16:creationId xmlns:a16="http://schemas.microsoft.com/office/drawing/2014/main" id="{6726C3A2-4B24-7EC8-3B7E-D1CF6D210DFB}"/>
               </a:ext>
             </a:extLst>
@@ -7292,7 +7530,7 @@
 </p:sld>
 </file>
 
-<file path=ppt/slides/slide21.xml><?xml version="1.0" encoding="utf-8"?>
+<file path=ppt/slides/slide22.xml><?xml version="1.0" encoding="utf-8"?>
 <p:sld xmlns:a="http://schemas.openxmlformats.org/drawingml/2006/main" xmlns:r="http://schemas.openxmlformats.org/officeDocument/2006/relationships" xmlns:p="http://schemas.openxmlformats.org/presentationml/2006/main">
   <p:cSld>
     <p:spTree>

--- a/Documentation/Presentation.pptx
+++ b/Documentation/Presentation.pptx
@@ -5,7 +5,7 @@
     <p:sldMasterId id="2147483979" r:id="rId1"/>
   </p:sldMasterIdLst>
   <p:notesMasterIdLst>
-    <p:notesMasterId r:id="rId24"/>
+    <p:notesMasterId r:id="rId26"/>
   </p:notesMasterIdLst>
   <p:sldIdLst>
     <p:sldId id="256" r:id="rId2"/>
@@ -15,10 +15,10 @@
     <p:sldId id="262" r:id="rId6"/>
     <p:sldId id="263" r:id="rId7"/>
     <p:sldId id="264" r:id="rId8"/>
-    <p:sldId id="265" r:id="rId9"/>
-    <p:sldId id="266" r:id="rId10"/>
-    <p:sldId id="267" r:id="rId11"/>
-    <p:sldId id="268" r:id="rId12"/>
+    <p:sldId id="267" r:id="rId9"/>
+    <p:sldId id="268" r:id="rId10"/>
+    <p:sldId id="265" r:id="rId11"/>
+    <p:sldId id="266" r:id="rId12"/>
     <p:sldId id="258" r:id="rId13"/>
     <p:sldId id="269" r:id="rId14"/>
     <p:sldId id="270" r:id="rId15"/>
@@ -26,10 +26,12 @@
     <p:sldId id="277" r:id="rId17"/>
     <p:sldId id="271" r:id="rId18"/>
     <p:sldId id="272" r:id="rId19"/>
-    <p:sldId id="273" r:id="rId20"/>
-    <p:sldId id="274" r:id="rId21"/>
-    <p:sldId id="275" r:id="rId22"/>
-    <p:sldId id="276" r:id="rId23"/>
+    <p:sldId id="278" r:id="rId20"/>
+    <p:sldId id="273" r:id="rId21"/>
+    <p:sldId id="274" r:id="rId22"/>
+    <p:sldId id="275" r:id="rId23"/>
+    <p:sldId id="276" r:id="rId24"/>
+    <p:sldId id="279" r:id="rId25"/>
   </p:sldIdLst>
   <p:sldSz cx="12192000" cy="6858000"/>
   <p:notesSz cx="6858000" cy="9144000"/>
@@ -529,7 +531,301 @@
           <a:bodyPr/>
           <a:lstStyle/>
           <a:p>
-            <a:endParaRPr lang="it-IT" dirty="0"/>
+            <a:r>
+              <a:rPr lang="it-IT" dirty="0"/>
+              <a:t>The idea of </a:t>
+            </a:r>
+            <a:r>
+              <a:rPr lang="it-IT" dirty="0" err="1"/>
+              <a:t>our</a:t>
+            </a:r>
+            <a:r>
+              <a:rPr lang="it-IT" dirty="0"/>
+              <a:t> project </a:t>
+            </a:r>
+            <a:r>
+              <a:rPr lang="it-IT" dirty="0" err="1"/>
+              <a:t>was</a:t>
+            </a:r>
+            <a:r>
+              <a:rPr lang="it-IT" dirty="0"/>
+              <a:t> to </a:t>
+            </a:r>
+            <a:r>
+              <a:rPr lang="it-IT" dirty="0" err="1"/>
+              <a:t>define</a:t>
+            </a:r>
+            <a:r>
+              <a:rPr lang="it-IT" dirty="0"/>
+              <a:t> an interactive dashboard to share and </a:t>
+            </a:r>
+            <a:r>
+              <a:rPr lang="it-IT" dirty="0" err="1"/>
+              <a:t>visualize</a:t>
+            </a:r>
+            <a:r>
+              <a:rPr lang="it-IT" dirty="0"/>
+              <a:t> images </a:t>
+            </a:r>
+            <a:r>
+              <a:rPr lang="it-IT" dirty="0" err="1"/>
+              <a:t>uploaded</a:t>
+            </a:r>
+            <a:r>
+              <a:rPr lang="it-IT" dirty="0"/>
+              <a:t> by </a:t>
+            </a:r>
+            <a:r>
+              <a:rPr lang="it-IT" dirty="0" err="1"/>
+              <a:t>other</a:t>
+            </a:r>
+            <a:r>
+              <a:rPr lang="it-IT" dirty="0"/>
+              <a:t> users. </a:t>
+            </a:r>
+          </a:p>
+        </p:txBody>
+      </p:sp>
+      <p:sp>
+        <p:nvSpPr>
+          <p:cNvPr id="4" name="Segnaposto numero diapositiva 3"/>
+          <p:cNvSpPr>
+            <a:spLocks noGrp="1"/>
+          </p:cNvSpPr>
+          <p:nvPr>
+            <p:ph type="sldNum" sz="quarter" idx="5"/>
+          </p:nvPr>
+        </p:nvSpPr>
+        <p:spPr/>
+        <p:txBody>
+          <a:bodyPr/>
+          <a:lstStyle/>
+          <a:p>
+            <a:fld id="{58AB443B-2EC5-D547-A963-FC763052E97D}" type="slidenum">
+              <a:rPr lang="it-IT" smtClean="0"/>
+              <a:t>2</a:t>
+            </a:fld>
+            <a:endParaRPr lang="it-IT"/>
+          </a:p>
+        </p:txBody>
+      </p:sp>
+    </p:spTree>
+    <p:extLst>
+      <p:ext uri="{BB962C8B-B14F-4D97-AF65-F5344CB8AC3E}">
+        <p14:creationId xmlns:p14="http://schemas.microsoft.com/office/powerpoint/2010/main" val="799195637"/>
+      </p:ext>
+    </p:extLst>
+  </p:cSld>
+  <p:clrMapOvr>
+    <a:masterClrMapping/>
+  </p:clrMapOvr>
+</p:notes>
+</file>
+
+<file path=ppt/notesSlides/notesSlide10.xml><?xml version="1.0" encoding="utf-8"?>
+<p:notes xmlns:a="http://schemas.openxmlformats.org/drawingml/2006/main" xmlns:r="http://schemas.openxmlformats.org/officeDocument/2006/relationships" xmlns:p="http://schemas.openxmlformats.org/presentationml/2006/main">
+  <p:cSld>
+    <p:spTree>
+      <p:nvGrpSpPr>
+        <p:cNvPr id="1" name=""/>
+        <p:cNvGrpSpPr/>
+        <p:nvPr/>
+      </p:nvGrpSpPr>
+      <p:grpSpPr>
+        <a:xfrm>
+          <a:off x="0" y="0"/>
+          <a:ext cx="0" cy="0"/>
+          <a:chOff x="0" y="0"/>
+          <a:chExt cx="0" cy="0"/>
+        </a:xfrm>
+      </p:grpSpPr>
+      <p:sp>
+        <p:nvSpPr>
+          <p:cNvPr id="2" name="Segnaposto immagine diapositiva 1"/>
+          <p:cNvSpPr>
+            <a:spLocks noGrp="1" noRot="1" noChangeAspect="1"/>
+          </p:cNvSpPr>
+          <p:nvPr>
+            <p:ph type="sldImg"/>
+          </p:nvPr>
+        </p:nvSpPr>
+        <p:spPr/>
+      </p:sp>
+      <p:sp>
+        <p:nvSpPr>
+          <p:cNvPr id="3" name="Segnaposto note 2"/>
+          <p:cNvSpPr>
+            <a:spLocks noGrp="1"/>
+          </p:cNvSpPr>
+          <p:nvPr>
+            <p:ph type="body" idx="1"/>
+          </p:nvPr>
+        </p:nvSpPr>
+        <p:spPr/>
+        <p:txBody>
+          <a:bodyPr/>
+          <a:lstStyle/>
+          <a:p>
+            <a:r>
+              <a:rPr lang="it-IT" dirty="0" err="1"/>
+              <a:t>Regarding</a:t>
+            </a:r>
+            <a:r>
+              <a:rPr lang="it-IT" dirty="0"/>
+              <a:t> </a:t>
+            </a:r>
+            <a:r>
+              <a:rPr lang="it-IT" dirty="0" err="1"/>
+              <a:t>effort</a:t>
+            </a:r>
+            <a:r>
+              <a:rPr lang="it-IT" dirty="0"/>
+              <a:t> </a:t>
+            </a:r>
+            <a:r>
+              <a:rPr lang="it-IT" dirty="0" err="1"/>
+              <a:t>estimation</a:t>
+            </a:r>
+            <a:r>
+              <a:rPr lang="it-IT" dirty="0"/>
+              <a:t> </a:t>
+            </a:r>
+            <a:r>
+              <a:rPr lang="it-IT" dirty="0" err="1"/>
+              <a:t>we</a:t>
+            </a:r>
+            <a:r>
+              <a:rPr lang="it-IT" dirty="0"/>
+              <a:t> </a:t>
+            </a:r>
+            <a:r>
+              <a:rPr lang="it-IT" dirty="0" err="1"/>
+              <a:t>used</a:t>
+            </a:r>
+            <a:r>
+              <a:rPr lang="it-IT" dirty="0"/>
+              <a:t> </a:t>
+            </a:r>
+            <a:r>
+              <a:rPr lang="it-IT" dirty="0" err="1"/>
+              <a:t>function</a:t>
+            </a:r>
+            <a:r>
+              <a:rPr lang="it-IT" dirty="0"/>
+              <a:t> points and </a:t>
+            </a:r>
+            <a:r>
+              <a:rPr lang="it-IT" dirty="0" err="1"/>
+              <a:t>cocomo</a:t>
+            </a:r>
+            <a:r>
+              <a:rPr lang="it-IT" dirty="0"/>
+              <a:t> II to estimate the </a:t>
+            </a:r>
+            <a:r>
+              <a:rPr lang="it-IT" dirty="0" err="1"/>
+              <a:t>complexity</a:t>
+            </a:r>
+            <a:r>
+              <a:rPr lang="it-IT" dirty="0"/>
+              <a:t> of the software </a:t>
+            </a:r>
+            <a:r>
+              <a:rPr lang="it-IT" dirty="0" err="1"/>
+              <a:t>development</a:t>
+            </a:r>
+            <a:r>
+              <a:rPr lang="it-IT" dirty="0"/>
+              <a:t>. In </a:t>
+            </a:r>
+            <a:r>
+              <a:rPr lang="it-IT" dirty="0" err="1"/>
+              <a:t>particular</a:t>
+            </a:r>
+            <a:r>
+              <a:rPr lang="it-IT" dirty="0"/>
+              <a:t>, </a:t>
+            </a:r>
+            <a:r>
+              <a:rPr lang="it-IT" dirty="0" err="1"/>
+              <a:t>unadjusted</a:t>
+            </a:r>
+            <a:r>
+              <a:rPr lang="it-IT" dirty="0"/>
+              <a:t> </a:t>
+            </a:r>
+            <a:r>
+              <a:rPr lang="it-IT" dirty="0" err="1"/>
+              <a:t>function</a:t>
+            </a:r>
+            <a:r>
+              <a:rPr lang="it-IT" dirty="0"/>
+              <a:t> points are 116, </a:t>
+            </a:r>
+            <a:r>
+              <a:rPr lang="it-IT" dirty="0" err="1"/>
+              <a:t>equivalent</a:t>
+            </a:r>
+            <a:r>
+              <a:rPr lang="it-IT" dirty="0"/>
+              <a:t> source line of code in java are 6148, the </a:t>
+            </a:r>
+            <a:r>
+              <a:rPr lang="it-IT" dirty="0" err="1"/>
+              <a:t>required</a:t>
+            </a:r>
+            <a:r>
+              <a:rPr lang="it-IT" dirty="0"/>
+              <a:t> </a:t>
+            </a:r>
+            <a:r>
+              <a:rPr lang="it-IT" dirty="0" err="1"/>
+              <a:t>effort</a:t>
+            </a:r>
+            <a:r>
+              <a:rPr lang="it-IT" dirty="0"/>
+              <a:t> </a:t>
+            </a:r>
+            <a:r>
+              <a:rPr lang="it-IT" dirty="0" err="1"/>
+              <a:t>is</a:t>
+            </a:r>
+            <a:r>
+              <a:rPr lang="it-IT" dirty="0"/>
+              <a:t> 7.2 </a:t>
+            </a:r>
+            <a:r>
+              <a:rPr lang="it-IT" dirty="0" err="1"/>
+              <a:t>person-months</a:t>
+            </a:r>
+            <a:r>
+              <a:rPr lang="it-IT" dirty="0"/>
+              <a:t> and the </a:t>
+            </a:r>
+            <a:r>
+              <a:rPr lang="it-IT" dirty="0" err="1"/>
+              <a:t>total</a:t>
+            </a:r>
+            <a:r>
+              <a:rPr lang="it-IT" dirty="0"/>
+              <a:t> time schedule </a:t>
+            </a:r>
+            <a:r>
+              <a:rPr lang="it-IT" dirty="0" err="1"/>
+              <a:t>is</a:t>
+            </a:r>
+            <a:r>
+              <a:rPr lang="it-IT" dirty="0"/>
+              <a:t> 6.8 </a:t>
+            </a:r>
+            <a:r>
+              <a:rPr lang="it-IT" dirty="0" err="1"/>
+              <a:t>months</a:t>
+            </a:r>
+            <a:r>
+              <a:rPr lang="it-IT" dirty="0"/>
+              <a:t>. </a:t>
+            </a:r>
           </a:p>
         </p:txBody>
       </p:sp>
@@ -560,6 +856,3452 @@
     <p:extLst>
       <p:ext uri="{BB962C8B-B14F-4D97-AF65-F5344CB8AC3E}">
         <p14:creationId xmlns:p14="http://schemas.microsoft.com/office/powerpoint/2010/main" val="2896466088"/>
+      </p:ext>
+    </p:extLst>
+  </p:cSld>
+  <p:clrMapOvr>
+    <a:masterClrMapping/>
+  </p:clrMapOvr>
+</p:notes>
+</file>
+
+<file path=ppt/notesSlides/notesSlide11.xml><?xml version="1.0" encoding="utf-8"?>
+<p:notes xmlns:a="http://schemas.openxmlformats.org/drawingml/2006/main" xmlns:r="http://schemas.openxmlformats.org/officeDocument/2006/relationships" xmlns:p="http://schemas.openxmlformats.org/presentationml/2006/main">
+  <p:cSld>
+    <p:spTree>
+      <p:nvGrpSpPr>
+        <p:cNvPr id="1" name=""/>
+        <p:cNvGrpSpPr/>
+        <p:nvPr/>
+      </p:nvGrpSpPr>
+      <p:grpSpPr>
+        <a:xfrm>
+          <a:off x="0" y="0"/>
+          <a:ext cx="0" cy="0"/>
+          <a:chOff x="0" y="0"/>
+          <a:chExt cx="0" cy="0"/>
+        </a:xfrm>
+      </p:grpSpPr>
+      <p:sp>
+        <p:nvSpPr>
+          <p:cNvPr id="2" name="Segnaposto immagine diapositiva 1"/>
+          <p:cNvSpPr>
+            <a:spLocks noGrp="1" noRot="1" noChangeAspect="1"/>
+          </p:cNvSpPr>
+          <p:nvPr>
+            <p:ph type="sldImg"/>
+          </p:nvPr>
+        </p:nvSpPr>
+        <p:spPr/>
+      </p:sp>
+      <p:sp>
+        <p:nvSpPr>
+          <p:cNvPr id="3" name="Segnaposto note 2"/>
+          <p:cNvSpPr>
+            <a:spLocks noGrp="1"/>
+          </p:cNvSpPr>
+          <p:nvPr>
+            <p:ph type="body" idx="1"/>
+          </p:nvPr>
+        </p:nvSpPr>
+        <p:spPr/>
+        <p:txBody>
+          <a:bodyPr/>
+          <a:lstStyle/>
+          <a:p>
+            <a:r>
+              <a:rPr lang="it-IT" dirty="0" err="1"/>
+              <a:t>We</a:t>
+            </a:r>
+            <a:r>
+              <a:rPr lang="it-IT" dirty="0"/>
+              <a:t> </a:t>
+            </a:r>
+            <a:r>
+              <a:rPr lang="it-IT" dirty="0" err="1"/>
+              <a:t>used</a:t>
+            </a:r>
+            <a:r>
+              <a:rPr lang="it-IT" dirty="0"/>
+              <a:t> SCRUM agile framework to handle the software </a:t>
+            </a:r>
+            <a:r>
+              <a:rPr lang="it-IT" dirty="0" err="1"/>
+              <a:t>development</a:t>
+            </a:r>
+            <a:r>
+              <a:rPr lang="it-IT" dirty="0"/>
+              <a:t> </a:t>
+            </a:r>
+            <a:r>
+              <a:rPr lang="it-IT" dirty="0" err="1"/>
+              <a:t>process</a:t>
+            </a:r>
+            <a:r>
+              <a:rPr lang="it-IT" dirty="0"/>
+              <a:t>, </a:t>
+            </a:r>
+            <a:r>
+              <a:rPr lang="it-IT" dirty="0" err="1"/>
+              <a:t>consisting</a:t>
+            </a:r>
+            <a:r>
+              <a:rPr lang="it-IT" dirty="0"/>
+              <a:t> of 6 </a:t>
+            </a:r>
+            <a:r>
+              <a:rPr lang="it-IT" dirty="0" err="1"/>
+              <a:t>sprints</a:t>
+            </a:r>
+            <a:r>
+              <a:rPr lang="it-IT" dirty="0"/>
+              <a:t>, </a:t>
+            </a:r>
+            <a:r>
+              <a:rPr lang="it-IT" dirty="0" err="1"/>
+              <a:t>each</a:t>
+            </a:r>
+            <a:r>
+              <a:rPr lang="it-IT" dirty="0"/>
+              <a:t> of 14 days, for a </a:t>
+            </a:r>
+            <a:r>
+              <a:rPr lang="it-IT" dirty="0" err="1"/>
+              <a:t>total</a:t>
+            </a:r>
+            <a:r>
+              <a:rPr lang="it-IT" dirty="0"/>
+              <a:t> of 60 days. </a:t>
+            </a:r>
+            <a:r>
+              <a:rPr lang="it-IT" dirty="0" err="1"/>
+              <a:t>This</a:t>
+            </a:r>
+            <a:r>
+              <a:rPr lang="it-IT" dirty="0"/>
+              <a:t> </a:t>
+            </a:r>
+            <a:r>
+              <a:rPr lang="it-IT" dirty="0" err="1"/>
+              <a:t>resulted</a:t>
+            </a:r>
+            <a:r>
+              <a:rPr lang="it-IT" dirty="0"/>
+              <a:t> in a </a:t>
+            </a:r>
+            <a:r>
+              <a:rPr lang="it-IT" dirty="0" err="1"/>
+              <a:t>total</a:t>
+            </a:r>
+            <a:r>
+              <a:rPr lang="it-IT" dirty="0"/>
+              <a:t> of 201 </a:t>
+            </a:r>
+            <a:r>
+              <a:rPr lang="it-IT" dirty="0" err="1"/>
+              <a:t>estimated</a:t>
+            </a:r>
+            <a:r>
+              <a:rPr lang="it-IT" dirty="0"/>
+              <a:t> hours, 3.35 </a:t>
+            </a:r>
+            <a:r>
+              <a:rPr lang="it-IT" dirty="0" err="1"/>
+              <a:t>average</a:t>
+            </a:r>
+            <a:r>
+              <a:rPr lang="it-IT" dirty="0"/>
+              <a:t> </a:t>
+            </a:r>
+            <a:r>
+              <a:rPr lang="it-IT" dirty="0" err="1"/>
+              <a:t>estimated</a:t>
+            </a:r>
+            <a:r>
+              <a:rPr lang="it-IT" dirty="0"/>
+              <a:t> hours per day and 216 </a:t>
+            </a:r>
+            <a:r>
+              <a:rPr lang="it-IT" dirty="0" err="1"/>
+              <a:t>completed</a:t>
+            </a:r>
+            <a:r>
+              <a:rPr lang="it-IT" dirty="0"/>
+              <a:t> hours.</a:t>
+            </a:r>
+          </a:p>
+        </p:txBody>
+      </p:sp>
+      <p:sp>
+        <p:nvSpPr>
+          <p:cNvPr id="4" name="Segnaposto numero diapositiva 3"/>
+          <p:cNvSpPr>
+            <a:spLocks noGrp="1"/>
+          </p:cNvSpPr>
+          <p:nvPr>
+            <p:ph type="sldNum" sz="quarter" idx="5"/>
+          </p:nvPr>
+        </p:nvSpPr>
+        <p:spPr/>
+        <p:txBody>
+          <a:bodyPr/>
+          <a:lstStyle/>
+          <a:p>
+            <a:fld id="{58AB443B-2EC5-D547-A963-FC763052E97D}" type="slidenum">
+              <a:rPr lang="it-IT" smtClean="0"/>
+              <a:t>13</a:t>
+            </a:fld>
+            <a:endParaRPr lang="it-IT"/>
+          </a:p>
+        </p:txBody>
+      </p:sp>
+    </p:spTree>
+    <p:extLst>
+      <p:ext uri="{BB962C8B-B14F-4D97-AF65-F5344CB8AC3E}">
+        <p14:creationId xmlns:p14="http://schemas.microsoft.com/office/powerpoint/2010/main" val="984442024"/>
+      </p:ext>
+    </p:extLst>
+  </p:cSld>
+  <p:clrMapOvr>
+    <a:masterClrMapping/>
+  </p:clrMapOvr>
+</p:notes>
+</file>
+
+<file path=ppt/notesSlides/notesSlide12.xml><?xml version="1.0" encoding="utf-8"?>
+<p:notes xmlns:a="http://schemas.openxmlformats.org/drawingml/2006/main" xmlns:r="http://schemas.openxmlformats.org/officeDocument/2006/relationships" xmlns:p="http://schemas.openxmlformats.org/presentationml/2006/main">
+  <p:cSld>
+    <p:spTree>
+      <p:nvGrpSpPr>
+        <p:cNvPr id="1" name=""/>
+        <p:cNvGrpSpPr/>
+        <p:nvPr/>
+      </p:nvGrpSpPr>
+      <p:grpSpPr>
+        <a:xfrm>
+          <a:off x="0" y="0"/>
+          <a:ext cx="0" cy="0"/>
+          <a:chOff x="0" y="0"/>
+          <a:chExt cx="0" cy="0"/>
+        </a:xfrm>
+      </p:grpSpPr>
+      <p:sp>
+        <p:nvSpPr>
+          <p:cNvPr id="2" name="Segnaposto immagine diapositiva 1"/>
+          <p:cNvSpPr>
+            <a:spLocks noGrp="1" noRot="1" noChangeAspect="1"/>
+          </p:cNvSpPr>
+          <p:nvPr>
+            <p:ph type="sldImg"/>
+          </p:nvPr>
+        </p:nvSpPr>
+        <p:spPr/>
+      </p:sp>
+      <p:sp>
+        <p:nvSpPr>
+          <p:cNvPr id="3" name="Segnaposto note 2"/>
+          <p:cNvSpPr>
+            <a:spLocks noGrp="1"/>
+          </p:cNvSpPr>
+          <p:nvPr>
+            <p:ph type="body" idx="1"/>
+          </p:nvPr>
+        </p:nvSpPr>
+        <p:spPr/>
+        <p:txBody>
+          <a:bodyPr/>
+          <a:lstStyle/>
+          <a:p>
+            <a:r>
+              <a:rPr lang="it-IT" dirty="0"/>
+              <a:t>In </a:t>
+            </a:r>
+            <a:r>
+              <a:rPr lang="it-IT" dirty="0" err="1"/>
+              <a:t>this</a:t>
+            </a:r>
+            <a:r>
+              <a:rPr lang="it-IT" dirty="0"/>
+              <a:t> slide can be </a:t>
+            </a:r>
+            <a:r>
+              <a:rPr lang="it-IT" dirty="0" err="1"/>
+              <a:t>seen</a:t>
+            </a:r>
+            <a:r>
+              <a:rPr lang="it-IT" dirty="0"/>
+              <a:t> the </a:t>
+            </a:r>
+            <a:r>
+              <a:rPr lang="it-IT" dirty="0" err="1"/>
+              <a:t>burndown</a:t>
+            </a:r>
+            <a:r>
+              <a:rPr lang="it-IT" dirty="0"/>
+              <a:t> chart, </a:t>
+            </a:r>
+            <a:r>
+              <a:rPr lang="it-IT" dirty="0" err="1"/>
+              <a:t>that</a:t>
+            </a:r>
+            <a:r>
+              <a:rPr lang="it-IT" dirty="0"/>
+              <a:t> shows the </a:t>
+            </a:r>
+            <a:r>
+              <a:rPr lang="it-IT" dirty="0" err="1"/>
+              <a:t>amount</a:t>
+            </a:r>
+            <a:r>
+              <a:rPr lang="it-IT" dirty="0"/>
+              <a:t> of work </a:t>
+            </a:r>
+            <a:r>
+              <a:rPr lang="it-IT" dirty="0" err="1"/>
+              <a:t>that</a:t>
+            </a:r>
+            <a:r>
+              <a:rPr lang="it-IT" dirty="0"/>
+              <a:t> </a:t>
+            </a:r>
+            <a:r>
+              <a:rPr lang="it-IT" dirty="0" err="1"/>
+              <a:t>has</a:t>
+            </a:r>
+            <a:r>
+              <a:rPr lang="it-IT" dirty="0"/>
+              <a:t> </a:t>
+            </a:r>
+            <a:r>
+              <a:rPr lang="it-IT" dirty="0" err="1"/>
+              <a:t>been</a:t>
+            </a:r>
+            <a:r>
+              <a:rPr lang="it-IT" dirty="0"/>
+              <a:t> </a:t>
+            </a:r>
+            <a:r>
+              <a:rPr lang="it-IT" dirty="0" err="1"/>
+              <a:t>completed</a:t>
+            </a:r>
+            <a:r>
+              <a:rPr lang="it-IT" dirty="0"/>
+              <a:t> for </a:t>
+            </a:r>
+            <a:r>
+              <a:rPr lang="it-IT" dirty="0" err="1"/>
+              <a:t>each</a:t>
+            </a:r>
+            <a:r>
+              <a:rPr lang="it-IT" dirty="0"/>
+              <a:t> of the 60 days. In </a:t>
+            </a:r>
+            <a:r>
+              <a:rPr lang="it-IT" dirty="0" err="1"/>
+              <a:t>particular</a:t>
+            </a:r>
+            <a:r>
+              <a:rPr lang="it-IT" dirty="0"/>
+              <a:t> the blue line </a:t>
+            </a:r>
+            <a:r>
+              <a:rPr lang="it-IT" dirty="0" err="1"/>
+              <a:t>represents</a:t>
+            </a:r>
+            <a:r>
+              <a:rPr lang="it-IT" dirty="0"/>
+              <a:t> the plan, the </a:t>
+            </a:r>
+            <a:r>
+              <a:rPr lang="it-IT" dirty="0" err="1"/>
+              <a:t>orange</a:t>
+            </a:r>
+            <a:r>
+              <a:rPr lang="it-IT" dirty="0"/>
+              <a:t> one the </a:t>
+            </a:r>
+            <a:r>
+              <a:rPr lang="it-IT" dirty="0" err="1"/>
+              <a:t>estimated</a:t>
+            </a:r>
+            <a:r>
+              <a:rPr lang="it-IT" dirty="0"/>
+              <a:t> hours and the </a:t>
+            </a:r>
+            <a:r>
+              <a:rPr lang="it-IT" dirty="0" err="1"/>
+              <a:t>yellow</a:t>
+            </a:r>
+            <a:r>
+              <a:rPr lang="it-IT" dirty="0"/>
+              <a:t> one the </a:t>
+            </a:r>
+            <a:r>
+              <a:rPr lang="it-IT" dirty="0" err="1"/>
+              <a:t>remaining</a:t>
+            </a:r>
+            <a:r>
+              <a:rPr lang="it-IT" dirty="0"/>
+              <a:t> hours. </a:t>
+            </a:r>
+            <a:r>
+              <a:rPr lang="it-IT" dirty="0" err="1"/>
+              <a:t>As</a:t>
+            </a:r>
+            <a:r>
+              <a:rPr lang="it-IT" dirty="0"/>
+              <a:t> can be </a:t>
+            </a:r>
+            <a:r>
+              <a:rPr lang="it-IT" dirty="0" err="1"/>
+              <a:t>seen</a:t>
+            </a:r>
+            <a:r>
+              <a:rPr lang="it-IT" dirty="0"/>
+              <a:t> </a:t>
+            </a:r>
+            <a:r>
+              <a:rPr lang="it-IT" dirty="0" err="1"/>
+              <a:t>we</a:t>
+            </a:r>
+            <a:r>
+              <a:rPr lang="it-IT" dirty="0"/>
+              <a:t> </a:t>
+            </a:r>
+            <a:r>
+              <a:rPr lang="it-IT" dirty="0" err="1"/>
+              <a:t>were</a:t>
+            </a:r>
+            <a:r>
+              <a:rPr lang="it-IT" dirty="0"/>
+              <a:t> </a:t>
+            </a:r>
+            <a:r>
+              <a:rPr lang="it-IT" dirty="0" err="1"/>
+              <a:t>not</a:t>
+            </a:r>
+            <a:r>
+              <a:rPr lang="it-IT" dirty="0"/>
+              <a:t> </a:t>
+            </a:r>
+            <a:r>
+              <a:rPr lang="it-IT" dirty="0" err="1"/>
+              <a:t>able</a:t>
+            </a:r>
+            <a:r>
+              <a:rPr lang="it-IT" dirty="0"/>
+              <a:t> to </a:t>
+            </a:r>
+            <a:r>
+              <a:rPr lang="it-IT" dirty="0" err="1"/>
+              <a:t>respect</a:t>
+            </a:r>
+            <a:r>
+              <a:rPr lang="it-IT" dirty="0"/>
+              <a:t> the hours </a:t>
+            </a:r>
+            <a:r>
+              <a:rPr lang="it-IT" dirty="0" err="1"/>
+              <a:t>estimated</a:t>
+            </a:r>
+            <a:r>
+              <a:rPr lang="it-IT" dirty="0"/>
+              <a:t> </a:t>
+            </a:r>
+            <a:r>
+              <a:rPr lang="it-IT" dirty="0" err="1"/>
+              <a:t>going</a:t>
+            </a:r>
+            <a:r>
+              <a:rPr lang="it-IT" dirty="0"/>
+              <a:t> over 15 hours.</a:t>
+            </a:r>
+          </a:p>
+        </p:txBody>
+      </p:sp>
+      <p:sp>
+        <p:nvSpPr>
+          <p:cNvPr id="4" name="Segnaposto numero diapositiva 3"/>
+          <p:cNvSpPr>
+            <a:spLocks noGrp="1"/>
+          </p:cNvSpPr>
+          <p:nvPr>
+            <p:ph type="sldNum" sz="quarter" idx="5"/>
+          </p:nvPr>
+        </p:nvSpPr>
+        <p:spPr/>
+        <p:txBody>
+          <a:bodyPr/>
+          <a:lstStyle/>
+          <a:p>
+            <a:fld id="{58AB443B-2EC5-D547-A963-FC763052E97D}" type="slidenum">
+              <a:rPr lang="it-IT" smtClean="0"/>
+              <a:t>14</a:t>
+            </a:fld>
+            <a:endParaRPr lang="it-IT"/>
+          </a:p>
+        </p:txBody>
+      </p:sp>
+    </p:spTree>
+    <p:extLst>
+      <p:ext uri="{BB962C8B-B14F-4D97-AF65-F5344CB8AC3E}">
+        <p14:creationId xmlns:p14="http://schemas.microsoft.com/office/powerpoint/2010/main" val="74390703"/>
+      </p:ext>
+    </p:extLst>
+  </p:cSld>
+  <p:clrMapOvr>
+    <a:masterClrMapping/>
+  </p:clrMapOvr>
+</p:notes>
+</file>
+
+<file path=ppt/notesSlides/notesSlide13.xml><?xml version="1.0" encoding="utf-8"?>
+<p:notes xmlns:a="http://schemas.openxmlformats.org/drawingml/2006/main" xmlns:r="http://schemas.openxmlformats.org/officeDocument/2006/relationships" xmlns:p="http://schemas.openxmlformats.org/presentationml/2006/main">
+  <p:cSld>
+    <p:spTree>
+      <p:nvGrpSpPr>
+        <p:cNvPr id="1" name=""/>
+        <p:cNvGrpSpPr/>
+        <p:nvPr/>
+      </p:nvGrpSpPr>
+      <p:grpSpPr>
+        <a:xfrm>
+          <a:off x="0" y="0"/>
+          <a:ext cx="0" cy="0"/>
+          <a:chOff x="0" y="0"/>
+          <a:chExt cx="0" cy="0"/>
+        </a:xfrm>
+      </p:grpSpPr>
+      <p:sp>
+        <p:nvSpPr>
+          <p:cNvPr id="2" name="Segnaposto immagine diapositiva 1"/>
+          <p:cNvSpPr>
+            <a:spLocks noGrp="1" noRot="1" noChangeAspect="1"/>
+          </p:cNvSpPr>
+          <p:nvPr>
+            <p:ph type="sldImg"/>
+          </p:nvPr>
+        </p:nvSpPr>
+        <p:spPr/>
+      </p:sp>
+      <p:sp>
+        <p:nvSpPr>
+          <p:cNvPr id="3" name="Segnaposto note 2"/>
+          <p:cNvSpPr>
+            <a:spLocks noGrp="1"/>
+          </p:cNvSpPr>
+          <p:nvPr>
+            <p:ph type="body" idx="1"/>
+          </p:nvPr>
+        </p:nvSpPr>
+        <p:spPr/>
+        <p:txBody>
+          <a:bodyPr/>
+          <a:lstStyle/>
+          <a:p>
+            <a:r>
+              <a:rPr lang="it-IT" dirty="0" err="1"/>
+              <a:t>Regarding</a:t>
+            </a:r>
+            <a:r>
+              <a:rPr lang="it-IT" dirty="0"/>
+              <a:t> system </a:t>
+            </a:r>
+            <a:r>
+              <a:rPr lang="it-IT" dirty="0" err="1"/>
+              <a:t>architecture</a:t>
+            </a:r>
+            <a:r>
+              <a:rPr lang="it-IT" dirty="0"/>
+              <a:t>, in </a:t>
+            </a:r>
+            <a:r>
+              <a:rPr lang="it-IT" dirty="0" err="1"/>
+              <a:t>this</a:t>
+            </a:r>
+            <a:r>
+              <a:rPr lang="it-IT" dirty="0"/>
+              <a:t> slide can be </a:t>
+            </a:r>
+            <a:r>
+              <a:rPr lang="it-IT" dirty="0" err="1"/>
+              <a:t>seen</a:t>
+            </a:r>
+            <a:r>
+              <a:rPr lang="it-IT" dirty="0"/>
+              <a:t> an </a:t>
+            </a:r>
+            <a:r>
+              <a:rPr lang="it-IT" dirty="0" err="1"/>
+              <a:t>overview</a:t>
+            </a:r>
+            <a:r>
+              <a:rPr lang="it-IT" dirty="0"/>
+              <a:t> of the system </a:t>
+            </a:r>
+            <a:r>
+              <a:rPr lang="it-IT" dirty="0" err="1"/>
+              <a:t>architecture</a:t>
+            </a:r>
+            <a:r>
+              <a:rPr lang="it-IT" dirty="0"/>
+              <a:t>.</a:t>
+            </a:r>
+          </a:p>
+        </p:txBody>
+      </p:sp>
+      <p:sp>
+        <p:nvSpPr>
+          <p:cNvPr id="4" name="Segnaposto numero diapositiva 3"/>
+          <p:cNvSpPr>
+            <a:spLocks noGrp="1"/>
+          </p:cNvSpPr>
+          <p:nvPr>
+            <p:ph type="sldNum" sz="quarter" idx="5"/>
+          </p:nvPr>
+        </p:nvSpPr>
+        <p:spPr/>
+        <p:txBody>
+          <a:bodyPr/>
+          <a:lstStyle/>
+          <a:p>
+            <a:fld id="{58AB443B-2EC5-D547-A963-FC763052E97D}" type="slidenum">
+              <a:rPr lang="it-IT" smtClean="0"/>
+              <a:t>15</a:t>
+            </a:fld>
+            <a:endParaRPr lang="it-IT"/>
+          </a:p>
+        </p:txBody>
+      </p:sp>
+    </p:spTree>
+    <p:extLst>
+      <p:ext uri="{BB962C8B-B14F-4D97-AF65-F5344CB8AC3E}">
+        <p14:creationId xmlns:p14="http://schemas.microsoft.com/office/powerpoint/2010/main" val="2505119918"/>
+      </p:ext>
+    </p:extLst>
+  </p:cSld>
+  <p:clrMapOvr>
+    <a:masterClrMapping/>
+  </p:clrMapOvr>
+</p:notes>
+</file>
+
+<file path=ppt/notesSlides/notesSlide14.xml><?xml version="1.0" encoding="utf-8"?>
+<p:notes xmlns:a="http://schemas.openxmlformats.org/drawingml/2006/main" xmlns:r="http://schemas.openxmlformats.org/officeDocument/2006/relationships" xmlns:p="http://schemas.openxmlformats.org/presentationml/2006/main">
+  <p:cSld>
+    <p:spTree>
+      <p:nvGrpSpPr>
+        <p:cNvPr id="1" name=""/>
+        <p:cNvGrpSpPr/>
+        <p:nvPr/>
+      </p:nvGrpSpPr>
+      <p:grpSpPr>
+        <a:xfrm>
+          <a:off x="0" y="0"/>
+          <a:ext cx="0" cy="0"/>
+          <a:chOff x="0" y="0"/>
+          <a:chExt cx="0" cy="0"/>
+        </a:xfrm>
+      </p:grpSpPr>
+      <p:sp>
+        <p:nvSpPr>
+          <p:cNvPr id="2" name="Segnaposto immagine diapositiva 1"/>
+          <p:cNvSpPr>
+            <a:spLocks noGrp="1" noRot="1" noChangeAspect="1"/>
+          </p:cNvSpPr>
+          <p:nvPr>
+            <p:ph type="sldImg"/>
+          </p:nvPr>
+        </p:nvSpPr>
+        <p:spPr/>
+      </p:sp>
+      <p:sp>
+        <p:nvSpPr>
+          <p:cNvPr id="3" name="Segnaposto note 2"/>
+          <p:cNvSpPr>
+            <a:spLocks noGrp="1"/>
+          </p:cNvSpPr>
+          <p:nvPr>
+            <p:ph type="body" idx="1"/>
+          </p:nvPr>
+        </p:nvSpPr>
+        <p:spPr/>
+        <p:txBody>
+          <a:bodyPr/>
+          <a:lstStyle/>
+          <a:p>
+            <a:r>
+              <a:rPr lang="it-IT" dirty="0"/>
+              <a:t>First of </a:t>
+            </a:r>
+            <a:r>
+              <a:rPr lang="it-IT" dirty="0" err="1"/>
+              <a:t>all</a:t>
+            </a:r>
+            <a:r>
+              <a:rPr lang="it-IT" dirty="0"/>
+              <a:t>, the system </a:t>
+            </a:r>
+            <a:r>
+              <a:rPr lang="it-IT" dirty="0" err="1"/>
+              <a:t>architecture</a:t>
+            </a:r>
+            <a:r>
+              <a:rPr lang="it-IT" dirty="0"/>
+              <a:t> </a:t>
+            </a:r>
+            <a:r>
+              <a:rPr lang="it-IT" dirty="0" err="1"/>
+              <a:t>is</a:t>
+            </a:r>
+            <a:r>
+              <a:rPr lang="it-IT" dirty="0"/>
+              <a:t> </a:t>
+            </a:r>
+            <a:r>
+              <a:rPr lang="it-IT" dirty="0" err="1"/>
+              <a:t>based</a:t>
+            </a:r>
+            <a:r>
+              <a:rPr lang="it-IT" dirty="0"/>
+              <a:t> </a:t>
+            </a:r>
+            <a:r>
+              <a:rPr lang="it-IT" dirty="0" err="1"/>
+              <a:t>microservices</a:t>
+            </a:r>
+            <a:r>
+              <a:rPr lang="it-IT" dirty="0"/>
+              <a:t> </a:t>
+            </a:r>
+            <a:r>
+              <a:rPr lang="it-IT" dirty="0" err="1"/>
+              <a:t>that</a:t>
+            </a:r>
+            <a:r>
+              <a:rPr lang="it-IT" dirty="0"/>
+              <a:t> </a:t>
+            </a:r>
+            <a:r>
+              <a:rPr lang="it-IT" dirty="0" err="1"/>
+              <a:t>run</a:t>
+            </a:r>
+            <a:r>
+              <a:rPr lang="it-IT" dirty="0"/>
+              <a:t> on </a:t>
+            </a:r>
+            <a:r>
+              <a:rPr lang="it-IT" dirty="0" err="1"/>
+              <a:t>their</a:t>
+            </a:r>
+            <a:r>
+              <a:rPr lang="it-IT" dirty="0"/>
+              <a:t> </a:t>
+            </a:r>
+            <a:r>
+              <a:rPr lang="it-IT" dirty="0" err="1"/>
+              <a:t>own</a:t>
+            </a:r>
+            <a:r>
+              <a:rPr lang="it-IT" dirty="0"/>
+              <a:t> Docker container and </a:t>
+            </a:r>
+            <a:r>
+              <a:rPr lang="it-IT" dirty="0" err="1"/>
+              <a:t>that</a:t>
+            </a:r>
+            <a:r>
+              <a:rPr lang="it-IT" dirty="0"/>
+              <a:t> are </a:t>
+            </a:r>
+            <a:r>
+              <a:rPr lang="it-IT" dirty="0" err="1"/>
+              <a:t>orchestrated</a:t>
+            </a:r>
+            <a:r>
+              <a:rPr lang="it-IT" dirty="0"/>
+              <a:t> by </a:t>
+            </a:r>
+            <a:r>
+              <a:rPr lang="it-IT" dirty="0" err="1"/>
+              <a:t>means</a:t>
+            </a:r>
+            <a:r>
+              <a:rPr lang="it-IT" dirty="0"/>
+              <a:t> of Docker Compose.</a:t>
+            </a:r>
+          </a:p>
+        </p:txBody>
+      </p:sp>
+      <p:sp>
+        <p:nvSpPr>
+          <p:cNvPr id="4" name="Segnaposto numero diapositiva 3"/>
+          <p:cNvSpPr>
+            <a:spLocks noGrp="1"/>
+          </p:cNvSpPr>
+          <p:nvPr>
+            <p:ph type="sldNum" sz="quarter" idx="5"/>
+          </p:nvPr>
+        </p:nvSpPr>
+        <p:spPr/>
+        <p:txBody>
+          <a:bodyPr/>
+          <a:lstStyle/>
+          <a:p>
+            <a:fld id="{58AB443B-2EC5-D547-A963-FC763052E97D}" type="slidenum">
+              <a:rPr lang="it-IT" smtClean="0"/>
+              <a:t>16</a:t>
+            </a:fld>
+            <a:endParaRPr lang="it-IT"/>
+          </a:p>
+        </p:txBody>
+      </p:sp>
+    </p:spTree>
+    <p:extLst>
+      <p:ext uri="{BB962C8B-B14F-4D97-AF65-F5344CB8AC3E}">
+        <p14:creationId xmlns:p14="http://schemas.microsoft.com/office/powerpoint/2010/main" val="3144031096"/>
+      </p:ext>
+    </p:extLst>
+  </p:cSld>
+  <p:clrMapOvr>
+    <a:masterClrMapping/>
+  </p:clrMapOvr>
+</p:notes>
+</file>
+
+<file path=ppt/notesSlides/notesSlide15.xml><?xml version="1.0" encoding="utf-8"?>
+<p:notes xmlns:a="http://schemas.openxmlformats.org/drawingml/2006/main" xmlns:r="http://schemas.openxmlformats.org/officeDocument/2006/relationships" xmlns:p="http://schemas.openxmlformats.org/presentationml/2006/main">
+  <p:cSld>
+    <p:spTree>
+      <p:nvGrpSpPr>
+        <p:cNvPr id="1" name=""/>
+        <p:cNvGrpSpPr/>
+        <p:nvPr/>
+      </p:nvGrpSpPr>
+      <p:grpSpPr>
+        <a:xfrm>
+          <a:off x="0" y="0"/>
+          <a:ext cx="0" cy="0"/>
+          <a:chOff x="0" y="0"/>
+          <a:chExt cx="0" cy="0"/>
+        </a:xfrm>
+      </p:grpSpPr>
+      <p:sp>
+        <p:nvSpPr>
+          <p:cNvPr id="2" name="Segnaposto immagine diapositiva 1"/>
+          <p:cNvSpPr>
+            <a:spLocks noGrp="1" noRot="1" noChangeAspect="1"/>
+          </p:cNvSpPr>
+          <p:nvPr>
+            <p:ph type="sldImg"/>
+          </p:nvPr>
+        </p:nvSpPr>
+        <p:spPr/>
+      </p:sp>
+      <p:sp>
+        <p:nvSpPr>
+          <p:cNvPr id="3" name="Segnaposto note 2"/>
+          <p:cNvSpPr>
+            <a:spLocks noGrp="1"/>
+          </p:cNvSpPr>
+          <p:nvPr>
+            <p:ph type="body" idx="1"/>
+          </p:nvPr>
+        </p:nvSpPr>
+        <p:spPr/>
+        <p:txBody>
+          <a:bodyPr/>
+          <a:lstStyle/>
+          <a:p>
+            <a:r>
+              <a:rPr lang="it-IT" dirty="0" err="1"/>
+              <a:t>Regarding</a:t>
+            </a:r>
+            <a:r>
+              <a:rPr lang="it-IT" dirty="0"/>
+              <a:t> the </a:t>
+            </a:r>
+            <a:r>
+              <a:rPr lang="it-IT" dirty="0" err="1"/>
+              <a:t>frontend</a:t>
+            </a:r>
+            <a:r>
+              <a:rPr lang="it-IT" dirty="0"/>
+              <a:t> of the system, </a:t>
+            </a:r>
+            <a:r>
+              <a:rPr lang="it-IT" dirty="0" err="1"/>
+              <a:t>through</a:t>
+            </a:r>
+            <a:r>
+              <a:rPr lang="it-IT" dirty="0"/>
+              <a:t> </a:t>
+            </a:r>
+            <a:r>
+              <a:rPr lang="it-IT" dirty="0" err="1"/>
+              <a:t>which</a:t>
+            </a:r>
+            <a:r>
+              <a:rPr lang="it-IT" dirty="0"/>
+              <a:t> the user </a:t>
+            </a:r>
+            <a:r>
+              <a:rPr lang="it-IT" dirty="0" err="1"/>
+              <a:t>interacts</a:t>
+            </a:r>
+            <a:r>
+              <a:rPr lang="it-IT" dirty="0"/>
+              <a:t> with the system, </a:t>
+            </a:r>
+            <a:r>
+              <a:rPr lang="it-IT" dirty="0" err="1"/>
+              <a:t>we</a:t>
+            </a:r>
+            <a:r>
+              <a:rPr lang="it-IT" dirty="0"/>
+              <a:t> </a:t>
+            </a:r>
+            <a:r>
+              <a:rPr lang="it-IT" dirty="0" err="1"/>
+              <a:t>used</a:t>
+            </a:r>
+            <a:r>
+              <a:rPr lang="it-IT" dirty="0"/>
+              <a:t> </a:t>
+            </a:r>
+            <a:r>
+              <a:rPr lang="it-IT" dirty="0" err="1"/>
+              <a:t>React</a:t>
+            </a:r>
+            <a:r>
+              <a:rPr lang="it-IT" dirty="0"/>
+              <a:t> framework </a:t>
+            </a:r>
+            <a:r>
+              <a:rPr lang="it-IT" dirty="0" err="1"/>
+              <a:t>based</a:t>
+            </a:r>
+            <a:r>
+              <a:rPr lang="it-IT" dirty="0"/>
+              <a:t> on html, </a:t>
+            </a:r>
+            <a:r>
+              <a:rPr lang="it-IT" dirty="0" err="1"/>
+              <a:t>css</a:t>
+            </a:r>
+            <a:r>
+              <a:rPr lang="it-IT" dirty="0"/>
+              <a:t> and </a:t>
+            </a:r>
+            <a:r>
+              <a:rPr lang="it-IT" dirty="0" err="1"/>
+              <a:t>typescript</a:t>
+            </a:r>
+            <a:r>
+              <a:rPr lang="it-IT" dirty="0"/>
+              <a:t>.</a:t>
+            </a:r>
+          </a:p>
+        </p:txBody>
+      </p:sp>
+      <p:sp>
+        <p:nvSpPr>
+          <p:cNvPr id="4" name="Segnaposto numero diapositiva 3"/>
+          <p:cNvSpPr>
+            <a:spLocks noGrp="1"/>
+          </p:cNvSpPr>
+          <p:nvPr>
+            <p:ph type="sldNum" sz="quarter" idx="5"/>
+          </p:nvPr>
+        </p:nvSpPr>
+        <p:spPr/>
+        <p:txBody>
+          <a:bodyPr/>
+          <a:lstStyle/>
+          <a:p>
+            <a:fld id="{58AB443B-2EC5-D547-A963-FC763052E97D}" type="slidenum">
+              <a:rPr lang="it-IT" smtClean="0"/>
+              <a:t>17</a:t>
+            </a:fld>
+            <a:endParaRPr lang="it-IT"/>
+          </a:p>
+        </p:txBody>
+      </p:sp>
+    </p:spTree>
+    <p:extLst>
+      <p:ext uri="{BB962C8B-B14F-4D97-AF65-F5344CB8AC3E}">
+        <p14:creationId xmlns:p14="http://schemas.microsoft.com/office/powerpoint/2010/main" val="3657096268"/>
+      </p:ext>
+    </p:extLst>
+  </p:cSld>
+  <p:clrMapOvr>
+    <a:masterClrMapping/>
+  </p:clrMapOvr>
+</p:notes>
+</file>
+
+<file path=ppt/notesSlides/notesSlide16.xml><?xml version="1.0" encoding="utf-8"?>
+<p:notes xmlns:a="http://schemas.openxmlformats.org/drawingml/2006/main" xmlns:r="http://schemas.openxmlformats.org/officeDocument/2006/relationships" xmlns:p="http://schemas.openxmlformats.org/presentationml/2006/main">
+  <p:cSld>
+    <p:spTree>
+      <p:nvGrpSpPr>
+        <p:cNvPr id="1" name=""/>
+        <p:cNvGrpSpPr/>
+        <p:nvPr/>
+      </p:nvGrpSpPr>
+      <p:grpSpPr>
+        <a:xfrm>
+          <a:off x="0" y="0"/>
+          <a:ext cx="0" cy="0"/>
+          <a:chOff x="0" y="0"/>
+          <a:chExt cx="0" cy="0"/>
+        </a:xfrm>
+      </p:grpSpPr>
+      <p:sp>
+        <p:nvSpPr>
+          <p:cNvPr id="2" name="Segnaposto immagine diapositiva 1"/>
+          <p:cNvSpPr>
+            <a:spLocks noGrp="1" noRot="1" noChangeAspect="1"/>
+          </p:cNvSpPr>
+          <p:nvPr>
+            <p:ph type="sldImg"/>
+          </p:nvPr>
+        </p:nvSpPr>
+        <p:spPr/>
+      </p:sp>
+      <p:sp>
+        <p:nvSpPr>
+          <p:cNvPr id="3" name="Segnaposto note 2"/>
+          <p:cNvSpPr>
+            <a:spLocks noGrp="1"/>
+          </p:cNvSpPr>
+          <p:nvPr>
+            <p:ph type="body" idx="1"/>
+          </p:nvPr>
+        </p:nvSpPr>
+        <p:spPr/>
+        <p:txBody>
+          <a:bodyPr/>
+          <a:lstStyle/>
+          <a:p>
+            <a:r>
+              <a:rPr lang="it-IT" dirty="0"/>
+              <a:t>In order to </a:t>
+            </a:r>
+            <a:r>
+              <a:rPr lang="it-IT" dirty="0" err="1"/>
+              <a:t>allow</a:t>
+            </a:r>
+            <a:r>
+              <a:rPr lang="it-IT" dirty="0"/>
+              <a:t> the </a:t>
+            </a:r>
+            <a:r>
+              <a:rPr lang="it-IT" dirty="0" err="1"/>
+              <a:t>communication</a:t>
+            </a:r>
+            <a:r>
+              <a:rPr lang="it-IT" dirty="0"/>
+              <a:t> </a:t>
+            </a:r>
+            <a:r>
+              <a:rPr lang="it-IT" dirty="0" err="1"/>
+              <a:t>between</a:t>
+            </a:r>
+            <a:r>
+              <a:rPr lang="it-IT" dirty="0"/>
+              <a:t> the </a:t>
+            </a:r>
+            <a:r>
+              <a:rPr lang="it-IT" dirty="0" err="1"/>
+              <a:t>frontend</a:t>
+            </a:r>
+            <a:r>
+              <a:rPr lang="it-IT" dirty="0"/>
+              <a:t> and </a:t>
+            </a:r>
+            <a:r>
+              <a:rPr lang="it-IT" dirty="0" err="1"/>
+              <a:t>backend</a:t>
+            </a:r>
+            <a:r>
+              <a:rPr lang="it-IT" dirty="0"/>
+              <a:t> </a:t>
+            </a:r>
+            <a:r>
+              <a:rPr lang="it-IT" dirty="0" err="1"/>
+              <a:t>microservices</a:t>
+            </a:r>
+            <a:r>
+              <a:rPr lang="it-IT" dirty="0"/>
+              <a:t> </a:t>
+            </a:r>
+            <a:r>
+              <a:rPr lang="it-IT" dirty="0" err="1"/>
+              <a:t>we</a:t>
+            </a:r>
+            <a:r>
+              <a:rPr lang="it-IT" dirty="0"/>
+              <a:t> </a:t>
+            </a:r>
+            <a:r>
+              <a:rPr lang="it-IT" dirty="0" err="1"/>
+              <a:t>used</a:t>
+            </a:r>
+            <a:r>
+              <a:rPr lang="it-IT" dirty="0"/>
+              <a:t> Kong, </a:t>
+            </a:r>
+            <a:r>
+              <a:rPr lang="it-IT" dirty="0" err="1"/>
+              <a:t>which</a:t>
+            </a:r>
+            <a:r>
+              <a:rPr lang="it-IT" dirty="0"/>
+              <a:t> </a:t>
+            </a:r>
+            <a:r>
+              <a:rPr lang="it-IT" dirty="0" err="1"/>
+              <a:t>is</a:t>
+            </a:r>
+            <a:r>
+              <a:rPr lang="it-IT" dirty="0"/>
+              <a:t> a </a:t>
+            </a:r>
+            <a:r>
+              <a:rPr lang="it-IT" dirty="0" err="1"/>
+              <a:t>lightweight</a:t>
+            </a:r>
+            <a:r>
+              <a:rPr lang="it-IT" dirty="0"/>
+              <a:t> and fast api gateway, </a:t>
+            </a:r>
+            <a:r>
+              <a:rPr lang="it-IT" dirty="0" err="1"/>
+              <a:t>as</a:t>
+            </a:r>
+            <a:r>
+              <a:rPr lang="it-IT" dirty="0"/>
+              <a:t> reverse proxy </a:t>
+            </a:r>
+            <a:r>
+              <a:rPr lang="it-IT" dirty="0" err="1"/>
+              <a:t>that</a:t>
+            </a:r>
+            <a:r>
+              <a:rPr lang="it-IT" dirty="0"/>
+              <a:t> in </a:t>
+            </a:r>
+            <a:r>
+              <a:rPr lang="it-IT" dirty="0" err="1"/>
+              <a:t>particular</a:t>
+            </a:r>
+            <a:r>
+              <a:rPr lang="it-IT" dirty="0"/>
+              <a:t> </a:t>
+            </a:r>
+            <a:r>
+              <a:rPr lang="it-IT" dirty="0" err="1"/>
+              <a:t>allows</a:t>
+            </a:r>
+            <a:r>
+              <a:rPr lang="it-IT" dirty="0"/>
+              <a:t> to </a:t>
+            </a:r>
+            <a:r>
+              <a:rPr lang="it-IT" dirty="0" err="1"/>
+              <a:t>route</a:t>
+            </a:r>
+            <a:r>
+              <a:rPr lang="it-IT" dirty="0"/>
+              <a:t> </a:t>
+            </a:r>
+            <a:r>
+              <a:rPr lang="it-IT" dirty="0" err="1"/>
+              <a:t>requests</a:t>
+            </a:r>
+            <a:r>
+              <a:rPr lang="it-IT" dirty="0"/>
+              <a:t> to the </a:t>
+            </a:r>
+            <a:r>
+              <a:rPr lang="it-IT" dirty="0" err="1"/>
+              <a:t>proper</a:t>
+            </a:r>
+            <a:r>
+              <a:rPr lang="it-IT" dirty="0"/>
+              <a:t> </a:t>
+            </a:r>
+            <a:r>
+              <a:rPr lang="it-IT" dirty="0" err="1"/>
+              <a:t>microservice</a:t>
+            </a:r>
+            <a:r>
+              <a:rPr lang="it-IT" dirty="0"/>
+              <a:t>.</a:t>
+            </a:r>
+          </a:p>
+        </p:txBody>
+      </p:sp>
+      <p:sp>
+        <p:nvSpPr>
+          <p:cNvPr id="4" name="Segnaposto numero diapositiva 3"/>
+          <p:cNvSpPr>
+            <a:spLocks noGrp="1"/>
+          </p:cNvSpPr>
+          <p:nvPr>
+            <p:ph type="sldNum" sz="quarter" idx="5"/>
+          </p:nvPr>
+        </p:nvSpPr>
+        <p:spPr/>
+        <p:txBody>
+          <a:bodyPr/>
+          <a:lstStyle/>
+          <a:p>
+            <a:fld id="{58AB443B-2EC5-D547-A963-FC763052E97D}" type="slidenum">
+              <a:rPr lang="it-IT" smtClean="0"/>
+              <a:t>18</a:t>
+            </a:fld>
+            <a:endParaRPr lang="it-IT"/>
+          </a:p>
+        </p:txBody>
+      </p:sp>
+    </p:spTree>
+    <p:extLst>
+      <p:ext uri="{BB962C8B-B14F-4D97-AF65-F5344CB8AC3E}">
+        <p14:creationId xmlns:p14="http://schemas.microsoft.com/office/powerpoint/2010/main" val="4029075244"/>
+      </p:ext>
+    </p:extLst>
+  </p:cSld>
+  <p:clrMapOvr>
+    <a:masterClrMapping/>
+  </p:clrMapOvr>
+</p:notes>
+</file>
+
+<file path=ppt/notesSlides/notesSlide17.xml><?xml version="1.0" encoding="utf-8"?>
+<p:notes xmlns:a="http://schemas.openxmlformats.org/drawingml/2006/main" xmlns:r="http://schemas.openxmlformats.org/officeDocument/2006/relationships" xmlns:p="http://schemas.openxmlformats.org/presentationml/2006/main">
+  <p:cSld>
+    <p:spTree>
+      <p:nvGrpSpPr>
+        <p:cNvPr id="1" name=""/>
+        <p:cNvGrpSpPr/>
+        <p:nvPr/>
+      </p:nvGrpSpPr>
+      <p:grpSpPr>
+        <a:xfrm>
+          <a:off x="0" y="0"/>
+          <a:ext cx="0" cy="0"/>
+          <a:chOff x="0" y="0"/>
+          <a:chExt cx="0" cy="0"/>
+        </a:xfrm>
+      </p:grpSpPr>
+      <p:sp>
+        <p:nvSpPr>
+          <p:cNvPr id="2" name="Segnaposto immagine diapositiva 1"/>
+          <p:cNvSpPr>
+            <a:spLocks noGrp="1" noRot="1" noChangeAspect="1"/>
+          </p:cNvSpPr>
+          <p:nvPr>
+            <p:ph type="sldImg"/>
+          </p:nvPr>
+        </p:nvSpPr>
+        <p:spPr/>
+      </p:sp>
+      <p:sp>
+        <p:nvSpPr>
+          <p:cNvPr id="3" name="Segnaposto note 2"/>
+          <p:cNvSpPr>
+            <a:spLocks noGrp="1"/>
+          </p:cNvSpPr>
+          <p:nvPr>
+            <p:ph type="body" idx="1"/>
+          </p:nvPr>
+        </p:nvSpPr>
+        <p:spPr/>
+        <p:txBody>
+          <a:bodyPr/>
+          <a:lstStyle/>
+          <a:p>
+            <a:r>
+              <a:rPr lang="it-IT" dirty="0" err="1"/>
+              <a:t>Regarding</a:t>
+            </a:r>
+            <a:r>
+              <a:rPr lang="it-IT" dirty="0"/>
+              <a:t> the </a:t>
+            </a:r>
+            <a:r>
+              <a:rPr lang="it-IT" dirty="0" err="1"/>
+              <a:t>backend</a:t>
+            </a:r>
+            <a:r>
+              <a:rPr lang="it-IT" dirty="0"/>
+              <a:t> of the system, </a:t>
+            </a:r>
+            <a:r>
+              <a:rPr lang="it-IT" dirty="0" err="1"/>
+              <a:t>python</a:t>
+            </a:r>
+            <a:r>
+              <a:rPr lang="it-IT" dirty="0"/>
+              <a:t> </a:t>
+            </a:r>
+            <a:r>
+              <a:rPr lang="it-IT" dirty="0" err="1"/>
+              <a:t>was</a:t>
+            </a:r>
+            <a:r>
+              <a:rPr lang="it-IT" dirty="0"/>
+              <a:t> </a:t>
+            </a:r>
+            <a:r>
+              <a:rPr lang="it-IT" dirty="0" err="1"/>
+              <a:t>used</a:t>
+            </a:r>
+            <a:r>
+              <a:rPr lang="it-IT" dirty="0"/>
+              <a:t> to </a:t>
+            </a:r>
+            <a:r>
+              <a:rPr lang="it-IT" dirty="0" err="1"/>
+              <a:t>develop</a:t>
+            </a:r>
+            <a:r>
+              <a:rPr lang="it-IT" dirty="0"/>
+              <a:t> </a:t>
+            </a:r>
+            <a:r>
+              <a:rPr lang="it-IT" dirty="0" err="1"/>
+              <a:t>all</a:t>
+            </a:r>
+            <a:r>
+              <a:rPr lang="it-IT" dirty="0"/>
+              <a:t> the </a:t>
+            </a:r>
+            <a:r>
+              <a:rPr lang="it-IT" dirty="0" err="1"/>
+              <a:t>microservices</a:t>
+            </a:r>
+            <a:r>
+              <a:rPr lang="it-IT" dirty="0"/>
+              <a:t> and </a:t>
+            </a:r>
+            <a:r>
+              <a:rPr lang="it-IT" dirty="0" err="1"/>
+              <a:t>all</a:t>
+            </a:r>
+            <a:r>
+              <a:rPr lang="it-IT" dirty="0"/>
+              <a:t> of </a:t>
+            </a:r>
+            <a:r>
+              <a:rPr lang="it-IT" dirty="0" err="1"/>
+              <a:t>them</a:t>
+            </a:r>
+            <a:r>
+              <a:rPr lang="it-IT" dirty="0"/>
+              <a:t> </a:t>
+            </a:r>
+            <a:r>
+              <a:rPr lang="it-IT" dirty="0" err="1"/>
+              <a:t>expose</a:t>
+            </a:r>
+            <a:r>
+              <a:rPr lang="it-IT" dirty="0"/>
+              <a:t> a REST </a:t>
+            </a:r>
+            <a:r>
+              <a:rPr lang="it-IT" dirty="0" err="1"/>
+              <a:t>interface</a:t>
+            </a:r>
+            <a:r>
+              <a:rPr lang="it-IT" dirty="0"/>
+              <a:t> </a:t>
+            </a:r>
+            <a:r>
+              <a:rPr lang="it-IT" dirty="0" err="1"/>
+              <a:t>that</a:t>
+            </a:r>
+            <a:r>
+              <a:rPr lang="it-IT" dirty="0"/>
+              <a:t> </a:t>
+            </a:r>
+            <a:r>
+              <a:rPr lang="it-IT" dirty="0" err="1"/>
+              <a:t>we</a:t>
+            </a:r>
+            <a:r>
+              <a:rPr lang="it-IT" dirty="0"/>
+              <a:t> </a:t>
+            </a:r>
+            <a:r>
+              <a:rPr lang="it-IT" dirty="0" err="1"/>
+              <a:t>defined</a:t>
+            </a:r>
+            <a:r>
+              <a:rPr lang="it-IT" dirty="0"/>
+              <a:t> </a:t>
+            </a:r>
+            <a:r>
+              <a:rPr lang="it-IT" dirty="0" err="1"/>
+              <a:t>using</a:t>
+            </a:r>
+            <a:r>
+              <a:rPr lang="it-IT" dirty="0"/>
+              <a:t> </a:t>
+            </a:r>
+            <a:r>
+              <a:rPr lang="it-IT" dirty="0" err="1"/>
+              <a:t>FastAPI</a:t>
+            </a:r>
+            <a:r>
+              <a:rPr lang="it-IT" dirty="0"/>
+              <a:t> framework.</a:t>
+            </a:r>
+          </a:p>
+        </p:txBody>
+      </p:sp>
+      <p:sp>
+        <p:nvSpPr>
+          <p:cNvPr id="4" name="Segnaposto numero diapositiva 3"/>
+          <p:cNvSpPr>
+            <a:spLocks noGrp="1"/>
+          </p:cNvSpPr>
+          <p:nvPr>
+            <p:ph type="sldNum" sz="quarter" idx="5"/>
+          </p:nvPr>
+        </p:nvSpPr>
+        <p:spPr/>
+        <p:txBody>
+          <a:bodyPr/>
+          <a:lstStyle/>
+          <a:p>
+            <a:fld id="{58AB443B-2EC5-D547-A963-FC763052E97D}" type="slidenum">
+              <a:rPr lang="it-IT" smtClean="0"/>
+              <a:t>19</a:t>
+            </a:fld>
+            <a:endParaRPr lang="it-IT"/>
+          </a:p>
+        </p:txBody>
+      </p:sp>
+    </p:spTree>
+    <p:extLst>
+      <p:ext uri="{BB962C8B-B14F-4D97-AF65-F5344CB8AC3E}">
+        <p14:creationId xmlns:p14="http://schemas.microsoft.com/office/powerpoint/2010/main" val="4254146899"/>
+      </p:ext>
+    </p:extLst>
+  </p:cSld>
+  <p:clrMapOvr>
+    <a:masterClrMapping/>
+  </p:clrMapOvr>
+</p:notes>
+</file>
+
+<file path=ppt/notesSlides/notesSlide18.xml><?xml version="1.0" encoding="utf-8"?>
+<p:notes xmlns:a="http://schemas.openxmlformats.org/drawingml/2006/main" xmlns:r="http://schemas.openxmlformats.org/officeDocument/2006/relationships" xmlns:p="http://schemas.openxmlformats.org/presentationml/2006/main">
+  <p:cSld>
+    <p:spTree>
+      <p:nvGrpSpPr>
+        <p:cNvPr id="1" name=""/>
+        <p:cNvGrpSpPr/>
+        <p:nvPr/>
+      </p:nvGrpSpPr>
+      <p:grpSpPr>
+        <a:xfrm>
+          <a:off x="0" y="0"/>
+          <a:ext cx="0" cy="0"/>
+          <a:chOff x="0" y="0"/>
+          <a:chExt cx="0" cy="0"/>
+        </a:xfrm>
+      </p:grpSpPr>
+      <p:sp>
+        <p:nvSpPr>
+          <p:cNvPr id="2" name="Segnaposto immagine diapositiva 1"/>
+          <p:cNvSpPr>
+            <a:spLocks noGrp="1" noRot="1" noChangeAspect="1"/>
+          </p:cNvSpPr>
+          <p:nvPr>
+            <p:ph type="sldImg"/>
+          </p:nvPr>
+        </p:nvSpPr>
+        <p:spPr/>
+      </p:sp>
+      <p:sp>
+        <p:nvSpPr>
+          <p:cNvPr id="3" name="Segnaposto note 2"/>
+          <p:cNvSpPr>
+            <a:spLocks noGrp="1"/>
+          </p:cNvSpPr>
+          <p:nvPr>
+            <p:ph type="body" idx="1"/>
+          </p:nvPr>
+        </p:nvSpPr>
+        <p:spPr/>
+        <p:txBody>
+          <a:bodyPr/>
+          <a:lstStyle/>
+          <a:p>
+            <a:r>
+              <a:rPr lang="it-IT" dirty="0"/>
+              <a:t>In </a:t>
+            </a:r>
+            <a:r>
+              <a:rPr lang="it-IT" dirty="0" err="1"/>
+              <a:t>particular</a:t>
+            </a:r>
+            <a:r>
+              <a:rPr lang="it-IT" dirty="0"/>
+              <a:t>, </a:t>
+            </a:r>
+            <a:r>
+              <a:rPr lang="it-IT" dirty="0" err="1"/>
+              <a:t>there</a:t>
+            </a:r>
+            <a:r>
+              <a:rPr lang="it-IT" dirty="0"/>
+              <a:t> are the social and image management </a:t>
+            </a:r>
+            <a:r>
+              <a:rPr lang="it-IT" dirty="0" err="1"/>
+              <a:t>microservices</a:t>
+            </a:r>
+            <a:r>
+              <a:rPr lang="it-IT" dirty="0"/>
+              <a:t> </a:t>
+            </a:r>
+            <a:r>
+              <a:rPr lang="it-IT" dirty="0" err="1"/>
+              <a:t>that</a:t>
+            </a:r>
+            <a:r>
+              <a:rPr lang="it-IT" dirty="0"/>
+              <a:t> are in </a:t>
+            </a:r>
+            <a:r>
+              <a:rPr lang="it-IT" dirty="0" err="1"/>
+              <a:t>charge</a:t>
+            </a:r>
+            <a:r>
+              <a:rPr lang="it-IT" dirty="0"/>
+              <a:t> of </a:t>
+            </a:r>
+            <a:r>
+              <a:rPr lang="it-IT" dirty="0" err="1"/>
+              <a:t>managing</a:t>
+            </a:r>
+            <a:r>
+              <a:rPr lang="it-IT" dirty="0"/>
+              <a:t> </a:t>
+            </a:r>
+            <a:r>
+              <a:rPr lang="it-IT" dirty="0" err="1"/>
+              <a:t>all</a:t>
+            </a:r>
+            <a:r>
+              <a:rPr lang="it-IT" dirty="0"/>
+              <a:t> the social </a:t>
+            </a:r>
+            <a:r>
+              <a:rPr lang="it-IT" dirty="0" err="1"/>
+              <a:t>aspects</a:t>
+            </a:r>
+            <a:r>
+              <a:rPr lang="it-IT" dirty="0"/>
+              <a:t> of the system and </a:t>
+            </a:r>
+            <a:r>
+              <a:rPr lang="it-IT" dirty="0" err="1"/>
+              <a:t>uploading</a:t>
+            </a:r>
+            <a:r>
+              <a:rPr lang="it-IT" dirty="0"/>
+              <a:t> images on a cloud storage </a:t>
+            </a:r>
+            <a:r>
+              <a:rPr lang="it-IT" dirty="0" err="1"/>
+              <a:t>which</a:t>
+            </a:r>
+            <a:r>
+              <a:rPr lang="it-IT" dirty="0"/>
+              <a:t> </a:t>
+            </a:r>
+            <a:r>
+              <a:rPr lang="it-IT" dirty="0" err="1"/>
+              <a:t>is</a:t>
+            </a:r>
+            <a:r>
+              <a:rPr lang="it-IT" dirty="0"/>
+              <a:t> </a:t>
+            </a:r>
+            <a:r>
+              <a:rPr lang="it-IT" dirty="0" err="1"/>
+              <a:t>firebase</a:t>
+            </a:r>
+            <a:r>
+              <a:rPr lang="it-IT" dirty="0"/>
+              <a:t> in </a:t>
+            </a:r>
+            <a:r>
+              <a:rPr lang="it-IT" dirty="0" err="1"/>
+              <a:t>our</a:t>
+            </a:r>
+            <a:r>
+              <a:rPr lang="it-IT" dirty="0"/>
+              <a:t> case.</a:t>
+            </a:r>
+          </a:p>
+        </p:txBody>
+      </p:sp>
+      <p:sp>
+        <p:nvSpPr>
+          <p:cNvPr id="4" name="Segnaposto numero diapositiva 3"/>
+          <p:cNvSpPr>
+            <a:spLocks noGrp="1"/>
+          </p:cNvSpPr>
+          <p:nvPr>
+            <p:ph type="sldNum" sz="quarter" idx="5"/>
+          </p:nvPr>
+        </p:nvSpPr>
+        <p:spPr/>
+        <p:txBody>
+          <a:bodyPr/>
+          <a:lstStyle/>
+          <a:p>
+            <a:fld id="{58AB443B-2EC5-D547-A963-FC763052E97D}" type="slidenum">
+              <a:rPr lang="it-IT" smtClean="0"/>
+              <a:t>20</a:t>
+            </a:fld>
+            <a:endParaRPr lang="it-IT"/>
+          </a:p>
+        </p:txBody>
+      </p:sp>
+    </p:spTree>
+    <p:extLst>
+      <p:ext uri="{BB962C8B-B14F-4D97-AF65-F5344CB8AC3E}">
+        <p14:creationId xmlns:p14="http://schemas.microsoft.com/office/powerpoint/2010/main" val="1023887272"/>
+      </p:ext>
+    </p:extLst>
+  </p:cSld>
+  <p:clrMapOvr>
+    <a:masterClrMapping/>
+  </p:clrMapOvr>
+</p:notes>
+</file>
+
+<file path=ppt/notesSlides/notesSlide19.xml><?xml version="1.0" encoding="utf-8"?>
+<p:notes xmlns:a="http://schemas.openxmlformats.org/drawingml/2006/main" xmlns:r="http://schemas.openxmlformats.org/officeDocument/2006/relationships" xmlns:p="http://schemas.openxmlformats.org/presentationml/2006/main">
+  <p:cSld>
+    <p:spTree>
+      <p:nvGrpSpPr>
+        <p:cNvPr id="1" name=""/>
+        <p:cNvGrpSpPr/>
+        <p:nvPr/>
+      </p:nvGrpSpPr>
+      <p:grpSpPr>
+        <a:xfrm>
+          <a:off x="0" y="0"/>
+          <a:ext cx="0" cy="0"/>
+          <a:chOff x="0" y="0"/>
+          <a:chExt cx="0" cy="0"/>
+        </a:xfrm>
+      </p:grpSpPr>
+      <p:sp>
+        <p:nvSpPr>
+          <p:cNvPr id="2" name="Segnaposto immagine diapositiva 1"/>
+          <p:cNvSpPr>
+            <a:spLocks noGrp="1" noRot="1" noChangeAspect="1"/>
+          </p:cNvSpPr>
+          <p:nvPr>
+            <p:ph type="sldImg"/>
+          </p:nvPr>
+        </p:nvSpPr>
+        <p:spPr/>
+      </p:sp>
+      <p:sp>
+        <p:nvSpPr>
+          <p:cNvPr id="3" name="Segnaposto note 2"/>
+          <p:cNvSpPr>
+            <a:spLocks noGrp="1"/>
+          </p:cNvSpPr>
+          <p:nvPr>
+            <p:ph type="body" idx="1"/>
+          </p:nvPr>
+        </p:nvSpPr>
+        <p:spPr/>
+        <p:txBody>
+          <a:bodyPr/>
+          <a:lstStyle/>
+          <a:p>
+            <a:r>
+              <a:rPr lang="it-IT" dirty="0" err="1"/>
+              <a:t>Then</a:t>
+            </a:r>
+            <a:r>
+              <a:rPr lang="it-IT" dirty="0"/>
+              <a:t> </a:t>
+            </a:r>
+            <a:r>
+              <a:rPr lang="it-IT" dirty="0" err="1"/>
+              <a:t>there</a:t>
+            </a:r>
+            <a:r>
+              <a:rPr lang="it-IT" dirty="0"/>
+              <a:t> </a:t>
+            </a:r>
+            <a:r>
+              <a:rPr lang="it-IT" dirty="0" err="1"/>
+              <a:t>is</a:t>
+            </a:r>
+            <a:r>
+              <a:rPr lang="it-IT" dirty="0"/>
+              <a:t> the </a:t>
+            </a:r>
+            <a:r>
+              <a:rPr lang="it-IT" dirty="0" err="1"/>
+              <a:t>search</a:t>
+            </a:r>
+            <a:r>
+              <a:rPr lang="it-IT" dirty="0"/>
+              <a:t> </a:t>
+            </a:r>
+            <a:r>
+              <a:rPr lang="it-IT" dirty="0" err="1"/>
+              <a:t>microservice</a:t>
+            </a:r>
+            <a:r>
+              <a:rPr lang="it-IT" dirty="0"/>
+              <a:t> </a:t>
+            </a:r>
+            <a:r>
+              <a:rPr lang="it-IT" dirty="0" err="1"/>
+              <a:t>based</a:t>
+            </a:r>
+            <a:r>
+              <a:rPr lang="it-IT" dirty="0"/>
+              <a:t> on </a:t>
+            </a:r>
+            <a:r>
+              <a:rPr lang="it-IT" dirty="0" err="1"/>
+              <a:t>Elasticsearch</a:t>
+            </a:r>
+            <a:r>
+              <a:rPr lang="it-IT" dirty="0"/>
+              <a:t> </a:t>
+            </a:r>
+            <a:r>
+              <a:rPr lang="it-IT" dirty="0" err="1"/>
+              <a:t>engine</a:t>
+            </a:r>
+            <a:r>
+              <a:rPr lang="it-IT" dirty="0"/>
+              <a:t> and </a:t>
+            </a:r>
+            <a:r>
+              <a:rPr lang="it-IT" dirty="0" err="1"/>
+              <a:t>Kibana</a:t>
+            </a:r>
+            <a:r>
+              <a:rPr lang="it-IT" dirty="0"/>
+              <a:t> data </a:t>
+            </a:r>
+            <a:r>
+              <a:rPr lang="it-IT" dirty="0" err="1"/>
+              <a:t>visualization</a:t>
+            </a:r>
+            <a:r>
+              <a:rPr lang="it-IT" dirty="0"/>
+              <a:t> dashboard. </a:t>
+            </a:r>
+            <a:r>
+              <a:rPr lang="it-IT" dirty="0" err="1"/>
+              <a:t>Moreover</a:t>
+            </a:r>
+            <a:r>
+              <a:rPr lang="it-IT" dirty="0"/>
+              <a:t> </a:t>
+            </a:r>
+            <a:r>
+              <a:rPr lang="it-IT" dirty="0" err="1"/>
+              <a:t>we</a:t>
+            </a:r>
+            <a:r>
+              <a:rPr lang="it-IT" dirty="0"/>
+              <a:t> </a:t>
+            </a:r>
+            <a:r>
+              <a:rPr lang="it-IT" dirty="0" err="1"/>
+              <a:t>used</a:t>
+            </a:r>
+            <a:r>
+              <a:rPr lang="it-IT" dirty="0"/>
+              <a:t> </a:t>
+            </a:r>
+            <a:r>
+              <a:rPr lang="it-IT" dirty="0" err="1"/>
+              <a:t>Deepdetect</a:t>
+            </a:r>
+            <a:r>
+              <a:rPr lang="it-IT" dirty="0"/>
+              <a:t>, </a:t>
+            </a:r>
+            <a:r>
+              <a:rPr lang="it-IT" dirty="0" err="1"/>
+              <a:t>which</a:t>
+            </a:r>
+            <a:r>
+              <a:rPr lang="it-IT" dirty="0"/>
+              <a:t> </a:t>
+            </a:r>
+            <a:r>
+              <a:rPr lang="it-IT" dirty="0" err="1"/>
+              <a:t>is</a:t>
+            </a:r>
+            <a:r>
+              <a:rPr lang="it-IT" dirty="0"/>
+              <a:t> a deep learning </a:t>
+            </a:r>
+            <a:r>
+              <a:rPr lang="it-IT" dirty="0" err="1"/>
+              <a:t>platform</a:t>
+            </a:r>
+            <a:r>
+              <a:rPr lang="it-IT" dirty="0"/>
+              <a:t> </a:t>
+            </a:r>
+            <a:r>
+              <a:rPr lang="it-IT" dirty="0" err="1"/>
+              <a:t>offering</a:t>
+            </a:r>
+            <a:r>
+              <a:rPr lang="it-IT" dirty="0"/>
+              <a:t> </a:t>
+            </a:r>
+            <a:r>
+              <a:rPr lang="it-IT" dirty="0" err="1"/>
+              <a:t>pretrained</a:t>
+            </a:r>
+            <a:r>
+              <a:rPr lang="it-IT" dirty="0"/>
+              <a:t> models to </a:t>
+            </a:r>
+            <a:r>
+              <a:rPr lang="it-IT" dirty="0" err="1"/>
+              <a:t>classify</a:t>
+            </a:r>
+            <a:r>
+              <a:rPr lang="it-IT" dirty="0"/>
+              <a:t> images </a:t>
+            </a:r>
+            <a:r>
+              <a:rPr lang="it-IT" dirty="0" err="1"/>
+              <a:t>based</a:t>
+            </a:r>
+            <a:r>
+              <a:rPr lang="it-IT" dirty="0"/>
+              <a:t> on </a:t>
+            </a:r>
+            <a:r>
+              <a:rPr lang="it-IT" dirty="0" err="1"/>
+              <a:t>represented</a:t>
+            </a:r>
+            <a:r>
+              <a:rPr lang="it-IT" dirty="0"/>
+              <a:t> </a:t>
+            </a:r>
+            <a:r>
+              <a:rPr lang="it-IT" dirty="0" err="1"/>
+              <a:t>subjects</a:t>
+            </a:r>
+            <a:r>
+              <a:rPr lang="it-IT" dirty="0"/>
+              <a:t>. </a:t>
+            </a:r>
+          </a:p>
+        </p:txBody>
+      </p:sp>
+      <p:sp>
+        <p:nvSpPr>
+          <p:cNvPr id="4" name="Segnaposto numero diapositiva 3"/>
+          <p:cNvSpPr>
+            <a:spLocks noGrp="1"/>
+          </p:cNvSpPr>
+          <p:nvPr>
+            <p:ph type="sldNum" sz="quarter" idx="5"/>
+          </p:nvPr>
+        </p:nvSpPr>
+        <p:spPr/>
+        <p:txBody>
+          <a:bodyPr/>
+          <a:lstStyle/>
+          <a:p>
+            <a:fld id="{58AB443B-2EC5-D547-A963-FC763052E97D}" type="slidenum">
+              <a:rPr lang="it-IT" smtClean="0"/>
+              <a:t>21</a:t>
+            </a:fld>
+            <a:endParaRPr lang="it-IT"/>
+          </a:p>
+        </p:txBody>
+      </p:sp>
+    </p:spTree>
+    <p:extLst>
+      <p:ext uri="{BB962C8B-B14F-4D97-AF65-F5344CB8AC3E}">
+        <p14:creationId xmlns:p14="http://schemas.microsoft.com/office/powerpoint/2010/main" val="2921453444"/>
+      </p:ext>
+    </p:extLst>
+  </p:cSld>
+  <p:clrMapOvr>
+    <a:masterClrMapping/>
+  </p:clrMapOvr>
+</p:notes>
+</file>
+
+<file path=ppt/notesSlides/notesSlide2.xml><?xml version="1.0" encoding="utf-8"?>
+<p:notes xmlns:a="http://schemas.openxmlformats.org/drawingml/2006/main" xmlns:r="http://schemas.openxmlformats.org/officeDocument/2006/relationships" xmlns:p="http://schemas.openxmlformats.org/presentationml/2006/main">
+  <p:cSld>
+    <p:spTree>
+      <p:nvGrpSpPr>
+        <p:cNvPr id="1" name=""/>
+        <p:cNvGrpSpPr/>
+        <p:nvPr/>
+      </p:nvGrpSpPr>
+      <p:grpSpPr>
+        <a:xfrm>
+          <a:off x="0" y="0"/>
+          <a:ext cx="0" cy="0"/>
+          <a:chOff x="0" y="0"/>
+          <a:chExt cx="0" cy="0"/>
+        </a:xfrm>
+      </p:grpSpPr>
+      <p:sp>
+        <p:nvSpPr>
+          <p:cNvPr id="2" name="Segnaposto immagine diapositiva 1"/>
+          <p:cNvSpPr>
+            <a:spLocks noGrp="1" noRot="1" noChangeAspect="1"/>
+          </p:cNvSpPr>
+          <p:nvPr>
+            <p:ph type="sldImg"/>
+          </p:nvPr>
+        </p:nvSpPr>
+        <p:spPr/>
+      </p:sp>
+      <p:sp>
+        <p:nvSpPr>
+          <p:cNvPr id="3" name="Segnaposto note 2"/>
+          <p:cNvSpPr>
+            <a:spLocks noGrp="1"/>
+          </p:cNvSpPr>
+          <p:nvPr>
+            <p:ph type="body" idx="1"/>
+          </p:nvPr>
+        </p:nvSpPr>
+        <p:spPr/>
+        <p:txBody>
+          <a:bodyPr/>
+          <a:lstStyle/>
+          <a:p>
+            <a:pPr marL="0" marR="0" lvl="0" indent="0" algn="l" defTabSz="914400" rtl="0" eaLnBrk="1" fontAlgn="auto" latinLnBrk="0" hangingPunct="1">
+              <a:lnSpc>
+                <a:spcPct val="100000"/>
+              </a:lnSpc>
+              <a:spcBef>
+                <a:spcPts val="0"/>
+              </a:spcBef>
+              <a:spcAft>
+                <a:spcPts val="0"/>
+              </a:spcAft>
+              <a:buClrTx/>
+              <a:buSzTx/>
+              <a:buFontTx/>
+              <a:buNone/>
+              <a:tabLst/>
+              <a:defRPr/>
+            </a:pPr>
+            <a:r>
+              <a:rPr lang="it-IT" dirty="0"/>
+              <a:t>In </a:t>
+            </a:r>
+            <a:r>
+              <a:rPr lang="it-IT" dirty="0" err="1"/>
+              <a:t>particular</a:t>
+            </a:r>
+            <a:r>
+              <a:rPr lang="it-IT" dirty="0"/>
+              <a:t>, the system </a:t>
+            </a:r>
+            <a:r>
+              <a:rPr lang="it-IT" dirty="0" err="1"/>
+              <a:t>offers</a:t>
+            </a:r>
+            <a:r>
+              <a:rPr lang="it-IT" dirty="0"/>
+              <a:t> </a:t>
+            </a:r>
+            <a:r>
+              <a:rPr lang="it-IT" dirty="0" err="1"/>
+              <a:t>various</a:t>
+            </a:r>
+            <a:r>
+              <a:rPr lang="it-IT" dirty="0"/>
+              <a:t> </a:t>
+            </a:r>
+            <a:r>
+              <a:rPr lang="it-IT" dirty="0" err="1"/>
+              <a:t>functionalities</a:t>
+            </a:r>
+            <a:r>
+              <a:rPr lang="it-IT" dirty="0"/>
+              <a:t> </a:t>
+            </a:r>
+            <a:r>
+              <a:rPr lang="it-IT" dirty="0" err="1"/>
+              <a:t>that</a:t>
+            </a:r>
+            <a:r>
+              <a:rPr lang="it-IT" dirty="0"/>
+              <a:t> </a:t>
+            </a:r>
+            <a:r>
+              <a:rPr lang="it-IT" dirty="0" err="1"/>
+              <a:t>we</a:t>
+            </a:r>
+            <a:r>
+              <a:rPr lang="it-IT" dirty="0"/>
+              <a:t> </a:t>
+            </a:r>
+            <a:r>
+              <a:rPr lang="it-IT" dirty="0" err="1"/>
+              <a:t>expressed</a:t>
+            </a:r>
+            <a:r>
+              <a:rPr lang="it-IT" dirty="0"/>
+              <a:t> in the </a:t>
+            </a:r>
+            <a:r>
+              <a:rPr lang="it-IT" dirty="0" err="1"/>
+              <a:t>form</a:t>
+            </a:r>
+            <a:r>
+              <a:rPr lang="it-IT" dirty="0"/>
+              <a:t> of user story, </a:t>
+            </a:r>
+            <a:r>
+              <a:rPr lang="it-IT" dirty="0" err="1"/>
+              <a:t>such</a:t>
+            </a:r>
+            <a:r>
+              <a:rPr lang="it-IT" dirty="0"/>
+              <a:t> </a:t>
+            </a:r>
+            <a:r>
+              <a:rPr lang="it-IT" dirty="0" err="1"/>
+              <a:t>as</a:t>
+            </a:r>
+            <a:r>
+              <a:rPr lang="it-IT" dirty="0"/>
+              <a:t> the </a:t>
+            </a:r>
+            <a:r>
+              <a:rPr lang="it-IT" dirty="0" err="1"/>
+              <a:t>possibility</a:t>
+            </a:r>
+            <a:r>
+              <a:rPr lang="it-IT" dirty="0"/>
+              <a:t> to login </a:t>
+            </a:r>
+            <a:r>
+              <a:rPr lang="it-IT" dirty="0" err="1"/>
+              <a:t>into</a:t>
+            </a:r>
+            <a:r>
+              <a:rPr lang="it-IT" dirty="0"/>
+              <a:t> the system</a:t>
+            </a:r>
+          </a:p>
+          <a:p>
+            <a:endParaRPr lang="it-IT" dirty="0"/>
+          </a:p>
+        </p:txBody>
+      </p:sp>
+      <p:sp>
+        <p:nvSpPr>
+          <p:cNvPr id="4" name="Segnaposto numero diapositiva 3"/>
+          <p:cNvSpPr>
+            <a:spLocks noGrp="1"/>
+          </p:cNvSpPr>
+          <p:nvPr>
+            <p:ph type="sldNum" sz="quarter" idx="5"/>
+          </p:nvPr>
+        </p:nvSpPr>
+        <p:spPr/>
+        <p:txBody>
+          <a:bodyPr/>
+          <a:lstStyle/>
+          <a:p>
+            <a:fld id="{58AB443B-2EC5-D547-A963-FC763052E97D}" type="slidenum">
+              <a:rPr lang="it-IT" smtClean="0"/>
+              <a:t>4</a:t>
+            </a:fld>
+            <a:endParaRPr lang="it-IT"/>
+          </a:p>
+        </p:txBody>
+      </p:sp>
+    </p:spTree>
+    <p:extLst>
+      <p:ext uri="{BB962C8B-B14F-4D97-AF65-F5344CB8AC3E}">
+        <p14:creationId xmlns:p14="http://schemas.microsoft.com/office/powerpoint/2010/main" val="247575138"/>
+      </p:ext>
+    </p:extLst>
+  </p:cSld>
+  <p:clrMapOvr>
+    <a:masterClrMapping/>
+  </p:clrMapOvr>
+</p:notes>
+</file>
+
+<file path=ppt/notesSlides/notesSlide20.xml><?xml version="1.0" encoding="utf-8"?>
+<p:notes xmlns:a="http://schemas.openxmlformats.org/drawingml/2006/main" xmlns:r="http://schemas.openxmlformats.org/officeDocument/2006/relationships" xmlns:p="http://schemas.openxmlformats.org/presentationml/2006/main">
+  <p:cSld>
+    <p:spTree>
+      <p:nvGrpSpPr>
+        <p:cNvPr id="1" name=""/>
+        <p:cNvGrpSpPr/>
+        <p:nvPr/>
+      </p:nvGrpSpPr>
+      <p:grpSpPr>
+        <a:xfrm>
+          <a:off x="0" y="0"/>
+          <a:ext cx="0" cy="0"/>
+          <a:chOff x="0" y="0"/>
+          <a:chExt cx="0" cy="0"/>
+        </a:xfrm>
+      </p:grpSpPr>
+      <p:sp>
+        <p:nvSpPr>
+          <p:cNvPr id="2" name="Segnaposto immagine diapositiva 1"/>
+          <p:cNvSpPr>
+            <a:spLocks noGrp="1" noRot="1" noChangeAspect="1"/>
+          </p:cNvSpPr>
+          <p:nvPr>
+            <p:ph type="sldImg"/>
+          </p:nvPr>
+        </p:nvSpPr>
+        <p:spPr/>
+      </p:sp>
+      <p:sp>
+        <p:nvSpPr>
+          <p:cNvPr id="3" name="Segnaposto note 2"/>
+          <p:cNvSpPr>
+            <a:spLocks noGrp="1"/>
+          </p:cNvSpPr>
+          <p:nvPr>
+            <p:ph type="body" idx="1"/>
+          </p:nvPr>
+        </p:nvSpPr>
+        <p:spPr/>
+        <p:txBody>
+          <a:bodyPr/>
+          <a:lstStyle/>
+          <a:p>
+            <a:r>
+              <a:rPr lang="it-IT" dirty="0" err="1"/>
+              <a:t>Then</a:t>
+            </a:r>
+            <a:r>
+              <a:rPr lang="it-IT" dirty="0"/>
+              <a:t>, </a:t>
+            </a:r>
+            <a:r>
+              <a:rPr lang="it-IT" dirty="0" err="1"/>
+              <a:t>regarding</a:t>
+            </a:r>
+            <a:r>
+              <a:rPr lang="it-IT" dirty="0"/>
+              <a:t> </a:t>
+            </a:r>
+            <a:r>
+              <a:rPr lang="it-IT" dirty="0" err="1"/>
+              <a:t>notifications</a:t>
+            </a:r>
+            <a:r>
+              <a:rPr lang="it-IT" dirty="0"/>
+              <a:t>, </a:t>
+            </a:r>
+            <a:r>
+              <a:rPr lang="it-IT" dirty="0" err="1"/>
+              <a:t>we</a:t>
+            </a:r>
+            <a:r>
+              <a:rPr lang="it-IT" dirty="0"/>
+              <a:t> </a:t>
+            </a:r>
+            <a:r>
+              <a:rPr lang="it-IT" dirty="0" err="1"/>
+              <a:t>used</a:t>
+            </a:r>
+            <a:r>
+              <a:rPr lang="it-IT" dirty="0"/>
+              <a:t> </a:t>
+            </a:r>
+            <a:r>
+              <a:rPr lang="it-IT" dirty="0" err="1"/>
+              <a:t>RabbitMQ</a:t>
+            </a:r>
+            <a:r>
+              <a:rPr lang="it-IT" dirty="0"/>
+              <a:t> </a:t>
+            </a:r>
+            <a:r>
+              <a:rPr lang="it-IT" dirty="0" err="1"/>
+              <a:t>message</a:t>
+            </a:r>
+            <a:r>
+              <a:rPr lang="it-IT" dirty="0"/>
+              <a:t> </a:t>
+            </a:r>
+            <a:r>
+              <a:rPr lang="it-IT" dirty="0" err="1"/>
+              <a:t>oriented</a:t>
+            </a:r>
+            <a:r>
+              <a:rPr lang="it-IT" dirty="0"/>
+              <a:t> middleware </a:t>
+            </a:r>
+            <a:r>
+              <a:rPr lang="it-IT" dirty="0" err="1"/>
+              <a:t>through</a:t>
+            </a:r>
+            <a:r>
+              <a:rPr lang="it-IT" dirty="0"/>
+              <a:t> </a:t>
+            </a:r>
+            <a:r>
+              <a:rPr lang="it-IT" dirty="0" err="1"/>
+              <a:t>CloudAMQP</a:t>
+            </a:r>
+            <a:r>
+              <a:rPr lang="it-IT" dirty="0"/>
+              <a:t> cloud </a:t>
+            </a:r>
+            <a:r>
+              <a:rPr lang="it-IT" dirty="0" err="1"/>
+              <a:t>platform</a:t>
+            </a:r>
+            <a:r>
+              <a:rPr lang="it-IT" dirty="0"/>
+              <a:t> in order to be </a:t>
+            </a:r>
+            <a:r>
+              <a:rPr lang="it-IT" dirty="0" err="1"/>
+              <a:t>able</a:t>
+            </a:r>
+            <a:r>
+              <a:rPr lang="it-IT" dirty="0"/>
+              <a:t> to access the </a:t>
+            </a:r>
+            <a:r>
+              <a:rPr lang="it-IT" dirty="0" err="1"/>
+              <a:t>queues</a:t>
+            </a:r>
+            <a:r>
+              <a:rPr lang="it-IT" dirty="0"/>
+              <a:t> from </a:t>
+            </a:r>
+            <a:r>
+              <a:rPr lang="it-IT" dirty="0" err="1"/>
+              <a:t>everywhere</a:t>
+            </a:r>
+            <a:r>
+              <a:rPr lang="it-IT" dirty="0"/>
+              <a:t>.</a:t>
+            </a:r>
+          </a:p>
+        </p:txBody>
+      </p:sp>
+      <p:sp>
+        <p:nvSpPr>
+          <p:cNvPr id="4" name="Segnaposto numero diapositiva 3"/>
+          <p:cNvSpPr>
+            <a:spLocks noGrp="1"/>
+          </p:cNvSpPr>
+          <p:nvPr>
+            <p:ph type="sldNum" sz="quarter" idx="5"/>
+          </p:nvPr>
+        </p:nvSpPr>
+        <p:spPr/>
+        <p:txBody>
+          <a:bodyPr/>
+          <a:lstStyle/>
+          <a:p>
+            <a:fld id="{58AB443B-2EC5-D547-A963-FC763052E97D}" type="slidenum">
+              <a:rPr lang="it-IT" smtClean="0"/>
+              <a:t>22</a:t>
+            </a:fld>
+            <a:endParaRPr lang="it-IT"/>
+          </a:p>
+        </p:txBody>
+      </p:sp>
+    </p:spTree>
+    <p:extLst>
+      <p:ext uri="{BB962C8B-B14F-4D97-AF65-F5344CB8AC3E}">
+        <p14:creationId xmlns:p14="http://schemas.microsoft.com/office/powerpoint/2010/main" val="637477385"/>
+      </p:ext>
+    </p:extLst>
+  </p:cSld>
+  <p:clrMapOvr>
+    <a:masterClrMapping/>
+  </p:clrMapOvr>
+</p:notes>
+</file>
+
+<file path=ppt/notesSlides/notesSlide21.xml><?xml version="1.0" encoding="utf-8"?>
+<p:notes xmlns:a="http://schemas.openxmlformats.org/drawingml/2006/main" xmlns:r="http://schemas.openxmlformats.org/officeDocument/2006/relationships" xmlns:p="http://schemas.openxmlformats.org/presentationml/2006/main">
+  <p:cSld>
+    <p:spTree>
+      <p:nvGrpSpPr>
+        <p:cNvPr id="1" name=""/>
+        <p:cNvGrpSpPr/>
+        <p:nvPr/>
+      </p:nvGrpSpPr>
+      <p:grpSpPr>
+        <a:xfrm>
+          <a:off x="0" y="0"/>
+          <a:ext cx="0" cy="0"/>
+          <a:chOff x="0" y="0"/>
+          <a:chExt cx="0" cy="0"/>
+        </a:xfrm>
+      </p:grpSpPr>
+      <p:sp>
+        <p:nvSpPr>
+          <p:cNvPr id="2" name="Segnaposto immagine diapositiva 1"/>
+          <p:cNvSpPr>
+            <a:spLocks noGrp="1" noRot="1" noChangeAspect="1"/>
+          </p:cNvSpPr>
+          <p:nvPr>
+            <p:ph type="sldImg"/>
+          </p:nvPr>
+        </p:nvSpPr>
+        <p:spPr/>
+      </p:sp>
+      <p:sp>
+        <p:nvSpPr>
+          <p:cNvPr id="3" name="Segnaposto note 2"/>
+          <p:cNvSpPr>
+            <a:spLocks noGrp="1"/>
+          </p:cNvSpPr>
+          <p:nvPr>
+            <p:ph type="body" idx="1"/>
+          </p:nvPr>
+        </p:nvSpPr>
+        <p:spPr/>
+        <p:txBody>
+          <a:bodyPr/>
+          <a:lstStyle/>
+          <a:p>
+            <a:r>
+              <a:rPr lang="it-IT" dirty="0" err="1"/>
+              <a:t>Finally</a:t>
+            </a:r>
+            <a:r>
+              <a:rPr lang="it-IT" dirty="0"/>
+              <a:t>, </a:t>
+            </a:r>
+            <a:r>
+              <a:rPr lang="it-IT" dirty="0" err="1"/>
+              <a:t>regarding</a:t>
+            </a:r>
+            <a:r>
+              <a:rPr lang="it-IT" dirty="0"/>
+              <a:t> the </a:t>
+            </a:r>
+            <a:r>
+              <a:rPr lang="it-IT" dirty="0" err="1"/>
+              <a:t>persistence</a:t>
+            </a:r>
+            <a:r>
+              <a:rPr lang="it-IT" dirty="0"/>
+              <a:t> </a:t>
+            </a:r>
+            <a:r>
+              <a:rPr lang="it-IT" dirty="0" err="1"/>
+              <a:t>layer</a:t>
+            </a:r>
+            <a:r>
+              <a:rPr lang="it-IT" dirty="0"/>
+              <a:t>, </a:t>
+            </a:r>
+            <a:r>
+              <a:rPr lang="it-IT" dirty="0" err="1"/>
+              <a:t>we</a:t>
+            </a:r>
+            <a:r>
+              <a:rPr lang="it-IT" dirty="0"/>
+              <a:t> </a:t>
+            </a:r>
+            <a:r>
+              <a:rPr lang="it-IT" dirty="0" err="1"/>
+              <a:t>used</a:t>
+            </a:r>
+            <a:r>
+              <a:rPr lang="it-IT" dirty="0"/>
+              <a:t> the </a:t>
+            </a:r>
+            <a:r>
+              <a:rPr lang="it-IT" dirty="0" err="1"/>
+              <a:t>NoSQL</a:t>
+            </a:r>
+            <a:r>
+              <a:rPr lang="it-IT" dirty="0"/>
+              <a:t> </a:t>
+            </a:r>
+            <a:r>
+              <a:rPr lang="it-IT" dirty="0" err="1"/>
+              <a:t>graph</a:t>
+            </a:r>
+            <a:r>
+              <a:rPr lang="it-IT" dirty="0"/>
+              <a:t> database Neo4j. In </a:t>
+            </a:r>
+            <a:r>
+              <a:rPr lang="it-IT" dirty="0" err="1"/>
+              <a:t>particular</a:t>
+            </a:r>
+            <a:r>
+              <a:rPr lang="it-IT" dirty="0"/>
+              <a:t> </a:t>
+            </a:r>
+            <a:r>
+              <a:rPr lang="it-IT" dirty="0" err="1"/>
+              <a:t>we</a:t>
+            </a:r>
+            <a:r>
+              <a:rPr lang="it-IT" dirty="0"/>
+              <a:t> </a:t>
+            </a:r>
+            <a:r>
+              <a:rPr lang="it-IT" dirty="0" err="1"/>
+              <a:t>used</a:t>
+            </a:r>
+            <a:r>
+              <a:rPr lang="it-IT" dirty="0"/>
+              <a:t> the Neo4j </a:t>
+            </a:r>
+            <a:r>
+              <a:rPr lang="it-IT" dirty="0" err="1"/>
+              <a:t>auraDB</a:t>
+            </a:r>
+            <a:r>
+              <a:rPr lang="it-IT" dirty="0"/>
+              <a:t> cloud </a:t>
+            </a:r>
+            <a:r>
+              <a:rPr lang="it-IT" dirty="0" err="1"/>
+              <a:t>platform</a:t>
+            </a:r>
+            <a:r>
+              <a:rPr lang="it-IT" dirty="0"/>
+              <a:t> in order to make the database </a:t>
+            </a:r>
+            <a:r>
+              <a:rPr lang="it-IT" dirty="0" err="1"/>
+              <a:t>available</a:t>
+            </a:r>
+            <a:r>
+              <a:rPr lang="it-IT" dirty="0"/>
+              <a:t> on the cloud for </a:t>
+            </a:r>
+            <a:r>
+              <a:rPr lang="it-IT" dirty="0" err="1"/>
+              <a:t>everyone</a:t>
+            </a:r>
+            <a:r>
+              <a:rPr lang="it-IT" dirty="0"/>
+              <a:t> </a:t>
+            </a:r>
+            <a:r>
+              <a:rPr lang="it-IT" dirty="0" err="1"/>
+              <a:t>using</a:t>
+            </a:r>
+            <a:r>
+              <a:rPr lang="it-IT" dirty="0"/>
+              <a:t> the system.</a:t>
+            </a:r>
+          </a:p>
+        </p:txBody>
+      </p:sp>
+      <p:sp>
+        <p:nvSpPr>
+          <p:cNvPr id="4" name="Segnaposto numero diapositiva 3"/>
+          <p:cNvSpPr>
+            <a:spLocks noGrp="1"/>
+          </p:cNvSpPr>
+          <p:nvPr>
+            <p:ph type="sldNum" sz="quarter" idx="5"/>
+          </p:nvPr>
+        </p:nvSpPr>
+        <p:spPr/>
+        <p:txBody>
+          <a:bodyPr/>
+          <a:lstStyle/>
+          <a:p>
+            <a:fld id="{58AB443B-2EC5-D547-A963-FC763052E97D}" type="slidenum">
+              <a:rPr lang="it-IT" smtClean="0"/>
+              <a:t>23</a:t>
+            </a:fld>
+            <a:endParaRPr lang="it-IT"/>
+          </a:p>
+        </p:txBody>
+      </p:sp>
+    </p:spTree>
+    <p:extLst>
+      <p:ext uri="{BB962C8B-B14F-4D97-AF65-F5344CB8AC3E}">
+        <p14:creationId xmlns:p14="http://schemas.microsoft.com/office/powerpoint/2010/main" val="702320177"/>
+      </p:ext>
+    </p:extLst>
+  </p:cSld>
+  <p:clrMapOvr>
+    <a:masterClrMapping/>
+  </p:clrMapOvr>
+</p:notes>
+</file>
+
+<file path=ppt/notesSlides/notesSlide3.xml><?xml version="1.0" encoding="utf-8"?>
+<p:notes xmlns:a="http://schemas.openxmlformats.org/drawingml/2006/main" xmlns:r="http://schemas.openxmlformats.org/officeDocument/2006/relationships" xmlns:p="http://schemas.openxmlformats.org/presentationml/2006/main">
+  <p:cSld>
+    <p:spTree>
+      <p:nvGrpSpPr>
+        <p:cNvPr id="1" name=""/>
+        <p:cNvGrpSpPr/>
+        <p:nvPr/>
+      </p:nvGrpSpPr>
+      <p:grpSpPr>
+        <a:xfrm>
+          <a:off x="0" y="0"/>
+          <a:ext cx="0" cy="0"/>
+          <a:chOff x="0" y="0"/>
+          <a:chExt cx="0" cy="0"/>
+        </a:xfrm>
+      </p:grpSpPr>
+      <p:sp>
+        <p:nvSpPr>
+          <p:cNvPr id="2" name="Segnaposto immagine diapositiva 1"/>
+          <p:cNvSpPr>
+            <a:spLocks noGrp="1" noRot="1" noChangeAspect="1"/>
+          </p:cNvSpPr>
+          <p:nvPr>
+            <p:ph type="sldImg"/>
+          </p:nvPr>
+        </p:nvSpPr>
+        <p:spPr/>
+      </p:sp>
+      <p:sp>
+        <p:nvSpPr>
+          <p:cNvPr id="3" name="Segnaposto note 2"/>
+          <p:cNvSpPr>
+            <a:spLocks noGrp="1"/>
+          </p:cNvSpPr>
+          <p:nvPr>
+            <p:ph type="body" idx="1"/>
+          </p:nvPr>
+        </p:nvSpPr>
+        <p:spPr/>
+        <p:txBody>
+          <a:bodyPr/>
+          <a:lstStyle/>
+          <a:p>
+            <a:r>
+              <a:rPr lang="it-IT" dirty="0"/>
+              <a:t>to </a:t>
+            </a:r>
+            <a:r>
+              <a:rPr lang="it-IT" dirty="0" err="1"/>
+              <a:t>register</a:t>
+            </a:r>
+            <a:r>
+              <a:rPr lang="it-IT" dirty="0"/>
+              <a:t> </a:t>
+            </a:r>
+            <a:r>
+              <a:rPr lang="it-IT" dirty="0" err="1"/>
+              <a:t>into</a:t>
+            </a:r>
+            <a:r>
+              <a:rPr lang="it-IT" dirty="0"/>
+              <a:t> the system</a:t>
+            </a:r>
+          </a:p>
+        </p:txBody>
+      </p:sp>
+      <p:sp>
+        <p:nvSpPr>
+          <p:cNvPr id="4" name="Segnaposto numero diapositiva 3"/>
+          <p:cNvSpPr>
+            <a:spLocks noGrp="1"/>
+          </p:cNvSpPr>
+          <p:nvPr>
+            <p:ph type="sldNum" sz="quarter" idx="5"/>
+          </p:nvPr>
+        </p:nvSpPr>
+        <p:spPr/>
+        <p:txBody>
+          <a:bodyPr/>
+          <a:lstStyle/>
+          <a:p>
+            <a:fld id="{58AB443B-2EC5-D547-A963-FC763052E97D}" type="slidenum">
+              <a:rPr lang="it-IT" smtClean="0"/>
+              <a:t>5</a:t>
+            </a:fld>
+            <a:endParaRPr lang="it-IT"/>
+          </a:p>
+        </p:txBody>
+      </p:sp>
+    </p:spTree>
+    <p:extLst>
+      <p:ext uri="{BB962C8B-B14F-4D97-AF65-F5344CB8AC3E}">
+        <p14:creationId xmlns:p14="http://schemas.microsoft.com/office/powerpoint/2010/main" val="3125477540"/>
+      </p:ext>
+    </p:extLst>
+  </p:cSld>
+  <p:clrMapOvr>
+    <a:masterClrMapping/>
+  </p:clrMapOvr>
+</p:notes>
+</file>
+
+<file path=ppt/notesSlides/notesSlide4.xml><?xml version="1.0" encoding="utf-8"?>
+<p:notes xmlns:a="http://schemas.openxmlformats.org/drawingml/2006/main" xmlns:r="http://schemas.openxmlformats.org/officeDocument/2006/relationships" xmlns:p="http://schemas.openxmlformats.org/presentationml/2006/main">
+  <p:cSld>
+    <p:spTree>
+      <p:nvGrpSpPr>
+        <p:cNvPr id="1" name=""/>
+        <p:cNvGrpSpPr/>
+        <p:nvPr/>
+      </p:nvGrpSpPr>
+      <p:grpSpPr>
+        <a:xfrm>
+          <a:off x="0" y="0"/>
+          <a:ext cx="0" cy="0"/>
+          <a:chOff x="0" y="0"/>
+          <a:chExt cx="0" cy="0"/>
+        </a:xfrm>
+      </p:grpSpPr>
+      <p:sp>
+        <p:nvSpPr>
+          <p:cNvPr id="2" name="Segnaposto immagine diapositiva 1"/>
+          <p:cNvSpPr>
+            <a:spLocks noGrp="1" noRot="1" noChangeAspect="1"/>
+          </p:cNvSpPr>
+          <p:nvPr>
+            <p:ph type="sldImg"/>
+          </p:nvPr>
+        </p:nvSpPr>
+        <p:spPr/>
+      </p:sp>
+      <p:sp>
+        <p:nvSpPr>
+          <p:cNvPr id="3" name="Segnaposto note 2"/>
+          <p:cNvSpPr>
+            <a:spLocks noGrp="1"/>
+          </p:cNvSpPr>
+          <p:nvPr>
+            <p:ph type="body" idx="1"/>
+          </p:nvPr>
+        </p:nvSpPr>
+        <p:spPr/>
+        <p:txBody>
+          <a:bodyPr/>
+          <a:lstStyle/>
+          <a:p>
+            <a:r>
+              <a:rPr lang="it-IT" dirty="0"/>
+              <a:t>to access the homepage to </a:t>
+            </a:r>
+            <a:r>
+              <a:rPr lang="it-IT" dirty="0" err="1"/>
+              <a:t>discover</a:t>
+            </a:r>
+            <a:r>
+              <a:rPr lang="it-IT" dirty="0"/>
+              <a:t> </a:t>
+            </a:r>
+            <a:r>
+              <a:rPr lang="it-IT" dirty="0" err="1"/>
+              <a:t>most</a:t>
+            </a:r>
+            <a:r>
+              <a:rPr lang="it-IT" dirty="0"/>
+              <a:t> </a:t>
+            </a:r>
+            <a:r>
+              <a:rPr lang="it-IT" dirty="0" err="1"/>
+              <a:t>popular</a:t>
+            </a:r>
+            <a:r>
+              <a:rPr lang="it-IT" dirty="0"/>
+              <a:t> images and images </a:t>
+            </a:r>
+            <a:r>
+              <a:rPr lang="it-IT" dirty="0" err="1"/>
+              <a:t>published</a:t>
+            </a:r>
+            <a:r>
+              <a:rPr lang="it-IT" dirty="0"/>
+              <a:t> by </a:t>
+            </a:r>
+            <a:r>
+              <a:rPr lang="it-IT" dirty="0" err="1"/>
+              <a:t>followed</a:t>
+            </a:r>
+            <a:r>
+              <a:rPr lang="it-IT" dirty="0"/>
+              <a:t> users, to </a:t>
+            </a:r>
+            <a:r>
+              <a:rPr lang="it-IT" dirty="0" err="1"/>
+              <a:t>search</a:t>
+            </a:r>
+            <a:r>
+              <a:rPr lang="it-IT" dirty="0"/>
+              <a:t> for images and for </a:t>
+            </a:r>
+            <a:r>
+              <a:rPr lang="it-IT" dirty="0" err="1"/>
+              <a:t>other</a:t>
+            </a:r>
+            <a:r>
+              <a:rPr lang="it-IT" dirty="0"/>
+              <a:t> users and to </a:t>
+            </a:r>
+            <a:r>
+              <a:rPr lang="it-IT" dirty="0" err="1"/>
+              <a:t>get</a:t>
+            </a:r>
+            <a:r>
+              <a:rPr lang="it-IT" dirty="0"/>
+              <a:t> </a:t>
+            </a:r>
+            <a:r>
+              <a:rPr lang="it-IT" dirty="0" err="1"/>
+              <a:t>notified</a:t>
+            </a:r>
+            <a:r>
+              <a:rPr lang="it-IT" dirty="0"/>
+              <a:t> </a:t>
+            </a:r>
+            <a:r>
+              <a:rPr lang="it-IT" dirty="0" err="1"/>
+              <a:t>about</a:t>
+            </a:r>
+            <a:r>
+              <a:rPr lang="it-IT" dirty="0"/>
+              <a:t> new likes, </a:t>
+            </a:r>
+            <a:r>
+              <a:rPr lang="it-IT" dirty="0" err="1"/>
+              <a:t>comments</a:t>
+            </a:r>
+            <a:r>
+              <a:rPr lang="it-IT" dirty="0"/>
+              <a:t> or followers. </a:t>
+            </a:r>
+          </a:p>
+        </p:txBody>
+      </p:sp>
+      <p:sp>
+        <p:nvSpPr>
+          <p:cNvPr id="4" name="Segnaposto numero diapositiva 3"/>
+          <p:cNvSpPr>
+            <a:spLocks noGrp="1"/>
+          </p:cNvSpPr>
+          <p:nvPr>
+            <p:ph type="sldNum" sz="quarter" idx="5"/>
+          </p:nvPr>
+        </p:nvSpPr>
+        <p:spPr/>
+        <p:txBody>
+          <a:bodyPr/>
+          <a:lstStyle/>
+          <a:p>
+            <a:fld id="{58AB443B-2EC5-D547-A963-FC763052E97D}" type="slidenum">
+              <a:rPr lang="it-IT" smtClean="0"/>
+              <a:t>6</a:t>
+            </a:fld>
+            <a:endParaRPr lang="it-IT"/>
+          </a:p>
+        </p:txBody>
+      </p:sp>
+    </p:spTree>
+    <p:extLst>
+      <p:ext uri="{BB962C8B-B14F-4D97-AF65-F5344CB8AC3E}">
+        <p14:creationId xmlns:p14="http://schemas.microsoft.com/office/powerpoint/2010/main" val="2179382364"/>
+      </p:ext>
+    </p:extLst>
+  </p:cSld>
+  <p:clrMapOvr>
+    <a:masterClrMapping/>
+  </p:clrMapOvr>
+</p:notes>
+</file>
+
+<file path=ppt/notesSlides/notesSlide5.xml><?xml version="1.0" encoding="utf-8"?>
+<p:notes xmlns:a="http://schemas.openxmlformats.org/drawingml/2006/main" xmlns:r="http://schemas.openxmlformats.org/officeDocument/2006/relationships" xmlns:p="http://schemas.openxmlformats.org/presentationml/2006/main">
+  <p:cSld>
+    <p:spTree>
+      <p:nvGrpSpPr>
+        <p:cNvPr id="1" name=""/>
+        <p:cNvGrpSpPr/>
+        <p:nvPr/>
+      </p:nvGrpSpPr>
+      <p:grpSpPr>
+        <a:xfrm>
+          <a:off x="0" y="0"/>
+          <a:ext cx="0" cy="0"/>
+          <a:chOff x="0" y="0"/>
+          <a:chExt cx="0" cy="0"/>
+        </a:xfrm>
+      </p:grpSpPr>
+      <p:sp>
+        <p:nvSpPr>
+          <p:cNvPr id="2" name="Segnaposto immagine diapositiva 1"/>
+          <p:cNvSpPr>
+            <a:spLocks noGrp="1" noRot="1" noChangeAspect="1"/>
+          </p:cNvSpPr>
+          <p:nvPr>
+            <p:ph type="sldImg"/>
+          </p:nvPr>
+        </p:nvSpPr>
+        <p:spPr/>
+      </p:sp>
+      <p:sp>
+        <p:nvSpPr>
+          <p:cNvPr id="3" name="Segnaposto note 2"/>
+          <p:cNvSpPr>
+            <a:spLocks noGrp="1"/>
+          </p:cNvSpPr>
+          <p:nvPr>
+            <p:ph type="body" idx="1"/>
+          </p:nvPr>
+        </p:nvSpPr>
+        <p:spPr/>
+        <p:txBody>
+          <a:bodyPr/>
+          <a:lstStyle/>
+          <a:p>
+            <a:endParaRPr lang="it-IT" dirty="0"/>
+          </a:p>
+        </p:txBody>
+      </p:sp>
+      <p:sp>
+        <p:nvSpPr>
+          <p:cNvPr id="4" name="Segnaposto numero diapositiva 3"/>
+          <p:cNvSpPr>
+            <a:spLocks noGrp="1"/>
+          </p:cNvSpPr>
+          <p:nvPr>
+            <p:ph type="sldNum" sz="quarter" idx="5"/>
+          </p:nvPr>
+        </p:nvSpPr>
+        <p:spPr/>
+        <p:txBody>
+          <a:bodyPr/>
+          <a:lstStyle/>
+          <a:p>
+            <a:fld id="{58AB443B-2EC5-D547-A963-FC763052E97D}" type="slidenum">
+              <a:rPr lang="it-IT" smtClean="0"/>
+              <a:t>7</a:t>
+            </a:fld>
+            <a:endParaRPr lang="it-IT"/>
+          </a:p>
+        </p:txBody>
+      </p:sp>
+    </p:spTree>
+    <p:extLst>
+      <p:ext uri="{BB962C8B-B14F-4D97-AF65-F5344CB8AC3E}">
+        <p14:creationId xmlns:p14="http://schemas.microsoft.com/office/powerpoint/2010/main" val="2734060098"/>
+      </p:ext>
+    </p:extLst>
+  </p:cSld>
+  <p:clrMapOvr>
+    <a:masterClrMapping/>
+  </p:clrMapOvr>
+</p:notes>
+</file>
+
+<file path=ppt/notesSlides/notesSlide6.xml><?xml version="1.0" encoding="utf-8"?>
+<p:notes xmlns:a="http://schemas.openxmlformats.org/drawingml/2006/main" xmlns:r="http://schemas.openxmlformats.org/officeDocument/2006/relationships" xmlns:p="http://schemas.openxmlformats.org/presentationml/2006/main">
+  <p:cSld>
+    <p:spTree>
+      <p:nvGrpSpPr>
+        <p:cNvPr id="1" name=""/>
+        <p:cNvGrpSpPr/>
+        <p:nvPr/>
+      </p:nvGrpSpPr>
+      <p:grpSpPr>
+        <a:xfrm>
+          <a:off x="0" y="0"/>
+          <a:ext cx="0" cy="0"/>
+          <a:chOff x="0" y="0"/>
+          <a:chExt cx="0" cy="0"/>
+        </a:xfrm>
+      </p:grpSpPr>
+      <p:sp>
+        <p:nvSpPr>
+          <p:cNvPr id="2" name="Segnaposto immagine diapositiva 1"/>
+          <p:cNvSpPr>
+            <a:spLocks noGrp="1" noRot="1" noChangeAspect="1"/>
+          </p:cNvSpPr>
+          <p:nvPr>
+            <p:ph type="sldImg"/>
+          </p:nvPr>
+        </p:nvSpPr>
+        <p:spPr/>
+      </p:sp>
+      <p:sp>
+        <p:nvSpPr>
+          <p:cNvPr id="3" name="Segnaposto note 2"/>
+          <p:cNvSpPr>
+            <a:spLocks noGrp="1"/>
+          </p:cNvSpPr>
+          <p:nvPr>
+            <p:ph type="body" idx="1"/>
+          </p:nvPr>
+        </p:nvSpPr>
+        <p:spPr/>
+        <p:txBody>
+          <a:bodyPr/>
+          <a:lstStyle/>
+          <a:p>
+            <a:r>
+              <a:rPr lang="it-IT" dirty="0"/>
+              <a:t>More </a:t>
+            </a:r>
+            <a:r>
+              <a:rPr lang="it-IT" dirty="0" err="1"/>
+              <a:t>precisely</a:t>
+            </a:r>
+            <a:r>
+              <a:rPr lang="it-IT" dirty="0"/>
+              <a:t>, </a:t>
+            </a:r>
+            <a:r>
+              <a:rPr lang="it-IT" dirty="0" err="1"/>
+              <a:t>regarding</a:t>
+            </a:r>
+            <a:r>
+              <a:rPr lang="it-IT" dirty="0"/>
+              <a:t> images, the users can </a:t>
+            </a:r>
+            <a:r>
+              <a:rPr lang="it-IT" dirty="0" err="1"/>
+              <a:t>visualize</a:t>
+            </a:r>
+            <a:r>
+              <a:rPr lang="it-IT" dirty="0"/>
+              <a:t> </a:t>
+            </a:r>
+            <a:r>
+              <a:rPr lang="it-IT" dirty="0" err="1"/>
+              <a:t>them</a:t>
+            </a:r>
+            <a:r>
+              <a:rPr lang="it-IT" dirty="0"/>
+              <a:t>, the </a:t>
+            </a:r>
+            <a:r>
+              <a:rPr lang="it-IT" dirty="0" err="1"/>
+              <a:t>related</a:t>
+            </a:r>
+            <a:r>
+              <a:rPr lang="it-IT" dirty="0"/>
+              <a:t> </a:t>
+            </a:r>
+            <a:r>
+              <a:rPr lang="it-IT" dirty="0" err="1"/>
+              <a:t>comments</a:t>
+            </a:r>
+            <a:r>
+              <a:rPr lang="it-IT" dirty="0"/>
+              <a:t>, like, </a:t>
+            </a:r>
+            <a:r>
+              <a:rPr lang="it-IT" dirty="0" err="1"/>
+              <a:t>save</a:t>
+            </a:r>
+            <a:r>
+              <a:rPr lang="it-IT" dirty="0"/>
+              <a:t>, </a:t>
+            </a:r>
+            <a:r>
+              <a:rPr lang="it-IT" dirty="0" err="1"/>
+              <a:t>comment</a:t>
+            </a:r>
+            <a:r>
+              <a:rPr lang="it-IT" dirty="0"/>
+              <a:t> </a:t>
+            </a:r>
+            <a:r>
+              <a:rPr lang="it-IT" dirty="0" err="1"/>
+              <a:t>them</a:t>
+            </a:r>
+            <a:r>
+              <a:rPr lang="it-IT" dirty="0"/>
+              <a:t> and </a:t>
+            </a:r>
+            <a:r>
+              <a:rPr lang="it-IT" dirty="0" err="1"/>
+              <a:t>also</a:t>
+            </a:r>
+            <a:r>
+              <a:rPr lang="it-IT" dirty="0"/>
+              <a:t> </a:t>
+            </a:r>
+            <a:r>
+              <a:rPr lang="it-IT" dirty="0" err="1"/>
+              <a:t>remove</a:t>
+            </a:r>
+            <a:r>
+              <a:rPr lang="it-IT" dirty="0"/>
+              <a:t> </a:t>
+            </a:r>
+            <a:r>
+              <a:rPr lang="it-IT" dirty="0" err="1"/>
+              <a:t>their</a:t>
+            </a:r>
+            <a:r>
+              <a:rPr lang="it-IT" dirty="0"/>
+              <a:t> </a:t>
+            </a:r>
+            <a:r>
+              <a:rPr lang="it-IT" dirty="0" err="1"/>
+              <a:t>own</a:t>
+            </a:r>
+            <a:r>
+              <a:rPr lang="it-IT" dirty="0"/>
+              <a:t> images. </a:t>
+            </a:r>
+          </a:p>
+        </p:txBody>
+      </p:sp>
+      <p:sp>
+        <p:nvSpPr>
+          <p:cNvPr id="4" name="Segnaposto numero diapositiva 3"/>
+          <p:cNvSpPr>
+            <a:spLocks noGrp="1"/>
+          </p:cNvSpPr>
+          <p:nvPr>
+            <p:ph type="sldNum" sz="quarter" idx="5"/>
+          </p:nvPr>
+        </p:nvSpPr>
+        <p:spPr/>
+        <p:txBody>
+          <a:bodyPr/>
+          <a:lstStyle/>
+          <a:p>
+            <a:fld id="{58AB443B-2EC5-D547-A963-FC763052E97D}" type="slidenum">
+              <a:rPr lang="it-IT" smtClean="0"/>
+              <a:t>8</a:t>
+            </a:fld>
+            <a:endParaRPr lang="it-IT"/>
+          </a:p>
+        </p:txBody>
+      </p:sp>
+    </p:spTree>
+    <p:extLst>
+      <p:ext uri="{BB962C8B-B14F-4D97-AF65-F5344CB8AC3E}">
+        <p14:creationId xmlns:p14="http://schemas.microsoft.com/office/powerpoint/2010/main" val="3443168016"/>
+      </p:ext>
+    </p:extLst>
+  </p:cSld>
+  <p:clrMapOvr>
+    <a:masterClrMapping/>
+  </p:clrMapOvr>
+</p:notes>
+</file>
+
+<file path=ppt/notesSlides/notesSlide7.xml><?xml version="1.0" encoding="utf-8"?>
+<p:notes xmlns:a="http://schemas.openxmlformats.org/drawingml/2006/main" xmlns:r="http://schemas.openxmlformats.org/officeDocument/2006/relationships" xmlns:p="http://schemas.openxmlformats.org/presentationml/2006/main">
+  <p:cSld>
+    <p:spTree>
+      <p:nvGrpSpPr>
+        <p:cNvPr id="1" name=""/>
+        <p:cNvGrpSpPr/>
+        <p:nvPr/>
+      </p:nvGrpSpPr>
+      <p:grpSpPr>
+        <a:xfrm>
+          <a:off x="0" y="0"/>
+          <a:ext cx="0" cy="0"/>
+          <a:chOff x="0" y="0"/>
+          <a:chExt cx="0" cy="0"/>
+        </a:xfrm>
+      </p:grpSpPr>
+      <p:sp>
+        <p:nvSpPr>
+          <p:cNvPr id="2" name="Segnaposto immagine diapositiva 1"/>
+          <p:cNvSpPr>
+            <a:spLocks noGrp="1" noRot="1" noChangeAspect="1"/>
+          </p:cNvSpPr>
+          <p:nvPr>
+            <p:ph type="sldImg"/>
+          </p:nvPr>
+        </p:nvSpPr>
+        <p:spPr/>
+      </p:sp>
+      <p:sp>
+        <p:nvSpPr>
+          <p:cNvPr id="3" name="Segnaposto note 2"/>
+          <p:cNvSpPr>
+            <a:spLocks noGrp="1"/>
+          </p:cNvSpPr>
+          <p:nvPr>
+            <p:ph type="body" idx="1"/>
+          </p:nvPr>
+        </p:nvSpPr>
+        <p:spPr/>
+        <p:txBody>
+          <a:bodyPr/>
+          <a:lstStyle/>
+          <a:p>
+            <a:r>
+              <a:rPr lang="it-IT" dirty="0" err="1"/>
+              <a:t>Moreover</a:t>
+            </a:r>
+            <a:r>
+              <a:rPr lang="it-IT" dirty="0"/>
+              <a:t> users can </a:t>
+            </a:r>
+            <a:r>
+              <a:rPr lang="it-IT" dirty="0" err="1"/>
+              <a:t>also</a:t>
+            </a:r>
+            <a:r>
+              <a:rPr lang="it-IT" dirty="0"/>
+              <a:t> upload a new image in the system with </a:t>
+            </a:r>
+            <a:r>
+              <a:rPr lang="it-IT" dirty="0" err="1"/>
+              <a:t>title</a:t>
+            </a:r>
+            <a:r>
+              <a:rPr lang="it-IT" dirty="0"/>
+              <a:t> and </a:t>
+            </a:r>
+            <a:r>
+              <a:rPr lang="it-IT" dirty="0" err="1"/>
+              <a:t>description</a:t>
+            </a:r>
+            <a:r>
+              <a:rPr lang="it-IT" dirty="0"/>
+              <a:t>.</a:t>
+            </a:r>
+          </a:p>
+        </p:txBody>
+      </p:sp>
+      <p:sp>
+        <p:nvSpPr>
+          <p:cNvPr id="4" name="Segnaposto numero diapositiva 3"/>
+          <p:cNvSpPr>
+            <a:spLocks noGrp="1"/>
+          </p:cNvSpPr>
+          <p:nvPr>
+            <p:ph type="sldNum" sz="quarter" idx="5"/>
+          </p:nvPr>
+        </p:nvSpPr>
+        <p:spPr/>
+        <p:txBody>
+          <a:bodyPr/>
+          <a:lstStyle/>
+          <a:p>
+            <a:fld id="{58AB443B-2EC5-D547-A963-FC763052E97D}" type="slidenum">
+              <a:rPr lang="it-IT" smtClean="0"/>
+              <a:t>9</a:t>
+            </a:fld>
+            <a:endParaRPr lang="it-IT"/>
+          </a:p>
+        </p:txBody>
+      </p:sp>
+    </p:spTree>
+    <p:extLst>
+      <p:ext uri="{BB962C8B-B14F-4D97-AF65-F5344CB8AC3E}">
+        <p14:creationId xmlns:p14="http://schemas.microsoft.com/office/powerpoint/2010/main" val="3546886645"/>
+      </p:ext>
+    </p:extLst>
+  </p:cSld>
+  <p:clrMapOvr>
+    <a:masterClrMapping/>
+  </p:clrMapOvr>
+</p:notes>
+</file>
+
+<file path=ppt/notesSlides/notesSlide8.xml><?xml version="1.0" encoding="utf-8"?>
+<p:notes xmlns:a="http://schemas.openxmlformats.org/drawingml/2006/main" xmlns:r="http://schemas.openxmlformats.org/officeDocument/2006/relationships" xmlns:p="http://schemas.openxmlformats.org/presentationml/2006/main">
+  <p:cSld>
+    <p:spTree>
+      <p:nvGrpSpPr>
+        <p:cNvPr id="1" name=""/>
+        <p:cNvGrpSpPr/>
+        <p:nvPr/>
+      </p:nvGrpSpPr>
+      <p:grpSpPr>
+        <a:xfrm>
+          <a:off x="0" y="0"/>
+          <a:ext cx="0" cy="0"/>
+          <a:chOff x="0" y="0"/>
+          <a:chExt cx="0" cy="0"/>
+        </a:xfrm>
+      </p:grpSpPr>
+      <p:sp>
+        <p:nvSpPr>
+          <p:cNvPr id="2" name="Segnaposto immagine diapositiva 1"/>
+          <p:cNvSpPr>
+            <a:spLocks noGrp="1" noRot="1" noChangeAspect="1"/>
+          </p:cNvSpPr>
+          <p:nvPr>
+            <p:ph type="sldImg"/>
+          </p:nvPr>
+        </p:nvSpPr>
+        <p:spPr/>
+      </p:sp>
+      <p:sp>
+        <p:nvSpPr>
+          <p:cNvPr id="3" name="Segnaposto note 2"/>
+          <p:cNvSpPr>
+            <a:spLocks noGrp="1"/>
+          </p:cNvSpPr>
+          <p:nvPr>
+            <p:ph type="body" idx="1"/>
+          </p:nvPr>
+        </p:nvSpPr>
+        <p:spPr/>
+        <p:txBody>
+          <a:bodyPr/>
+          <a:lstStyle/>
+          <a:p>
+            <a:r>
+              <a:rPr lang="it-IT" dirty="0" err="1"/>
+              <a:t>Finally</a:t>
+            </a:r>
+            <a:r>
+              <a:rPr lang="it-IT" dirty="0"/>
+              <a:t>, users can access </a:t>
+            </a:r>
+            <a:r>
+              <a:rPr lang="it-IT" dirty="0" err="1"/>
+              <a:t>both</a:t>
+            </a:r>
+            <a:r>
+              <a:rPr lang="it-IT" dirty="0"/>
+              <a:t> </a:t>
+            </a:r>
+            <a:r>
+              <a:rPr lang="it-IT" dirty="0" err="1"/>
+              <a:t>their</a:t>
+            </a:r>
+            <a:r>
+              <a:rPr lang="it-IT" dirty="0"/>
+              <a:t> </a:t>
+            </a:r>
+            <a:r>
+              <a:rPr lang="it-IT" dirty="0" err="1"/>
+              <a:t>own</a:t>
+            </a:r>
+            <a:r>
+              <a:rPr lang="it-IT" dirty="0"/>
+              <a:t> and </a:t>
+            </a:r>
+            <a:r>
+              <a:rPr lang="it-IT" dirty="0" err="1"/>
+              <a:t>other</a:t>
+            </a:r>
+            <a:r>
+              <a:rPr lang="it-IT" dirty="0"/>
+              <a:t> users’ </a:t>
+            </a:r>
+            <a:r>
+              <a:rPr lang="it-IT" dirty="0" err="1"/>
+              <a:t>profile</a:t>
+            </a:r>
+            <a:r>
+              <a:rPr lang="it-IT" dirty="0"/>
+              <a:t> to </a:t>
+            </a:r>
+            <a:r>
+              <a:rPr lang="it-IT" dirty="0" err="1"/>
+              <a:t>visualize</a:t>
+            </a:r>
+            <a:r>
+              <a:rPr lang="it-IT" dirty="0"/>
+              <a:t> </a:t>
+            </a:r>
+            <a:r>
+              <a:rPr lang="it-IT" dirty="0" err="1"/>
+              <a:t>their</a:t>
+            </a:r>
+            <a:r>
+              <a:rPr lang="it-IT" dirty="0"/>
+              <a:t> images and follow information. </a:t>
+            </a:r>
+          </a:p>
+        </p:txBody>
+      </p:sp>
+      <p:sp>
+        <p:nvSpPr>
+          <p:cNvPr id="4" name="Segnaposto numero diapositiva 3"/>
+          <p:cNvSpPr>
+            <a:spLocks noGrp="1"/>
+          </p:cNvSpPr>
+          <p:nvPr>
+            <p:ph type="sldNum" sz="quarter" idx="5"/>
+          </p:nvPr>
+        </p:nvSpPr>
+        <p:spPr/>
+        <p:txBody>
+          <a:bodyPr/>
+          <a:lstStyle/>
+          <a:p>
+            <a:fld id="{58AB443B-2EC5-D547-A963-FC763052E97D}" type="slidenum">
+              <a:rPr lang="it-IT" smtClean="0"/>
+              <a:t>10</a:t>
+            </a:fld>
+            <a:endParaRPr lang="it-IT"/>
+          </a:p>
+        </p:txBody>
+      </p:sp>
+    </p:spTree>
+    <p:extLst>
+      <p:ext uri="{BB962C8B-B14F-4D97-AF65-F5344CB8AC3E}">
+        <p14:creationId xmlns:p14="http://schemas.microsoft.com/office/powerpoint/2010/main" val="526983499"/>
+      </p:ext>
+    </p:extLst>
+  </p:cSld>
+  <p:clrMapOvr>
+    <a:masterClrMapping/>
+  </p:clrMapOvr>
+</p:notes>
+</file>
+
+<file path=ppt/notesSlides/notesSlide9.xml><?xml version="1.0" encoding="utf-8"?>
+<p:notes xmlns:a="http://schemas.openxmlformats.org/drawingml/2006/main" xmlns:r="http://schemas.openxmlformats.org/officeDocument/2006/relationships" xmlns:p="http://schemas.openxmlformats.org/presentationml/2006/main">
+  <p:cSld>
+    <p:spTree>
+      <p:nvGrpSpPr>
+        <p:cNvPr id="1" name=""/>
+        <p:cNvGrpSpPr/>
+        <p:nvPr/>
+      </p:nvGrpSpPr>
+      <p:grpSpPr>
+        <a:xfrm>
+          <a:off x="0" y="0"/>
+          <a:ext cx="0" cy="0"/>
+          <a:chOff x="0" y="0"/>
+          <a:chExt cx="0" cy="0"/>
+        </a:xfrm>
+      </p:grpSpPr>
+      <p:sp>
+        <p:nvSpPr>
+          <p:cNvPr id="2" name="Segnaposto immagine diapositiva 1"/>
+          <p:cNvSpPr>
+            <a:spLocks noGrp="1" noRot="1" noChangeAspect="1"/>
+          </p:cNvSpPr>
+          <p:nvPr>
+            <p:ph type="sldImg"/>
+          </p:nvPr>
+        </p:nvSpPr>
+        <p:spPr/>
+      </p:sp>
+      <p:sp>
+        <p:nvSpPr>
+          <p:cNvPr id="3" name="Segnaposto note 2"/>
+          <p:cNvSpPr>
+            <a:spLocks noGrp="1"/>
+          </p:cNvSpPr>
+          <p:nvPr>
+            <p:ph type="body" idx="1"/>
+          </p:nvPr>
+        </p:nvSpPr>
+        <p:spPr/>
+        <p:txBody>
+          <a:bodyPr/>
+          <a:lstStyle/>
+          <a:p>
+            <a:r>
+              <a:rPr lang="it-IT" dirty="0" err="1"/>
+              <a:t>Moreover</a:t>
+            </a:r>
+            <a:r>
+              <a:rPr lang="it-IT" dirty="0"/>
+              <a:t> </a:t>
+            </a:r>
+            <a:r>
+              <a:rPr lang="it-IT" dirty="0" err="1"/>
+              <a:t>they</a:t>
+            </a:r>
+            <a:r>
+              <a:rPr lang="it-IT" dirty="0"/>
+              <a:t> can logout, </a:t>
+            </a:r>
+            <a:r>
+              <a:rPr lang="it-IT" dirty="0" err="1"/>
+              <a:t>manage</a:t>
+            </a:r>
+            <a:r>
+              <a:rPr lang="it-IT" dirty="0"/>
+              <a:t> </a:t>
+            </a:r>
+            <a:r>
+              <a:rPr lang="it-IT" dirty="0" err="1"/>
+              <a:t>their</a:t>
+            </a:r>
+            <a:r>
+              <a:rPr lang="it-IT" dirty="0"/>
+              <a:t> </a:t>
+            </a:r>
+            <a:r>
+              <a:rPr lang="it-IT" dirty="0" err="1"/>
+              <a:t>profile</a:t>
+            </a:r>
+            <a:r>
+              <a:rPr lang="it-IT" dirty="0"/>
+              <a:t> information and delete </a:t>
+            </a:r>
+            <a:r>
+              <a:rPr lang="it-IT" dirty="0" err="1"/>
+              <a:t>it</a:t>
+            </a:r>
+            <a:r>
+              <a:rPr lang="it-IT" dirty="0"/>
+              <a:t>.</a:t>
+            </a:r>
+          </a:p>
+        </p:txBody>
+      </p:sp>
+      <p:sp>
+        <p:nvSpPr>
+          <p:cNvPr id="4" name="Segnaposto numero diapositiva 3"/>
+          <p:cNvSpPr>
+            <a:spLocks noGrp="1"/>
+          </p:cNvSpPr>
+          <p:nvPr>
+            <p:ph type="sldNum" sz="quarter" idx="5"/>
+          </p:nvPr>
+        </p:nvSpPr>
+        <p:spPr/>
+        <p:txBody>
+          <a:bodyPr/>
+          <a:lstStyle/>
+          <a:p>
+            <a:fld id="{58AB443B-2EC5-D547-A963-FC763052E97D}" type="slidenum">
+              <a:rPr lang="it-IT" smtClean="0"/>
+              <a:t>11</a:t>
+            </a:fld>
+            <a:endParaRPr lang="it-IT"/>
+          </a:p>
+        </p:txBody>
+      </p:sp>
+    </p:spTree>
+    <p:extLst>
+      <p:ext uri="{BB962C8B-B14F-4D97-AF65-F5344CB8AC3E}">
+        <p14:creationId xmlns:p14="http://schemas.microsoft.com/office/powerpoint/2010/main" val="830783135"/>
       </p:ext>
     </p:extLst>
   </p:cSld>
@@ -4372,7 +8114,7 @@
           <a:p>
             <a:r>
               <a:rPr lang="en-GB" dirty="0"/>
-              <a:t>Pic</a:t>
+              <a:t>User profile</a:t>
             </a:r>
           </a:p>
         </p:txBody>
@@ -4392,14 +8134,14 @@
           <p:nvPr/>
         </p:nvPicPr>
         <p:blipFill>
-          <a:blip r:embed="rId2"/>
+          <a:blip r:embed="rId3"/>
           <a:srcRect/>
           <a:stretch/>
         </p:blipFill>
         <p:spPr>
           <a:xfrm>
-            <a:off x="3451690" y="3191120"/>
-            <a:ext cx="5288619" cy="2780183"/>
+            <a:off x="3615490" y="3429000"/>
+            <a:ext cx="4961020" cy="2607966"/>
           </a:xfrm>
           <a:prstGeom prst="rect">
             <a:avLst/>
@@ -4413,7 +8155,7 @@
       </p:pic>
       <p:pic>
         <p:nvPicPr>
-          <p:cNvPr id="10" name="Immagine 9">
+          <p:cNvPr id="10" name="Immagine 9" descr="Immagine che contiene tavolo&#10;&#10;Descrizione generata automaticamente">
             <a:extLst>
               <a:ext uri="{FF2B5EF4-FFF2-40B4-BE49-F238E27FC236}">
                 <a16:creationId xmlns:a16="http://schemas.microsoft.com/office/drawing/2014/main" id="{E63297BA-DFE7-67B9-E54D-586E34299851}"/>
@@ -4426,14 +8168,15 @@
           <p:nvPr/>
         </p:nvPicPr>
         <p:blipFill>
-          <a:blip r:embed="rId3"/>
-          <a:srcRect/>
-          <a:stretch/>
+          <a:blip r:embed="rId4"/>
+          <a:stretch>
+            <a:fillRect/>
+          </a:stretch>
         </p:blipFill>
         <p:spPr>
           <a:xfrm>
-            <a:off x="2209799" y="1691626"/>
-            <a:ext cx="7772400" cy="1299605"/>
+            <a:off x="2209800" y="1611820"/>
+            <a:ext cx="7772400" cy="1627661"/>
           </a:xfrm>
           <a:prstGeom prst="rect">
             <a:avLst/>
@@ -4443,7 +8186,7 @@
     </p:spTree>
     <p:extLst>
       <p:ext uri="{BB962C8B-B14F-4D97-AF65-F5344CB8AC3E}">
-        <p14:creationId xmlns:p14="http://schemas.microsoft.com/office/powerpoint/2010/main" val="2273500275"/>
+        <p14:creationId xmlns:p14="http://schemas.microsoft.com/office/powerpoint/2010/main" val="601814263"/>
       </p:ext>
     </p:extLst>
   </p:cSld>
@@ -4493,7 +8236,7 @@
           <a:p>
             <a:r>
               <a:rPr lang="en-GB" dirty="0"/>
-              <a:t>Add pic</a:t>
+              <a:t>User settings</a:t>
             </a:r>
           </a:p>
         </p:txBody>
@@ -4513,14 +8256,14 @@
           <p:nvPr/>
         </p:nvPicPr>
         <p:blipFill>
-          <a:blip r:embed="rId2"/>
+          <a:blip r:embed="rId3"/>
           <a:srcRect/>
           <a:stretch/>
         </p:blipFill>
         <p:spPr>
           <a:xfrm>
-            <a:off x="3063140" y="2789259"/>
-            <a:ext cx="6065720" cy="3176900"/>
+            <a:off x="3451690" y="3189286"/>
+            <a:ext cx="5288619" cy="2783851"/>
           </a:xfrm>
           <a:prstGeom prst="rect">
             <a:avLst/>
@@ -4547,14 +8290,14 @@
           <p:nvPr/>
         </p:nvPicPr>
         <p:blipFill>
-          <a:blip r:embed="rId3"/>
+          <a:blip r:embed="rId4"/>
           <a:srcRect/>
           <a:stretch/>
         </p:blipFill>
         <p:spPr>
           <a:xfrm>
-            <a:off x="2209799" y="1711410"/>
-            <a:ext cx="7772400" cy="706581"/>
+            <a:off x="2209799" y="1679009"/>
+            <a:ext cx="7772400" cy="1324840"/>
           </a:xfrm>
           <a:prstGeom prst="rect">
             <a:avLst/>
@@ -4564,7 +8307,7 @@
     </p:spTree>
     <p:extLst>
       <p:ext uri="{BB962C8B-B14F-4D97-AF65-F5344CB8AC3E}">
-        <p14:creationId xmlns:p14="http://schemas.microsoft.com/office/powerpoint/2010/main" val="1975307702"/>
+        <p14:creationId xmlns:p14="http://schemas.microsoft.com/office/powerpoint/2010/main" val="70103551"/>
       </p:ext>
     </p:extLst>
   </p:cSld>
@@ -4665,50 +8408,7 @@
           </a:bodyPr>
           <a:lstStyle/>
           <a:p>
-            <a:pPr marL="0" indent="0" algn="just">
-              <a:buNone/>
-            </a:pPr>
-            <a:r>
-              <a:rPr lang="it-IT" dirty="0">
-                <a:cs typeface="Lao UI" panose="020B0502040204020203" pitchFamily="34" charset="0"/>
-              </a:rPr>
-              <a:t>We use Function Points and </a:t>
-            </a:r>
-            <a:r>
-              <a:rPr lang="it-IT" dirty="0" err="1">
-                <a:cs typeface="Lao UI" panose="020B0502040204020203" pitchFamily="34" charset="0"/>
-              </a:rPr>
-              <a:t>CoCoMo</a:t>
-            </a:r>
-            <a:r>
-              <a:rPr lang="it-IT" dirty="0">
-                <a:cs typeface="Lao UI" panose="020B0502040204020203" pitchFamily="34" charset="0"/>
-              </a:rPr>
-              <a:t> II to estimate the complexity of the software </a:t>
-            </a:r>
-            <a:r>
-              <a:rPr lang="it-IT" dirty="0" err="1">
-                <a:cs typeface="Lao UI" panose="020B0502040204020203" pitchFamily="34" charset="0"/>
-              </a:rPr>
-              <a:t>development</a:t>
-            </a:r>
-            <a:endParaRPr lang="it-IT" dirty="0">
-              <a:cs typeface="Lao UI" panose="020B0502040204020203" pitchFamily="34" charset="0"/>
-            </a:endParaRPr>
-          </a:p>
-          <a:p>
-            <a:pPr marL="0" indent="0" algn="just">
-              <a:buNone/>
-            </a:pPr>
-            <a:endParaRPr lang="it-IT" dirty="0">
-              <a:latin typeface="Lao UI" panose="020B0502040204020203" pitchFamily="34" charset="0"/>
-              <a:cs typeface="Lao UI" panose="020B0502040204020203" pitchFamily="34" charset="0"/>
-            </a:endParaRPr>
-          </a:p>
-          <a:p>
-            <a:pPr marL="0" indent="0" algn="just">
-              <a:buNone/>
-            </a:pPr>
+            <a:pPr algn="just"/>
             <a:r>
               <a:rPr lang="it-IT" dirty="0" err="1">
                 <a:cs typeface="Lao UI" panose="020B0502040204020203" pitchFamily="34" charset="0"/>
@@ -4723,9 +8423,7 @@
             </a:r>
           </a:p>
           <a:p>
-            <a:pPr marL="0" indent="0" algn="just">
-              <a:buNone/>
-            </a:pPr>
+            <a:pPr algn="just"/>
             <a:r>
               <a:rPr lang="it-IT" dirty="0" err="1">
                 <a:cs typeface="Lao UI" panose="020B0502040204020203" pitchFamily="34" charset="0"/>
@@ -4740,9 +8438,7 @@
             </a:r>
           </a:p>
           <a:p>
-            <a:pPr marL="0" indent="0" algn="just">
-              <a:buNone/>
-            </a:pPr>
+            <a:pPr algn="just"/>
             <a:r>
               <a:rPr lang="it-IT" dirty="0" err="1">
                 <a:cs typeface="Lao UI" panose="020B0502040204020203" pitchFamily="34" charset="0"/>
@@ -4766,9 +8462,7 @@
             </a:endParaRPr>
           </a:p>
           <a:p>
-            <a:pPr marL="0" indent="0" algn="just">
-              <a:buNone/>
-            </a:pPr>
+            <a:pPr algn="just"/>
             <a:r>
               <a:rPr lang="it-IT" dirty="0">
                 <a:cs typeface="Lao UI" panose="020B0502040204020203" pitchFamily="34" charset="0"/>
@@ -4781,6 +8475,14 @@
               </a:rPr>
               <a:t>months</a:t>
             </a:r>
+            <a:endParaRPr lang="it-IT" dirty="0">
+              <a:cs typeface="Lao UI" panose="020B0502040204020203" pitchFamily="34" charset="0"/>
+            </a:endParaRPr>
+          </a:p>
+          <a:p>
+            <a:pPr marL="0" indent="0" algn="just">
+              <a:buNone/>
+            </a:pPr>
             <a:endParaRPr lang="it-IT" dirty="0">
               <a:cs typeface="Lao UI" panose="020B0502040204020203" pitchFamily="34" charset="0"/>
             </a:endParaRPr>
@@ -4984,7 +8686,7 @@
           <p:nvPr/>
         </p:nvPicPr>
         <p:blipFill>
-          <a:blip r:embed="rId2"/>
+          <a:blip r:embed="rId3"/>
           <a:stretch>
             <a:fillRect/>
           </a:stretch>
@@ -5014,7 +8716,7 @@
           <p:nvPr/>
         </p:nvPicPr>
         <p:blipFill>
-          <a:blip r:embed="rId3"/>
+          <a:blip r:embed="rId4"/>
           <a:stretch>
             <a:fillRect/>
           </a:stretch>
@@ -5108,10 +8810,9 @@
           </p:nvPr>
         </p:nvPicPr>
         <p:blipFill>
-          <a:blip r:embed="rId2"/>
-          <a:stretch>
-            <a:fillRect/>
-          </a:stretch>
+          <a:blip r:embed="rId3"/>
+          <a:srcRect/>
+          <a:stretch/>
         </p:blipFill>
         <p:spPr>
           <a:xfrm>
@@ -5205,7 +8906,7 @@
           <p:nvPr/>
         </p:nvPicPr>
         <p:blipFill>
-          <a:blip r:embed="rId2"/>
+          <a:blip r:embed="rId3"/>
           <a:stretch>
             <a:fillRect/>
           </a:stretch>
@@ -5294,7 +8995,7 @@
           <p:nvPr/>
         </p:nvPicPr>
         <p:blipFill>
-          <a:blip r:embed="rId2"/>
+          <a:blip r:embed="rId3"/>
           <a:srcRect/>
           <a:stretch/>
         </p:blipFill>
@@ -5585,7 +9286,7 @@
           <p:nvPr/>
         </p:nvPicPr>
         <p:blipFill>
-          <a:blip r:embed="rId2"/>
+          <a:blip r:embed="rId3"/>
           <a:stretch>
             <a:fillRect/>
           </a:stretch>
@@ -5615,7 +9316,7 @@
           <p:nvPr/>
         </p:nvPicPr>
         <p:blipFill>
-          <a:blip r:embed="rId3"/>
+          <a:blip r:embed="rId4"/>
           <a:stretch>
             <a:fillRect/>
           </a:stretch>
@@ -5645,7 +9346,7 @@
           <p:nvPr/>
         </p:nvPicPr>
         <p:blipFill>
-          <a:blip r:embed="rId4"/>
+          <a:blip r:embed="rId5"/>
           <a:stretch>
             <a:fillRect/>
           </a:stretch>
@@ -5675,7 +9376,7 @@
           <p:nvPr/>
         </p:nvPicPr>
         <p:blipFill>
-          <a:blip r:embed="rId5"/>
+          <a:blip r:embed="rId6"/>
           <a:stretch>
             <a:fillRect/>
           </a:stretch>
@@ -5765,7 +9466,7 @@
           </p:nvPr>
         </p:nvPicPr>
         <p:blipFill>
-          <a:blip r:embed="rId2"/>
+          <a:blip r:embed="rId3"/>
           <a:stretch>
             <a:fillRect/>
           </a:stretch>
@@ -5958,7 +9659,7 @@
           <p:cNvPr id="2" name="Titolo 1">
             <a:extLst>
               <a:ext uri="{FF2B5EF4-FFF2-40B4-BE49-F238E27FC236}">
-                <a16:creationId xmlns:a16="http://schemas.microsoft.com/office/drawing/2014/main" id="{CDAF1BE7-EEB3-5BAA-2C5F-8D6C2187A7CB}"/>
+                <a16:creationId xmlns:a16="http://schemas.microsoft.com/office/drawing/2014/main" id="{8CE2F62E-6282-4803-8B63-A7D9A13ABCA8}"/>
               </a:ext>
             </a:extLst>
           </p:cNvPr>
@@ -5975,12 +9676,8 @@
           <a:lstStyle/>
           <a:p>
             <a:r>
-              <a:rPr lang="it-IT" dirty="0"/>
-              <a:t>Social and image management </a:t>
-            </a:r>
-            <a:r>
-              <a:rPr lang="it-IT" dirty="0" err="1"/>
-              <a:t>microservices</a:t>
+              <a:rPr lang="it-IT" dirty="0" err="1"/>
+              <a:t>Backend</a:t>
             </a:r>
             <a:endParaRPr lang="it-IT" dirty="0"/>
           </a:p>
@@ -5991,7 +9688,7 @@
           <p:cNvPr id="5" name="Segnaposto contenuto 4">
             <a:extLst>
               <a:ext uri="{FF2B5EF4-FFF2-40B4-BE49-F238E27FC236}">
-                <a16:creationId xmlns:a16="http://schemas.microsoft.com/office/drawing/2014/main" id="{9BA8B358-52A2-87C3-8C7F-5846D49AA5DB}"/>
+                <a16:creationId xmlns:a16="http://schemas.microsoft.com/office/drawing/2014/main" id="{1D694AED-82CA-F743-6E57-E5649BB41153}"/>
               </a:ext>
             </a:extLst>
           </p:cNvPr>
@@ -6002,8 +9699,174 @@
             <p:ph idx="1"/>
           </p:nvPr>
         </p:nvPicPr>
+        <p:blipFill>
+          <a:blip r:embed="rId3"/>
+          <a:srcRect/>
+          <a:stretch/>
+        </p:blipFill>
+        <p:spPr>
+          <a:xfrm>
+            <a:off x="548639" y="4108488"/>
+            <a:ext cx="4455161" cy="1441375"/>
+          </a:xfrm>
+        </p:spPr>
+      </p:pic>
+      <p:sp>
+        <p:nvSpPr>
+          <p:cNvPr id="7" name="CasellaDiTesto 6">
+            <a:extLst>
+              <a:ext uri="{FF2B5EF4-FFF2-40B4-BE49-F238E27FC236}">
+                <a16:creationId xmlns:a16="http://schemas.microsoft.com/office/drawing/2014/main" id="{97E3980A-8F29-A3CF-04FD-7136C8C4E35A}"/>
+              </a:ext>
+            </a:extLst>
+          </p:cNvPr>
+          <p:cNvSpPr txBox="1"/>
+          <p:nvPr/>
+        </p:nvSpPr>
+        <p:spPr>
+          <a:xfrm>
+            <a:off x="6096000" y="2274838"/>
+            <a:ext cx="5546725" cy="2308324"/>
+          </a:xfrm>
+          <a:prstGeom prst="rect">
+            <a:avLst/>
+          </a:prstGeom>
+          <a:noFill/>
+        </p:spPr>
+        <p:txBody>
+          <a:bodyPr wrap="square" rtlCol="0">
+            <a:spAutoFit/>
+          </a:bodyPr>
+          <a:lstStyle/>
+          <a:p>
+            <a:pPr marL="285750" indent="-285750">
+              <a:buFont typeface="Arial" panose="020B0604020202020204" pitchFamily="34" charset="0"/>
+              <a:buChar char="•"/>
+            </a:pPr>
+            <a:r>
+              <a:rPr lang="it-IT" sz="2400" dirty="0"/>
+              <a:t>The </a:t>
+            </a:r>
+            <a:r>
+              <a:rPr lang="it-IT" sz="2400" dirty="0" err="1"/>
+              <a:t>backend</a:t>
+            </a:r>
+            <a:r>
+              <a:rPr lang="it-IT" sz="2400" dirty="0"/>
+              <a:t> </a:t>
+            </a:r>
+            <a:r>
+              <a:rPr lang="it-IT" sz="2400" dirty="0" err="1"/>
+              <a:t>microservices</a:t>
+            </a:r>
+            <a:r>
+              <a:rPr lang="it-IT" sz="2400" dirty="0"/>
+              <a:t> </a:t>
+            </a:r>
+            <a:r>
+              <a:rPr lang="it-IT" sz="2400" dirty="0" err="1"/>
+              <a:t>were</a:t>
+            </a:r>
+            <a:r>
+              <a:rPr lang="it-IT" sz="2400" dirty="0"/>
+              <a:t> </a:t>
+            </a:r>
+            <a:r>
+              <a:rPr lang="it-IT" sz="2400" dirty="0" err="1"/>
+              <a:t>developed</a:t>
+            </a:r>
+            <a:r>
+              <a:rPr lang="it-IT" sz="2400" dirty="0"/>
+              <a:t> </a:t>
+            </a:r>
+            <a:r>
+              <a:rPr lang="it-IT" sz="2400" dirty="0" err="1"/>
+              <a:t>using</a:t>
+            </a:r>
+            <a:r>
+              <a:rPr lang="it-IT" sz="2400" dirty="0"/>
+              <a:t> Python</a:t>
+            </a:r>
+          </a:p>
+          <a:p>
+            <a:pPr marL="285750" indent="-285750">
+              <a:buFont typeface="Arial" panose="020B0604020202020204" pitchFamily="34" charset="0"/>
+              <a:buChar char="•"/>
+            </a:pPr>
+            <a:endParaRPr lang="it-IT" sz="2400" dirty="0"/>
+          </a:p>
+          <a:p>
+            <a:pPr marL="285750" indent="-285750">
+              <a:buFont typeface="Arial" panose="020B0604020202020204" pitchFamily="34" charset="0"/>
+              <a:buChar char="•"/>
+            </a:pPr>
+            <a:r>
+              <a:rPr lang="it-IT" sz="2400" dirty="0" err="1"/>
+              <a:t>All</a:t>
+            </a:r>
+            <a:r>
+              <a:rPr lang="it-IT" sz="2400" dirty="0"/>
+              <a:t> of </a:t>
+            </a:r>
+            <a:r>
+              <a:rPr lang="it-IT" sz="2400" dirty="0" err="1"/>
+              <a:t>them</a:t>
+            </a:r>
+            <a:r>
+              <a:rPr lang="it-IT" sz="2400" dirty="0"/>
+              <a:t> </a:t>
+            </a:r>
+            <a:r>
+              <a:rPr lang="it-IT" sz="2400" dirty="0" err="1"/>
+              <a:t>expose</a:t>
+            </a:r>
+            <a:r>
+              <a:rPr lang="it-IT" sz="2400" dirty="0"/>
+              <a:t> a REST </a:t>
+            </a:r>
+            <a:r>
+              <a:rPr lang="it-IT" sz="2400" dirty="0" err="1"/>
+              <a:t>interface</a:t>
+            </a:r>
+            <a:r>
+              <a:rPr lang="it-IT" sz="2400" dirty="0"/>
+              <a:t> </a:t>
+            </a:r>
+            <a:r>
+              <a:rPr lang="it-IT" sz="2400" dirty="0" err="1"/>
+              <a:t>that</a:t>
+            </a:r>
+            <a:r>
+              <a:rPr lang="it-IT" sz="2400" dirty="0"/>
+              <a:t> leverages on </a:t>
+            </a:r>
+            <a:r>
+              <a:rPr lang="it-IT" sz="2400" dirty="0" err="1"/>
+              <a:t>FastAPI</a:t>
+            </a:r>
+            <a:r>
+              <a:rPr lang="it-IT" sz="2400" dirty="0"/>
+              <a:t> framework.</a:t>
+            </a:r>
+          </a:p>
+        </p:txBody>
+      </p:sp>
+      <p:pic>
+        <p:nvPicPr>
+          <p:cNvPr id="3" name="Segnaposto contenuto 4">
+            <a:extLst>
+              <a:ext uri="{FF2B5EF4-FFF2-40B4-BE49-F238E27FC236}">
+                <a16:creationId xmlns:a16="http://schemas.microsoft.com/office/drawing/2014/main" id="{92739A63-9302-9134-2BF3-6FA574B73D16}"/>
+              </a:ext>
+            </a:extLst>
+          </p:cNvPr>
+          <p:cNvPicPr>
+            <a:picLocks noChangeAspect="1"/>
+          </p:cNvPicPr>
+          <p:nvPr/>
+        </p:nvPicPr>
         <p:blipFill rotWithShape="1">
-          <a:blip r:embed="rId2"/>
+          <a:blip r:embed="rId4"/>
           <a:srcRect r="2368" b="9889"/>
           <a:stretch/>
         </p:blipFill>
@@ -6012,166 +9875,15 @@
             <a:off x="2293671" y="2313128"/>
             <a:ext cx="1197511" cy="1211176"/>
           </a:xfrm>
-        </p:spPr>
-      </p:pic>
-      <p:pic>
-        <p:nvPicPr>
-          <p:cNvPr id="7" name="Immagine 6">
-            <a:extLst>
-              <a:ext uri="{FF2B5EF4-FFF2-40B4-BE49-F238E27FC236}">
-                <a16:creationId xmlns:a16="http://schemas.microsoft.com/office/drawing/2014/main" id="{B3E1D1FF-3D57-2973-1C8C-E40550EAFCE8}"/>
-              </a:ext>
-            </a:extLst>
-          </p:cNvPr>
-          <p:cNvPicPr>
-            <a:picLocks noChangeAspect="1"/>
-          </p:cNvPicPr>
-          <p:nvPr/>
-        </p:nvPicPr>
-        <p:blipFill rotWithShape="1">
-          <a:blip r:embed="rId3"/>
-          <a:srcRect l="12054" t="25865" r="11126" b="28563"/>
-          <a:stretch/>
-        </p:blipFill>
-        <p:spPr>
-          <a:xfrm>
-            <a:off x="1162052" y="4189933"/>
-            <a:ext cx="3460750" cy="1077850"/>
-          </a:xfrm>
           <a:prstGeom prst="rect">
             <a:avLst/>
           </a:prstGeom>
         </p:spPr>
       </p:pic>
-      <p:sp>
-        <p:nvSpPr>
-          <p:cNvPr id="8" name="CasellaDiTesto 7">
-            <a:extLst>
-              <a:ext uri="{FF2B5EF4-FFF2-40B4-BE49-F238E27FC236}">
-                <a16:creationId xmlns:a16="http://schemas.microsoft.com/office/drawing/2014/main" id="{2E327C4E-F760-D57C-CC4E-4F4FB6E4488E}"/>
-              </a:ext>
-            </a:extLst>
-          </p:cNvPr>
-          <p:cNvSpPr txBox="1"/>
-          <p:nvPr/>
-        </p:nvSpPr>
-        <p:spPr>
-          <a:xfrm>
-            <a:off x="6096000" y="2313128"/>
-            <a:ext cx="5448298" cy="2954655"/>
-          </a:xfrm>
-          <a:prstGeom prst="rect">
-            <a:avLst/>
-          </a:prstGeom>
-          <a:noFill/>
-        </p:spPr>
-        <p:txBody>
-          <a:bodyPr wrap="square" rtlCol="0">
-            <a:spAutoFit/>
-          </a:bodyPr>
-          <a:lstStyle/>
-          <a:p>
-            <a:r>
-              <a:rPr lang="it-IT" sz="2400" dirty="0" err="1"/>
-              <a:t>Expose</a:t>
-            </a:r>
-            <a:r>
-              <a:rPr lang="it-IT" sz="2400" dirty="0"/>
-              <a:t> </a:t>
-            </a:r>
-            <a:r>
-              <a:rPr lang="it-IT" sz="2400" dirty="0" err="1"/>
-              <a:t>APIs</a:t>
-            </a:r>
-            <a:r>
-              <a:rPr lang="it-IT" sz="2400" dirty="0"/>
-              <a:t> to:</a:t>
-            </a:r>
-          </a:p>
-          <a:p>
-            <a:pPr marL="285750" indent="-285750">
-              <a:buFont typeface="Arial" panose="020B0604020202020204" pitchFamily="34" charset="0"/>
-              <a:buChar char="•"/>
-            </a:pPr>
-            <a:r>
-              <a:rPr lang="it-IT" sz="2400" dirty="0" err="1"/>
-              <a:t>Manage</a:t>
-            </a:r>
-            <a:r>
-              <a:rPr lang="it-IT" sz="2400" dirty="0"/>
-              <a:t> </a:t>
-            </a:r>
-            <a:r>
-              <a:rPr lang="it-IT" sz="2400" dirty="0" err="1"/>
-              <a:t>all</a:t>
-            </a:r>
-            <a:r>
-              <a:rPr lang="it-IT" sz="2400" dirty="0"/>
-              <a:t> social </a:t>
-            </a:r>
-            <a:r>
-              <a:rPr lang="it-IT" sz="2400" dirty="0" err="1"/>
-              <a:t>aspects</a:t>
-            </a:r>
-            <a:r>
-              <a:rPr lang="it-IT" sz="2400" dirty="0"/>
-              <a:t> of the system (i.e. user </a:t>
-            </a:r>
-            <a:r>
-              <a:rPr lang="it-IT" sz="2400" dirty="0" err="1"/>
-              <a:t>registration</a:t>
-            </a:r>
-            <a:r>
-              <a:rPr lang="it-IT" sz="2400" dirty="0"/>
-              <a:t>, likes, </a:t>
-            </a:r>
-            <a:r>
-              <a:rPr lang="it-IT" sz="2400" dirty="0" err="1"/>
-              <a:t>comments</a:t>
-            </a:r>
-            <a:r>
-              <a:rPr lang="it-IT" sz="2400" dirty="0"/>
-              <a:t>, new posts)</a:t>
-            </a:r>
-          </a:p>
-          <a:p>
-            <a:pPr marL="285750" indent="-285750">
-              <a:buFont typeface="Arial" panose="020B0604020202020204" pitchFamily="34" charset="0"/>
-              <a:buChar char="•"/>
-            </a:pPr>
-            <a:endParaRPr lang="it-IT" sz="2400" dirty="0"/>
-          </a:p>
-          <a:p>
-            <a:pPr marL="285750" indent="-285750">
-              <a:buFont typeface="Arial" panose="020B0604020202020204" pitchFamily="34" charset="0"/>
-              <a:buChar char="•"/>
-            </a:pPr>
-            <a:r>
-              <a:rPr lang="it-IT" sz="2400" dirty="0"/>
-              <a:t>Upload images on the </a:t>
-            </a:r>
-            <a:r>
-              <a:rPr lang="it-IT" sz="2400" dirty="0" err="1"/>
-              <a:t>Firebase</a:t>
-            </a:r>
-            <a:r>
-              <a:rPr lang="it-IT" sz="2400" dirty="0"/>
-              <a:t> cloud storage</a:t>
-            </a:r>
-          </a:p>
-          <a:p>
-            <a:pPr marL="285750" indent="-285750">
-              <a:buFont typeface="Arial" panose="020B0604020202020204" pitchFamily="34" charset="0"/>
-              <a:buChar char="•"/>
-            </a:pPr>
-            <a:endParaRPr lang="it-IT" dirty="0"/>
-          </a:p>
-        </p:txBody>
-      </p:sp>
     </p:spTree>
     <p:extLst>
       <p:ext uri="{BB962C8B-B14F-4D97-AF65-F5344CB8AC3E}">
-        <p14:creationId xmlns:p14="http://schemas.microsoft.com/office/powerpoint/2010/main" val="2089190908"/>
+        <p14:creationId xmlns:p14="http://schemas.microsoft.com/office/powerpoint/2010/main" val="795038241"/>
       </p:ext>
     </p:extLst>
   </p:cSld>
@@ -6310,7 +10022,19 @@
               <a:rPr lang="it-IT" sz="1800" dirty="0">
                 <a:effectLst/>
               </a:rPr>
-              <a:t>Interactive dashboard to look for images </a:t>
+              <a:t>Interactive dashboard to share images and look for the </a:t>
+            </a:r>
+            <a:r>
+              <a:rPr lang="it-IT" sz="1800" dirty="0" err="1">
+                <a:effectLst/>
+              </a:rPr>
+              <a:t>ones</a:t>
+            </a:r>
+            <a:r>
+              <a:rPr lang="it-IT" sz="1800" dirty="0">
+                <a:effectLst/>
+              </a:rPr>
+              <a:t> </a:t>
             </a:r>
             <a:r>
               <a:rPr lang="it-IT" sz="1800" dirty="0" err="1">
@@ -6791,7 +10515,7 @@
           <p:cNvPr id="2" name="Titolo 1">
             <a:extLst>
               <a:ext uri="{FF2B5EF4-FFF2-40B4-BE49-F238E27FC236}">
-                <a16:creationId xmlns:a16="http://schemas.microsoft.com/office/drawing/2014/main" id="{4A6D11D5-C6BA-9898-03EC-DE46A8E16C99}"/>
+                <a16:creationId xmlns:a16="http://schemas.microsoft.com/office/drawing/2014/main" id="{CDAF1BE7-EEB3-5BAA-2C5F-8D6C2187A7CB}"/>
               </a:ext>
             </a:extLst>
           </p:cNvPr>
@@ -6808,16 +10532,12 @@
           <a:lstStyle/>
           <a:p>
             <a:r>
-              <a:rPr lang="it-IT" dirty="0" err="1"/>
-              <a:t>Search</a:t>
-            </a:r>
-            <a:r>
-              <a:rPr lang="it-IT" dirty="0"/>
-              <a:t> </a:t>
-            </a:r>
-            <a:r>
-              <a:rPr lang="it-IT" dirty="0" err="1"/>
-              <a:t>microservice</a:t>
+              <a:rPr lang="it-IT" dirty="0"/>
+              <a:t>Social and image management </a:t>
+            </a:r>
+            <a:r>
+              <a:rPr lang="it-IT" dirty="0" err="1"/>
+              <a:t>microservices</a:t>
             </a:r>
             <a:endParaRPr lang="it-IT" dirty="0"/>
           </a:p>
@@ -6828,7 +10548,7 @@
           <p:cNvPr id="5" name="Segnaposto contenuto 4">
             <a:extLst>
               <a:ext uri="{FF2B5EF4-FFF2-40B4-BE49-F238E27FC236}">
-                <a16:creationId xmlns:a16="http://schemas.microsoft.com/office/drawing/2014/main" id="{FBF9FD3B-434F-91F9-A56B-AB8704CAB9C0}"/>
+                <a16:creationId xmlns:a16="http://schemas.microsoft.com/office/drawing/2014/main" id="{9BA8B358-52A2-87C3-8C7F-5846D49AA5DB}"/>
               </a:ext>
             </a:extLst>
           </p:cNvPr>
@@ -6839,16 +10559,15 @@
             <p:ph idx="1"/>
           </p:nvPr>
         </p:nvPicPr>
-        <p:blipFill>
-          <a:blip r:embed="rId2"/>
-          <a:stretch>
-            <a:fillRect/>
-          </a:stretch>
+        <p:blipFill rotWithShape="1">
+          <a:blip r:embed="rId3"/>
+          <a:srcRect r="2368" b="9889"/>
+          <a:stretch/>
         </p:blipFill>
         <p:spPr>
           <a:xfrm>
-            <a:off x="647702" y="4601400"/>
-            <a:ext cx="3277096" cy="1077849"/>
+            <a:off x="2293671" y="2313128"/>
+            <a:ext cx="1197511" cy="1211176"/>
           </a:xfrm>
         </p:spPr>
       </p:pic>
@@ -6857,36 +10576,7 @@
           <p:cNvPr id="7" name="Immagine 6">
             <a:extLst>
               <a:ext uri="{FF2B5EF4-FFF2-40B4-BE49-F238E27FC236}">
-                <a16:creationId xmlns:a16="http://schemas.microsoft.com/office/drawing/2014/main" id="{D757D093-A8BF-8630-E7A0-F6DAEC87A112}"/>
-              </a:ext>
-            </a:extLst>
-          </p:cNvPr>
-          <p:cNvPicPr>
-            <a:picLocks noChangeAspect="1"/>
-          </p:cNvPicPr>
-          <p:nvPr/>
-        </p:nvPicPr>
-        <p:blipFill rotWithShape="1">
-          <a:blip r:embed="rId3"/>
-          <a:srcRect l="15161" t="23565" r="13660" b="20768"/>
-          <a:stretch/>
-        </p:blipFill>
-        <p:spPr>
-          <a:xfrm>
-            <a:off x="647702" y="1690062"/>
-            <a:ext cx="2647950" cy="958850"/>
-          </a:xfrm>
-          <a:prstGeom prst="rect">
-            <a:avLst/>
-          </a:prstGeom>
-        </p:spPr>
-      </p:pic>
-      <p:pic>
-        <p:nvPicPr>
-          <p:cNvPr id="11" name="Immagine 10">
-            <a:extLst>
-              <a:ext uri="{FF2B5EF4-FFF2-40B4-BE49-F238E27FC236}">
-                <a16:creationId xmlns:a16="http://schemas.microsoft.com/office/drawing/2014/main" id="{AF4F5931-7796-F41C-14AB-2ACF90EAF15F}"/>
+                <a16:creationId xmlns:a16="http://schemas.microsoft.com/office/drawing/2014/main" id="{B3E1D1FF-3D57-2973-1C8C-E40550EAFCE8}"/>
               </a:ext>
             </a:extLst>
           </p:cNvPr>
@@ -6897,64 +10587,35 @@
         </p:nvPicPr>
         <p:blipFill rotWithShape="1">
           <a:blip r:embed="rId4"/>
-          <a:srcRect l="6174" t="11537" r="4845" b="11134"/>
+          <a:srcRect l="12054" t="25865" r="11126" b="28563"/>
           <a:stretch/>
         </p:blipFill>
         <p:spPr>
           <a:xfrm>
-            <a:off x="647702" y="2949850"/>
-            <a:ext cx="2867801" cy="1246124"/>
+            <a:off x="1162052" y="4189933"/>
+            <a:ext cx="3460750" cy="1077850"/>
           </a:xfrm>
           <a:prstGeom prst="rect">
             <a:avLst/>
           </a:prstGeom>
         </p:spPr>
       </p:pic>
-      <p:pic>
-        <p:nvPicPr>
-          <p:cNvPr id="12" name="Segnaposto contenuto 4">
-            <a:extLst>
-              <a:ext uri="{FF2B5EF4-FFF2-40B4-BE49-F238E27FC236}">
-                <a16:creationId xmlns:a16="http://schemas.microsoft.com/office/drawing/2014/main" id="{260502AE-618C-AC6D-9249-A9C686496E39}"/>
-              </a:ext>
-            </a:extLst>
-          </p:cNvPr>
-          <p:cNvPicPr>
-            <a:picLocks noChangeAspect="1"/>
-          </p:cNvPicPr>
+      <p:sp>
+        <p:nvSpPr>
+          <p:cNvPr id="8" name="CasellaDiTesto 7">
+            <a:extLst>
+              <a:ext uri="{FF2B5EF4-FFF2-40B4-BE49-F238E27FC236}">
+                <a16:creationId xmlns:a16="http://schemas.microsoft.com/office/drawing/2014/main" id="{2E327C4E-F760-D57C-CC4E-4F4FB6E4488E}"/>
+              </a:ext>
+            </a:extLst>
+          </p:cNvPr>
+          <p:cNvSpPr txBox="1"/>
           <p:nvPr/>
-        </p:nvPicPr>
-        <p:blipFill rotWithShape="1">
-          <a:blip r:embed="rId5"/>
-          <a:srcRect l="1" r="1759" b="8127"/>
-          <a:stretch/>
-        </p:blipFill>
+        </p:nvSpPr>
         <p:spPr>
           <a:xfrm>
-            <a:off x="3878149" y="1690062"/>
-            <a:ext cx="1051766" cy="1077849"/>
-          </a:xfrm>
-          <a:prstGeom prst="rect">
-            <a:avLst/>
-          </a:prstGeom>
-        </p:spPr>
-      </p:pic>
-      <p:sp>
-        <p:nvSpPr>
-          <p:cNvPr id="13" name="CasellaDiTesto 12">
-            <a:extLst>
-              <a:ext uri="{FF2B5EF4-FFF2-40B4-BE49-F238E27FC236}">
-                <a16:creationId xmlns:a16="http://schemas.microsoft.com/office/drawing/2014/main" id="{C73633BB-9951-67FD-9BFD-0C34CD633E9D}"/>
-              </a:ext>
-            </a:extLst>
-          </p:cNvPr>
-          <p:cNvSpPr txBox="1"/>
-          <p:nvPr/>
-        </p:nvSpPr>
-        <p:spPr>
-          <a:xfrm>
-            <a:off x="6096000" y="1690062"/>
-            <a:ext cx="5448298" cy="3477875"/>
+            <a:off x="6096000" y="2313128"/>
+            <a:ext cx="5448298" cy="2954655"/>
           </a:xfrm>
           <a:prstGeom prst="rect">
             <a:avLst/>
@@ -6967,57 +10628,67 @@
           </a:bodyPr>
           <a:lstStyle/>
           <a:p>
+            <a:r>
+              <a:rPr lang="it-IT" sz="2400" dirty="0" err="1"/>
+              <a:t>Expose</a:t>
+            </a:r>
+            <a:r>
+              <a:rPr lang="it-IT" sz="2400" dirty="0"/>
+              <a:t> </a:t>
+            </a:r>
+            <a:r>
+              <a:rPr lang="it-IT" sz="2400" dirty="0" err="1"/>
+              <a:t>APIs</a:t>
+            </a:r>
+            <a:r>
+              <a:rPr lang="it-IT" sz="2400" dirty="0"/>
+              <a:t> to:</a:t>
+            </a:r>
+          </a:p>
+          <a:p>
             <a:pPr marL="285750" indent="-285750">
               <a:buFont typeface="Arial" panose="020B0604020202020204" pitchFamily="34" charset="0"/>
               <a:buChar char="•"/>
             </a:pPr>
             <a:r>
-              <a:rPr lang="it-IT" sz="2000" dirty="0" err="1"/>
-              <a:t>Elasticsearch</a:t>
-            </a:r>
-            <a:r>
-              <a:rPr lang="it-IT" sz="2000" dirty="0"/>
-              <a:t> </a:t>
-            </a:r>
-            <a:r>
-              <a:rPr lang="it-IT" sz="2000" dirty="0" err="1"/>
-              <a:t>is</a:t>
-            </a:r>
-            <a:r>
-              <a:rPr lang="it-IT" sz="2000" dirty="0"/>
-              <a:t> </a:t>
-            </a:r>
-            <a:r>
-              <a:rPr lang="it-IT" sz="2000" dirty="0" err="1"/>
-              <a:t>used</a:t>
-            </a:r>
-            <a:r>
-              <a:rPr lang="it-IT" sz="2000" dirty="0"/>
-              <a:t> </a:t>
-            </a:r>
-            <a:r>
-              <a:rPr lang="it-IT" sz="2000" dirty="0" err="1"/>
-              <a:t>as</a:t>
-            </a:r>
-            <a:r>
-              <a:rPr lang="it-IT" sz="2000" dirty="0"/>
-              <a:t> </a:t>
-            </a:r>
-            <a:r>
-              <a:rPr lang="it-IT" sz="2000" dirty="0" err="1"/>
-              <a:t>search</a:t>
-            </a:r>
-            <a:r>
-              <a:rPr lang="it-IT" sz="2000" dirty="0"/>
-              <a:t> </a:t>
-            </a:r>
-            <a:r>
-              <a:rPr lang="it-IT" sz="2000" dirty="0" err="1"/>
-              <a:t>engine</a:t>
-            </a:r>
-            <a:r>
-              <a:rPr lang="it-IT" sz="2000" dirty="0"/>
-              <a:t> </a:t>
+              <a:rPr lang="it-IT" sz="2400" dirty="0" err="1"/>
+              <a:t>Manage</a:t>
+            </a:r>
+            <a:r>
+              <a:rPr lang="it-IT" sz="2400" dirty="0"/>
+              <a:t> </a:t>
+            </a:r>
+            <a:r>
+              <a:rPr lang="it-IT" sz="2400" dirty="0" err="1"/>
+              <a:t>all</a:t>
+            </a:r>
+            <a:r>
+              <a:rPr lang="it-IT" sz="2400" dirty="0"/>
+              <a:t> social </a:t>
+            </a:r>
+            <a:r>
+              <a:rPr lang="it-IT" sz="2400" dirty="0" err="1"/>
+              <a:t>aspects</a:t>
+            </a:r>
+            <a:r>
+              <a:rPr lang="it-IT" sz="2400" dirty="0"/>
+              <a:t> of the system (i.e. user </a:t>
+            </a:r>
+            <a:r>
+              <a:rPr lang="it-IT" sz="2400" dirty="0" err="1"/>
+              <a:t>registration</a:t>
+            </a:r>
+            <a:r>
+              <a:rPr lang="it-IT" sz="2400" dirty="0"/>
+              <a:t>, likes, </a:t>
+            </a:r>
+            <a:r>
+              <a:rPr lang="it-IT" sz="2400" dirty="0" err="1"/>
+              <a:t>comments</a:t>
+            </a:r>
+            <a:r>
+              <a:rPr lang="it-IT" sz="2400" dirty="0"/>
+              <a:t>, new posts)</a:t>
             </a:r>
           </a:p>
           <a:p>
@@ -7025,7 +10696,7 @@
               <a:buFont typeface="Arial" panose="020B0604020202020204" pitchFamily="34" charset="0"/>
               <a:buChar char="•"/>
             </a:pPr>
-            <a:endParaRPr lang="it-IT" sz="2000" dirty="0"/>
+            <a:endParaRPr lang="it-IT" sz="2400" dirty="0"/>
           </a:p>
           <a:p>
             <a:pPr marL="285750" indent="-285750">
@@ -7033,52 +10704,16 @@
               <a:buChar char="•"/>
             </a:pPr>
             <a:r>
-              <a:rPr lang="it-IT" sz="2000" dirty="0" err="1"/>
-              <a:t>Kibana</a:t>
-            </a:r>
-            <a:r>
-              <a:rPr lang="it-IT" sz="2000" dirty="0"/>
-              <a:t> </a:t>
-            </a:r>
-            <a:r>
-              <a:rPr lang="it-IT" sz="2000" dirty="0" err="1"/>
-              <a:t>provides</a:t>
-            </a:r>
-            <a:r>
-              <a:rPr lang="it-IT" sz="2000" dirty="0"/>
-              <a:t> </a:t>
-            </a:r>
-            <a:r>
-              <a:rPr lang="it-IT" sz="2000" dirty="0" err="1"/>
-              <a:t>search</a:t>
-            </a:r>
-            <a:r>
-              <a:rPr lang="it-IT" sz="2000" dirty="0"/>
-              <a:t> and data </a:t>
-            </a:r>
-            <a:r>
-              <a:rPr lang="it-IT" sz="2000" dirty="0" err="1"/>
-              <a:t>visualization</a:t>
-            </a:r>
-            <a:r>
-              <a:rPr lang="it-IT" sz="2000" dirty="0"/>
-              <a:t> capabilities for data </a:t>
-            </a:r>
-            <a:r>
-              <a:rPr lang="it-IT" sz="2000" dirty="0" err="1"/>
-              <a:t>indexed</a:t>
-            </a:r>
-            <a:r>
-              <a:rPr lang="it-IT" sz="2000" dirty="0"/>
-              <a:t> in </a:t>
-            </a:r>
-            <a:r>
-              <a:rPr lang="it-IT" sz="2000" dirty="0" err="1"/>
-              <a:t>Elasticsearch</a:t>
-            </a:r>
-            <a:r>
-              <a:rPr lang="it-IT" sz="2000" dirty="0"/>
-              <a:t> </a:t>
+              <a:rPr lang="it-IT" sz="2400" dirty="0"/>
+              <a:t>Upload images on the </a:t>
+            </a:r>
+            <a:r>
+              <a:rPr lang="it-IT" sz="2400" dirty="0" err="1"/>
+              <a:t>Firebase</a:t>
+            </a:r>
+            <a:r>
+              <a:rPr lang="it-IT" sz="2400" dirty="0"/>
+              <a:t> cloud storage</a:t>
             </a:r>
           </a:p>
           <a:p>
@@ -7086,129 +10721,14 @@
               <a:buFont typeface="Arial" panose="020B0604020202020204" pitchFamily="34" charset="0"/>
               <a:buChar char="•"/>
             </a:pPr>
-            <a:endParaRPr lang="it-IT" sz="2000" dirty="0"/>
-          </a:p>
-          <a:p>
-            <a:pPr marL="285750" indent="-285750">
-              <a:buFont typeface="Arial" panose="020B0604020202020204" pitchFamily="34" charset="0"/>
-              <a:buChar char="•"/>
-            </a:pPr>
-            <a:r>
-              <a:rPr lang="it-IT" sz="2000" dirty="0" err="1"/>
-              <a:t>Deepdetect</a:t>
-            </a:r>
-            <a:r>
-              <a:rPr lang="it-IT" sz="2000" dirty="0"/>
-              <a:t> deep learning </a:t>
-            </a:r>
-            <a:r>
-              <a:rPr lang="it-IT" sz="2000" dirty="0" err="1"/>
-              <a:t>platform</a:t>
-            </a:r>
-            <a:r>
-              <a:rPr lang="it-IT" sz="2000" dirty="0"/>
-              <a:t> </a:t>
-            </a:r>
-            <a:r>
-              <a:rPr lang="it-IT" sz="2000" dirty="0" err="1"/>
-              <a:t>offers</a:t>
-            </a:r>
-            <a:r>
-              <a:rPr lang="it-IT" sz="2000" dirty="0"/>
-              <a:t> </a:t>
-            </a:r>
-            <a:r>
-              <a:rPr lang="it-IT" sz="2000" dirty="0" err="1"/>
-              <a:t>pre-trained</a:t>
-            </a:r>
-            <a:r>
-              <a:rPr lang="it-IT" sz="2000" dirty="0"/>
-              <a:t> models for </a:t>
-            </a:r>
-            <a:r>
-              <a:rPr lang="it-IT" sz="2000" dirty="0" err="1"/>
-              <a:t>classifing</a:t>
-            </a:r>
-            <a:r>
-              <a:rPr lang="it-IT" sz="2000" dirty="0"/>
-              <a:t> images’ </a:t>
-            </a:r>
-            <a:r>
-              <a:rPr lang="it-IT" sz="2000" dirty="0" err="1"/>
-              <a:t>based</a:t>
-            </a:r>
-            <a:r>
-              <a:rPr lang="it-IT" sz="2000" dirty="0"/>
-              <a:t> on </a:t>
-            </a:r>
-            <a:r>
-              <a:rPr lang="it-IT" sz="2000" dirty="0" err="1"/>
-              <a:t>represented</a:t>
-            </a:r>
-            <a:r>
-              <a:rPr lang="it-IT" sz="2000" dirty="0"/>
-              <a:t> </a:t>
-            </a:r>
-            <a:r>
-              <a:rPr lang="it-IT" sz="2000" dirty="0" err="1"/>
-              <a:t>subjects</a:t>
-            </a:r>
-            <a:r>
-              <a:rPr lang="it-IT" sz="2000" dirty="0"/>
-              <a:t> and the </a:t>
-            </a:r>
-            <a:r>
-              <a:rPr lang="it-IT" sz="2000" dirty="0" err="1"/>
-              <a:t>ability</a:t>
-            </a:r>
-            <a:r>
-              <a:rPr lang="it-IT" sz="2000" dirty="0"/>
-              <a:t> to </a:t>
-            </a:r>
-            <a:r>
-              <a:rPr lang="it-IT" sz="2000" dirty="0" err="1"/>
-              <a:t>search</a:t>
-            </a:r>
-            <a:r>
-              <a:rPr lang="it-IT" sz="2000" dirty="0"/>
-              <a:t> for images </a:t>
-            </a:r>
-            <a:r>
-              <a:rPr lang="it-IT" sz="2000" dirty="0" err="1"/>
-              <a:t>based</a:t>
-            </a:r>
-            <a:r>
-              <a:rPr lang="it-IT" sz="2000" dirty="0"/>
-              <a:t> on </a:t>
-            </a:r>
-            <a:r>
-              <a:rPr lang="it-IT" sz="2000" dirty="0" err="1"/>
-              <a:t>them</a:t>
-            </a:r>
-            <a:r>
-              <a:rPr lang="it-IT" sz="2000" dirty="0"/>
-              <a:t> </a:t>
-            </a:r>
-            <a:r>
-              <a:rPr lang="it-IT" sz="2000" dirty="0" err="1"/>
-              <a:t>through</a:t>
-            </a:r>
-            <a:r>
-              <a:rPr lang="it-IT" sz="2000" dirty="0"/>
-              <a:t> </a:t>
-            </a:r>
-            <a:r>
-              <a:rPr lang="it-IT" sz="2000" dirty="0" err="1"/>
-              <a:t>Elasticsearch</a:t>
-            </a:r>
-            <a:endParaRPr lang="it-IT" sz="2000" dirty="0"/>
+            <a:endParaRPr lang="it-IT" dirty="0"/>
           </a:p>
         </p:txBody>
       </p:sp>
     </p:spTree>
     <p:extLst>
       <p:ext uri="{BB962C8B-B14F-4D97-AF65-F5344CB8AC3E}">
-        <p14:creationId xmlns:p14="http://schemas.microsoft.com/office/powerpoint/2010/main" val="2055067997"/>
+        <p14:creationId xmlns:p14="http://schemas.microsoft.com/office/powerpoint/2010/main" val="2089190908"/>
       </p:ext>
     </p:extLst>
   </p:cSld>
@@ -7240,7 +10760,7 @@
           <p:cNvPr id="2" name="Titolo 1">
             <a:extLst>
               <a:ext uri="{FF2B5EF4-FFF2-40B4-BE49-F238E27FC236}">
-                <a16:creationId xmlns:a16="http://schemas.microsoft.com/office/drawing/2014/main" id="{6726C3A2-4B24-7EC8-3B7E-D1CF6D210DFB}"/>
+                <a16:creationId xmlns:a16="http://schemas.microsoft.com/office/drawing/2014/main" id="{4A6D11D5-C6BA-9898-03EC-DE46A8E16C99}"/>
               </a:ext>
             </a:extLst>
           </p:cNvPr>
@@ -7258,7 +10778,7 @@
           <a:p>
             <a:r>
               <a:rPr lang="it-IT" dirty="0" err="1"/>
-              <a:t>Notifications</a:t>
+              <a:t>Search</a:t>
             </a:r>
             <a:r>
               <a:rPr lang="it-IT" dirty="0"/>
@@ -7277,7 +10797,7 @@
           <p:cNvPr id="5" name="Segnaposto contenuto 4">
             <a:extLst>
               <a:ext uri="{FF2B5EF4-FFF2-40B4-BE49-F238E27FC236}">
-                <a16:creationId xmlns:a16="http://schemas.microsoft.com/office/drawing/2014/main" id="{5F8C58BF-9335-F0B4-4246-E67340DA2C6E}"/>
+                <a16:creationId xmlns:a16="http://schemas.microsoft.com/office/drawing/2014/main" id="{FBF9FD3B-434F-91F9-A56B-AB8704CAB9C0}"/>
               </a:ext>
             </a:extLst>
           </p:cNvPr>
@@ -7289,7 +10809,456 @@
           </p:nvPr>
         </p:nvPicPr>
         <p:blipFill>
-          <a:blip r:embed="rId2"/>
+          <a:blip r:embed="rId3"/>
+          <a:stretch>
+            <a:fillRect/>
+          </a:stretch>
+        </p:blipFill>
+        <p:spPr>
+          <a:xfrm>
+            <a:off x="647702" y="4601400"/>
+            <a:ext cx="3277096" cy="1077849"/>
+          </a:xfrm>
+        </p:spPr>
+      </p:pic>
+      <p:pic>
+        <p:nvPicPr>
+          <p:cNvPr id="7" name="Immagine 6">
+            <a:extLst>
+              <a:ext uri="{FF2B5EF4-FFF2-40B4-BE49-F238E27FC236}">
+                <a16:creationId xmlns:a16="http://schemas.microsoft.com/office/drawing/2014/main" id="{D757D093-A8BF-8630-E7A0-F6DAEC87A112}"/>
+              </a:ext>
+            </a:extLst>
+          </p:cNvPr>
+          <p:cNvPicPr>
+            <a:picLocks noChangeAspect="1"/>
+          </p:cNvPicPr>
+          <p:nvPr/>
+        </p:nvPicPr>
+        <p:blipFill rotWithShape="1">
+          <a:blip r:embed="rId4"/>
+          <a:srcRect l="15161" t="23565" r="13660" b="20768"/>
+          <a:stretch/>
+        </p:blipFill>
+        <p:spPr>
+          <a:xfrm>
+            <a:off x="647702" y="1690062"/>
+            <a:ext cx="2647950" cy="958850"/>
+          </a:xfrm>
+          <a:prstGeom prst="rect">
+            <a:avLst/>
+          </a:prstGeom>
+        </p:spPr>
+      </p:pic>
+      <p:pic>
+        <p:nvPicPr>
+          <p:cNvPr id="11" name="Immagine 10">
+            <a:extLst>
+              <a:ext uri="{FF2B5EF4-FFF2-40B4-BE49-F238E27FC236}">
+                <a16:creationId xmlns:a16="http://schemas.microsoft.com/office/drawing/2014/main" id="{AF4F5931-7796-F41C-14AB-2ACF90EAF15F}"/>
+              </a:ext>
+            </a:extLst>
+          </p:cNvPr>
+          <p:cNvPicPr>
+            <a:picLocks noChangeAspect="1"/>
+          </p:cNvPicPr>
+          <p:nvPr/>
+        </p:nvPicPr>
+        <p:blipFill rotWithShape="1">
+          <a:blip r:embed="rId5"/>
+          <a:srcRect l="6174" t="11537" r="4845" b="11134"/>
+          <a:stretch/>
+        </p:blipFill>
+        <p:spPr>
+          <a:xfrm>
+            <a:off x="647702" y="2949850"/>
+            <a:ext cx="2867801" cy="1246124"/>
+          </a:xfrm>
+          <a:prstGeom prst="rect">
+            <a:avLst/>
+          </a:prstGeom>
+        </p:spPr>
+      </p:pic>
+      <p:pic>
+        <p:nvPicPr>
+          <p:cNvPr id="12" name="Segnaposto contenuto 4">
+            <a:extLst>
+              <a:ext uri="{FF2B5EF4-FFF2-40B4-BE49-F238E27FC236}">
+                <a16:creationId xmlns:a16="http://schemas.microsoft.com/office/drawing/2014/main" id="{260502AE-618C-AC6D-9249-A9C686496E39}"/>
+              </a:ext>
+            </a:extLst>
+          </p:cNvPr>
+          <p:cNvPicPr>
+            <a:picLocks noChangeAspect="1"/>
+          </p:cNvPicPr>
+          <p:nvPr/>
+        </p:nvPicPr>
+        <p:blipFill rotWithShape="1">
+          <a:blip r:embed="rId6"/>
+          <a:srcRect l="1" r="1759" b="8127"/>
+          <a:stretch/>
+        </p:blipFill>
+        <p:spPr>
+          <a:xfrm>
+            <a:off x="3878149" y="1690062"/>
+            <a:ext cx="1051766" cy="1077849"/>
+          </a:xfrm>
+          <a:prstGeom prst="rect">
+            <a:avLst/>
+          </a:prstGeom>
+        </p:spPr>
+      </p:pic>
+      <p:sp>
+        <p:nvSpPr>
+          <p:cNvPr id="13" name="CasellaDiTesto 12">
+            <a:extLst>
+              <a:ext uri="{FF2B5EF4-FFF2-40B4-BE49-F238E27FC236}">
+                <a16:creationId xmlns:a16="http://schemas.microsoft.com/office/drawing/2014/main" id="{C73633BB-9951-67FD-9BFD-0C34CD633E9D}"/>
+              </a:ext>
+            </a:extLst>
+          </p:cNvPr>
+          <p:cNvSpPr txBox="1"/>
+          <p:nvPr/>
+        </p:nvSpPr>
+        <p:spPr>
+          <a:xfrm>
+            <a:off x="6096000" y="1690062"/>
+            <a:ext cx="5448298" cy="3477875"/>
+          </a:xfrm>
+          <a:prstGeom prst="rect">
+            <a:avLst/>
+          </a:prstGeom>
+          <a:noFill/>
+        </p:spPr>
+        <p:txBody>
+          <a:bodyPr wrap="square" rtlCol="0">
+            <a:spAutoFit/>
+          </a:bodyPr>
+          <a:lstStyle/>
+          <a:p>
+            <a:pPr marL="285750" indent="-285750">
+              <a:buFont typeface="Arial" panose="020B0604020202020204" pitchFamily="34" charset="0"/>
+              <a:buChar char="•"/>
+            </a:pPr>
+            <a:r>
+              <a:rPr lang="it-IT" sz="2000" dirty="0" err="1"/>
+              <a:t>Elasticsearch</a:t>
+            </a:r>
+            <a:r>
+              <a:rPr lang="it-IT" sz="2000" dirty="0"/>
+              <a:t> </a:t>
+            </a:r>
+            <a:r>
+              <a:rPr lang="it-IT" sz="2000" dirty="0" err="1"/>
+              <a:t>is</a:t>
+            </a:r>
+            <a:r>
+              <a:rPr lang="it-IT" sz="2000" dirty="0"/>
+              <a:t> </a:t>
+            </a:r>
+            <a:r>
+              <a:rPr lang="it-IT" sz="2000" dirty="0" err="1"/>
+              <a:t>used</a:t>
+            </a:r>
+            <a:r>
+              <a:rPr lang="it-IT" sz="2000" dirty="0"/>
+              <a:t> </a:t>
+            </a:r>
+            <a:r>
+              <a:rPr lang="it-IT" sz="2000" dirty="0" err="1"/>
+              <a:t>as</a:t>
+            </a:r>
+            <a:r>
+              <a:rPr lang="it-IT" sz="2000" dirty="0"/>
+              <a:t> </a:t>
+            </a:r>
+            <a:r>
+              <a:rPr lang="it-IT" sz="2000" dirty="0" err="1"/>
+              <a:t>search</a:t>
+            </a:r>
+            <a:r>
+              <a:rPr lang="it-IT" sz="2000" dirty="0"/>
+              <a:t> </a:t>
+            </a:r>
+            <a:r>
+              <a:rPr lang="it-IT" sz="2000" dirty="0" err="1"/>
+              <a:t>engine</a:t>
+            </a:r>
+            <a:r>
+              <a:rPr lang="it-IT" sz="2000" dirty="0"/>
+              <a:t> </a:t>
+            </a:r>
+          </a:p>
+          <a:p>
+            <a:pPr marL="285750" indent="-285750">
+              <a:buFont typeface="Arial" panose="020B0604020202020204" pitchFamily="34" charset="0"/>
+              <a:buChar char="•"/>
+            </a:pPr>
+            <a:endParaRPr lang="it-IT" sz="2000" dirty="0"/>
+          </a:p>
+          <a:p>
+            <a:pPr marL="285750" indent="-285750">
+              <a:buFont typeface="Arial" panose="020B0604020202020204" pitchFamily="34" charset="0"/>
+              <a:buChar char="•"/>
+            </a:pPr>
+            <a:r>
+              <a:rPr lang="it-IT" sz="2000" dirty="0" err="1"/>
+              <a:t>Kibana</a:t>
+            </a:r>
+            <a:r>
+              <a:rPr lang="it-IT" sz="2000" dirty="0"/>
+              <a:t> </a:t>
+            </a:r>
+            <a:r>
+              <a:rPr lang="it-IT" sz="2000" dirty="0" err="1"/>
+              <a:t>provides</a:t>
+            </a:r>
+            <a:r>
+              <a:rPr lang="it-IT" sz="2000" dirty="0"/>
+              <a:t> </a:t>
+            </a:r>
+            <a:r>
+              <a:rPr lang="it-IT" sz="2000" dirty="0" err="1"/>
+              <a:t>search</a:t>
+            </a:r>
+            <a:r>
+              <a:rPr lang="it-IT" sz="2000" dirty="0"/>
+              <a:t> and data </a:t>
+            </a:r>
+            <a:r>
+              <a:rPr lang="it-IT" sz="2000" dirty="0" err="1"/>
+              <a:t>visualization</a:t>
+            </a:r>
+            <a:r>
+              <a:rPr lang="it-IT" sz="2000" dirty="0"/>
+              <a:t> capabilities for data </a:t>
+            </a:r>
+            <a:r>
+              <a:rPr lang="it-IT" sz="2000" dirty="0" err="1"/>
+              <a:t>indexed</a:t>
+            </a:r>
+            <a:r>
+              <a:rPr lang="it-IT" sz="2000" dirty="0"/>
+              <a:t> in </a:t>
+            </a:r>
+            <a:r>
+              <a:rPr lang="it-IT" sz="2000" dirty="0" err="1"/>
+              <a:t>Elasticsearch</a:t>
+            </a:r>
+            <a:r>
+              <a:rPr lang="it-IT" sz="2000" dirty="0"/>
+              <a:t> </a:t>
+            </a:r>
+          </a:p>
+          <a:p>
+            <a:pPr marL="285750" indent="-285750">
+              <a:buFont typeface="Arial" panose="020B0604020202020204" pitchFamily="34" charset="0"/>
+              <a:buChar char="•"/>
+            </a:pPr>
+            <a:endParaRPr lang="it-IT" sz="2000" dirty="0"/>
+          </a:p>
+          <a:p>
+            <a:pPr marL="285750" indent="-285750">
+              <a:buFont typeface="Arial" panose="020B0604020202020204" pitchFamily="34" charset="0"/>
+              <a:buChar char="•"/>
+            </a:pPr>
+            <a:r>
+              <a:rPr lang="it-IT" sz="2000" dirty="0" err="1"/>
+              <a:t>Deepdetect</a:t>
+            </a:r>
+            <a:r>
+              <a:rPr lang="it-IT" sz="2000" dirty="0"/>
+              <a:t> deep learning </a:t>
+            </a:r>
+            <a:r>
+              <a:rPr lang="it-IT" sz="2000" dirty="0" err="1"/>
+              <a:t>platform</a:t>
+            </a:r>
+            <a:r>
+              <a:rPr lang="it-IT" sz="2000" dirty="0"/>
+              <a:t> </a:t>
+            </a:r>
+            <a:r>
+              <a:rPr lang="it-IT" sz="2000" dirty="0" err="1"/>
+              <a:t>offers</a:t>
+            </a:r>
+            <a:r>
+              <a:rPr lang="it-IT" sz="2000" dirty="0"/>
+              <a:t> </a:t>
+            </a:r>
+            <a:r>
+              <a:rPr lang="it-IT" sz="2000" dirty="0" err="1"/>
+              <a:t>pre-trained</a:t>
+            </a:r>
+            <a:r>
+              <a:rPr lang="it-IT" sz="2000" dirty="0"/>
+              <a:t> models for </a:t>
+            </a:r>
+            <a:r>
+              <a:rPr lang="it-IT" sz="2000" dirty="0" err="1"/>
+              <a:t>classifing</a:t>
+            </a:r>
+            <a:r>
+              <a:rPr lang="it-IT" sz="2000" dirty="0"/>
+              <a:t> images’ </a:t>
+            </a:r>
+            <a:r>
+              <a:rPr lang="it-IT" sz="2000" dirty="0" err="1"/>
+              <a:t>based</a:t>
+            </a:r>
+            <a:r>
+              <a:rPr lang="it-IT" sz="2000" dirty="0"/>
+              <a:t> on </a:t>
+            </a:r>
+            <a:r>
+              <a:rPr lang="it-IT" sz="2000" dirty="0" err="1"/>
+              <a:t>represented</a:t>
+            </a:r>
+            <a:r>
+              <a:rPr lang="it-IT" sz="2000" dirty="0"/>
+              <a:t> </a:t>
+            </a:r>
+            <a:r>
+              <a:rPr lang="it-IT" sz="2000" dirty="0" err="1"/>
+              <a:t>subjects</a:t>
+            </a:r>
+            <a:r>
+              <a:rPr lang="it-IT" sz="2000" dirty="0"/>
+              <a:t> and the </a:t>
+            </a:r>
+            <a:r>
+              <a:rPr lang="it-IT" sz="2000" dirty="0" err="1"/>
+              <a:t>ability</a:t>
+            </a:r>
+            <a:r>
+              <a:rPr lang="it-IT" sz="2000" dirty="0"/>
+              <a:t> to </a:t>
+            </a:r>
+            <a:r>
+              <a:rPr lang="it-IT" sz="2000" dirty="0" err="1"/>
+              <a:t>search</a:t>
+            </a:r>
+            <a:r>
+              <a:rPr lang="it-IT" sz="2000" dirty="0"/>
+              <a:t> for images </a:t>
+            </a:r>
+            <a:r>
+              <a:rPr lang="it-IT" sz="2000" dirty="0" err="1"/>
+              <a:t>based</a:t>
+            </a:r>
+            <a:r>
+              <a:rPr lang="it-IT" sz="2000" dirty="0"/>
+              <a:t> on </a:t>
+            </a:r>
+            <a:r>
+              <a:rPr lang="it-IT" sz="2000" dirty="0" err="1"/>
+              <a:t>them</a:t>
+            </a:r>
+            <a:r>
+              <a:rPr lang="it-IT" sz="2000" dirty="0"/>
+              <a:t> </a:t>
+            </a:r>
+            <a:r>
+              <a:rPr lang="it-IT" sz="2000" dirty="0" err="1"/>
+              <a:t>through</a:t>
+            </a:r>
+            <a:r>
+              <a:rPr lang="it-IT" sz="2000" dirty="0"/>
+              <a:t> </a:t>
+            </a:r>
+            <a:r>
+              <a:rPr lang="it-IT" sz="2000" dirty="0" err="1"/>
+              <a:t>Elasticsearch</a:t>
+            </a:r>
+            <a:endParaRPr lang="it-IT" sz="2000" dirty="0"/>
+          </a:p>
+        </p:txBody>
+      </p:sp>
+    </p:spTree>
+    <p:extLst>
+      <p:ext uri="{BB962C8B-B14F-4D97-AF65-F5344CB8AC3E}">
+        <p14:creationId xmlns:p14="http://schemas.microsoft.com/office/powerpoint/2010/main" val="2055067997"/>
+      </p:ext>
+    </p:extLst>
+  </p:cSld>
+  <p:clrMapOvr>
+    <a:masterClrMapping/>
+  </p:clrMapOvr>
+</p:sld>
+</file>
+
+<file path=ppt/slides/slide22.xml><?xml version="1.0" encoding="utf-8"?>
+<p:sld xmlns:a="http://schemas.openxmlformats.org/drawingml/2006/main" xmlns:r="http://schemas.openxmlformats.org/officeDocument/2006/relationships" xmlns:p="http://schemas.openxmlformats.org/presentationml/2006/main">
+  <p:cSld>
+    <p:spTree>
+      <p:nvGrpSpPr>
+        <p:cNvPr id="1" name=""/>
+        <p:cNvGrpSpPr/>
+        <p:nvPr/>
+      </p:nvGrpSpPr>
+      <p:grpSpPr>
+        <a:xfrm>
+          <a:off x="0" y="0"/>
+          <a:ext cx="0" cy="0"/>
+          <a:chOff x="0" y="0"/>
+          <a:chExt cx="0" cy="0"/>
+        </a:xfrm>
+      </p:grpSpPr>
+      <p:sp>
+        <p:nvSpPr>
+          <p:cNvPr id="2" name="Titolo 1">
+            <a:extLst>
+              <a:ext uri="{FF2B5EF4-FFF2-40B4-BE49-F238E27FC236}">
+                <a16:creationId xmlns:a16="http://schemas.microsoft.com/office/drawing/2014/main" id="{6726C3A2-4B24-7EC8-3B7E-D1CF6D210DFB}"/>
+              </a:ext>
+            </a:extLst>
+          </p:cNvPr>
+          <p:cNvSpPr>
+            <a:spLocks noGrp="1"/>
+          </p:cNvSpPr>
+          <p:nvPr>
+            <p:ph type="title"/>
+          </p:nvPr>
+        </p:nvSpPr>
+        <p:spPr/>
+        <p:txBody>
+          <a:bodyPr/>
+          <a:lstStyle/>
+          <a:p>
+            <a:r>
+              <a:rPr lang="it-IT" dirty="0" err="1"/>
+              <a:t>Notifications</a:t>
+            </a:r>
+            <a:r>
+              <a:rPr lang="it-IT" dirty="0"/>
+              <a:t> </a:t>
+            </a:r>
+            <a:r>
+              <a:rPr lang="it-IT" dirty="0" err="1"/>
+              <a:t>microservice</a:t>
+            </a:r>
+            <a:endParaRPr lang="it-IT" dirty="0"/>
+          </a:p>
+        </p:txBody>
+      </p:sp>
+      <p:pic>
+        <p:nvPicPr>
+          <p:cNvPr id="5" name="Segnaposto contenuto 4">
+            <a:extLst>
+              <a:ext uri="{FF2B5EF4-FFF2-40B4-BE49-F238E27FC236}">
+                <a16:creationId xmlns:a16="http://schemas.microsoft.com/office/drawing/2014/main" id="{5F8C58BF-9335-F0B4-4246-E67340DA2C6E}"/>
+              </a:ext>
+            </a:extLst>
+          </p:cNvPr>
+          <p:cNvPicPr>
+            <a:picLocks noGrp="1" noChangeAspect="1"/>
+          </p:cNvPicPr>
+          <p:nvPr>
+            <p:ph idx="1"/>
+          </p:nvPr>
+        </p:nvPicPr>
+        <p:blipFill>
+          <a:blip r:embed="rId3"/>
           <a:stretch>
             <a:fillRect/>
           </a:stretch>
@@ -7316,10 +11285,10 @@
           <p:nvPr/>
         </p:nvPicPr>
         <p:blipFill>
-          <a:blip r:embed="rId3">
+          <a:blip r:embed="rId4">
             <a:extLst>
               <a:ext uri="{96DAC541-7B7A-43D3-8B79-37D633B846F1}">
-                <asvg:svgBlip xmlns:asvg="http://schemas.microsoft.com/office/drawing/2016/SVG/main" r:embed="rId4"/>
+                <asvg:svgBlip xmlns:asvg="http://schemas.microsoft.com/office/drawing/2016/SVG/main" r:embed="rId5"/>
               </a:ext>
             </a:extLst>
           </a:blip>
@@ -7503,7 +11472,7 @@
           <p:nvPr/>
         </p:nvPicPr>
         <p:blipFill rotWithShape="1">
-          <a:blip r:embed="rId5"/>
+          <a:blip r:embed="rId6"/>
           <a:srcRect r="2714" b="9647"/>
           <a:stretch/>
         </p:blipFill>
@@ -7530,7 +11499,7 @@
 </p:sld>
 </file>
 
-<file path=ppt/slides/slide22.xml><?xml version="1.0" encoding="utf-8"?>
+<file path=ppt/slides/slide23.xml><?xml version="1.0" encoding="utf-8"?>
 <p:sld xmlns:a="http://schemas.openxmlformats.org/drawingml/2006/main" xmlns:r="http://schemas.openxmlformats.org/officeDocument/2006/relationships" xmlns:p="http://schemas.openxmlformats.org/presentationml/2006/main">
   <p:cSld>
     <p:spTree>
@@ -7591,7 +11560,7 @@
           <p:nvPr/>
         </p:nvPicPr>
         <p:blipFill>
-          <a:blip r:embed="rId2"/>
+          <a:blip r:embed="rId3"/>
           <a:stretch>
             <a:fillRect/>
           </a:stretch>
@@ -7760,6 +11729,362 @@
     <p:extLst>
       <p:ext uri="{BB962C8B-B14F-4D97-AF65-F5344CB8AC3E}">
         <p14:creationId xmlns:p14="http://schemas.microsoft.com/office/powerpoint/2010/main" val="1500127707"/>
+      </p:ext>
+    </p:extLst>
+  </p:cSld>
+  <p:clrMapOvr>
+    <a:masterClrMapping/>
+  </p:clrMapOvr>
+</p:sld>
+</file>
+
+<file path=ppt/slides/slide24.xml><?xml version="1.0" encoding="utf-8"?>
+<p:sld xmlns:a="http://schemas.openxmlformats.org/drawingml/2006/main" xmlns:r="http://schemas.openxmlformats.org/officeDocument/2006/relationships" xmlns:p="http://schemas.openxmlformats.org/presentationml/2006/main">
+  <p:cSld>
+    <p:bg>
+      <p:bgPr>
+        <a:solidFill>
+          <a:schemeClr val="bg1"/>
+        </a:solidFill>
+        <a:effectLst/>
+      </p:bgPr>
+    </p:bg>
+    <p:spTree>
+      <p:nvGrpSpPr>
+        <p:cNvPr id="1" name=""/>
+        <p:cNvGrpSpPr/>
+        <p:nvPr/>
+      </p:nvGrpSpPr>
+      <p:grpSpPr>
+        <a:xfrm>
+          <a:off x="0" y="0"/>
+          <a:ext cx="0" cy="0"/>
+          <a:chOff x="0" y="0"/>
+          <a:chExt cx="0" cy="0"/>
+        </a:xfrm>
+      </p:grpSpPr>
+      <p:sp useBgFill="1">
+        <p:nvSpPr>
+          <p:cNvPr id="77" name="Rectangle 76">
+            <a:extLst>
+              <a:ext uri="{FF2B5EF4-FFF2-40B4-BE49-F238E27FC236}">
+                <a16:creationId xmlns:a16="http://schemas.microsoft.com/office/drawing/2014/main" id="{A54A1FC3-D51F-49C5-A520-3CB3BF1C0F6C}"/>
+              </a:ext>
+              <a:ext uri="{C183D7F6-B498-43B3-948B-1728B52AA6E4}">
+                <adec:decorative xmlns:adec="http://schemas.microsoft.com/office/drawing/2017/decorative" val="1"/>
+              </a:ext>
+            </a:extLst>
+          </p:cNvPr>
+          <p:cNvSpPr>
+            <a:spLocks noGrp="1" noRot="1" noChangeAspect="1" noMove="1" noResize="1" noEditPoints="1" noAdjustHandles="1" noChangeArrowheads="1" noChangeShapeType="1" noTextEdit="1"/>
+          </p:cNvSpPr>
+          <p:nvPr>
+            <p:extLst>
+              <p:ext uri="{386F3935-93C4-4BCD-93E2-E3B085C9AB24}">
+                <p16:designElem xmlns:p16="http://schemas.microsoft.com/office/powerpoint/2015/main" val="1"/>
+              </p:ext>
+            </p:extLst>
+          </p:nvPr>
+        </p:nvSpPr>
+        <p:spPr>
+          <a:xfrm>
+            <a:off x="0" y="0"/>
+            <a:ext cx="12192000" cy="6858000"/>
+          </a:xfrm>
+          <a:prstGeom prst="rect">
+            <a:avLst/>
+          </a:prstGeom>
+          <a:ln w="12700" cap="flat" cmpd="sng" algn="ctr">
+            <a:noFill/>
+            <a:prstDash val="solid"/>
+            <a:miter lim="800000"/>
+          </a:ln>
+          <a:effectLst/>
+          <a:extLst>
+            <a:ext uri="{91240B29-F687-4F45-9708-019B960494DF}">
+              <a14:hiddenLine xmlns:a14="http://schemas.microsoft.com/office/drawing/2010/main" w="12700" cap="flat" cmpd="sng" algn="ctr">
+                <a:solidFill>
+                  <a:schemeClr val="accent1">
+                    <a:shade val="50000"/>
+                  </a:schemeClr>
+                </a:solidFill>
+                <a:prstDash val="solid"/>
+                <a:miter lim="800000"/>
+              </a14:hiddenLine>
+            </a:ext>
+          </a:extLst>
+        </p:spPr>
+        <p:style>
+          <a:lnRef idx="2">
+            <a:schemeClr val="accent1">
+              <a:shade val="50000"/>
+            </a:schemeClr>
+          </a:lnRef>
+          <a:fillRef idx="1">
+            <a:schemeClr val="accent1"/>
+          </a:fillRef>
+          <a:effectRef idx="0">
+            <a:schemeClr val="accent1"/>
+          </a:effectRef>
+          <a:fontRef idx="minor">
+            <a:schemeClr val="lt1"/>
+          </a:fontRef>
+        </p:style>
+        <p:txBody>
+          <a:bodyPr rtlCol="0" anchor="ctr"/>
+          <a:lstStyle/>
+          <a:p>
+            <a:pPr algn="ctr"/>
+            <a:endParaRPr lang="en-US"/>
+          </a:p>
+        </p:txBody>
+      </p:sp>
+      <p:sp>
+        <p:nvSpPr>
+          <p:cNvPr id="79" name="Rectangle 78">
+            <a:extLst>
+              <a:ext uri="{FF2B5EF4-FFF2-40B4-BE49-F238E27FC236}">
+                <a16:creationId xmlns:a16="http://schemas.microsoft.com/office/drawing/2014/main" id="{9FD6A395-8B77-4B2D-AA7E-1B4CE370CB43}"/>
+              </a:ext>
+              <a:ext uri="{C183D7F6-B498-43B3-948B-1728B52AA6E4}">
+                <adec:decorative xmlns:adec="http://schemas.microsoft.com/office/drawing/2017/decorative" val="1"/>
+              </a:ext>
+            </a:extLst>
+          </p:cNvPr>
+          <p:cNvSpPr>
+            <a:spLocks noGrp="1" noRot="1" noChangeAspect="1" noMove="1" noResize="1" noEditPoints="1" noAdjustHandles="1" noChangeArrowheads="1" noChangeShapeType="1" noTextEdit="1"/>
+          </p:cNvSpPr>
+          <p:nvPr>
+            <p:extLst>
+              <p:ext uri="{386F3935-93C4-4BCD-93E2-E3B085C9AB24}">
+                <p16:designElem xmlns:p16="http://schemas.microsoft.com/office/powerpoint/2015/main" val="1"/>
+              </p:ext>
+            </p:extLst>
+          </p:nvPr>
+        </p:nvSpPr>
+        <p:spPr>
+          <a:xfrm>
+            <a:off x="0" y="0"/>
+            <a:ext cx="12192000" cy="6858000"/>
+          </a:xfrm>
+          <a:prstGeom prst="rect">
+            <a:avLst/>
+          </a:prstGeom>
+          <a:solidFill>
+            <a:srgbClr val="000000"/>
+          </a:solidFill>
+          <a:ln w="12700" cap="flat" cmpd="sng" algn="ctr">
+            <a:noFill/>
+            <a:prstDash val="solid"/>
+            <a:miter lim="800000"/>
+          </a:ln>
+          <a:effectLst/>
+        </p:spPr>
+        <p:style>
+          <a:lnRef idx="2">
+            <a:schemeClr val="accent1">
+              <a:shade val="50000"/>
+            </a:schemeClr>
+          </a:lnRef>
+          <a:fillRef idx="1">
+            <a:schemeClr val="accent1"/>
+          </a:fillRef>
+          <a:effectRef idx="0">
+            <a:schemeClr val="accent1"/>
+          </a:effectRef>
+          <a:fontRef idx="minor">
+            <a:schemeClr val="lt1"/>
+          </a:fontRef>
+        </p:style>
+        <p:txBody>
+          <a:bodyPr rtlCol="0" anchor="ctr"/>
+          <a:lstStyle/>
+          <a:p>
+            <a:pPr algn="ctr"/>
+            <a:endParaRPr lang="en-US"/>
+          </a:p>
+        </p:txBody>
+      </p:sp>
+      <p:pic>
+        <p:nvPicPr>
+          <p:cNvPr id="6" name="Picture 3">
+            <a:extLst>
+              <a:ext uri="{FF2B5EF4-FFF2-40B4-BE49-F238E27FC236}">
+                <a16:creationId xmlns:a16="http://schemas.microsoft.com/office/drawing/2014/main" id="{BE3FAC7E-9380-E84C-775C-840B009252AE}"/>
+              </a:ext>
+            </a:extLst>
+          </p:cNvPr>
+          <p:cNvPicPr>
+            <a:picLocks noChangeAspect="1"/>
+          </p:cNvPicPr>
+          <p:nvPr/>
+        </p:nvPicPr>
+        <p:blipFill rotWithShape="1">
+          <a:blip r:embed="rId2">
+            <a:alphaModFix amt="50000"/>
+          </a:blip>
+          <a:srcRect t="8011" b="7719"/>
+          <a:stretch/>
+        </p:blipFill>
+        <p:spPr>
+          <a:xfrm>
+            <a:off x="20" y="1"/>
+            <a:ext cx="12191980" cy="6858000"/>
+          </a:xfrm>
+          <a:prstGeom prst="rect">
+            <a:avLst/>
+          </a:prstGeom>
+        </p:spPr>
+      </p:pic>
+      <p:sp>
+        <p:nvSpPr>
+          <p:cNvPr id="2" name="Titolo 1">
+            <a:extLst>
+              <a:ext uri="{FF2B5EF4-FFF2-40B4-BE49-F238E27FC236}">
+                <a16:creationId xmlns:a16="http://schemas.microsoft.com/office/drawing/2014/main" id="{B7AE9CAF-8AFA-358E-1FCA-8E92200C5FB7}"/>
+              </a:ext>
+            </a:extLst>
+          </p:cNvPr>
+          <p:cNvSpPr>
+            <a:spLocks noGrp="1"/>
+          </p:cNvSpPr>
+          <p:nvPr>
+            <p:ph type="ctrTitle"/>
+          </p:nvPr>
+        </p:nvSpPr>
+        <p:spPr>
+          <a:xfrm>
+            <a:off x="643467" y="1803072"/>
+            <a:ext cx="5060498" cy="3251855"/>
+          </a:xfrm>
+        </p:spPr>
+        <p:txBody>
+          <a:bodyPr>
+            <a:normAutofit/>
+          </a:bodyPr>
+          <a:lstStyle/>
+          <a:p>
+            <a:r>
+              <a:rPr lang="en-GB" sz="6600" dirty="0">
+                <a:solidFill>
+                  <a:srgbClr val="FFFFFF"/>
+                </a:solidFill>
+                <a:ea typeface="Sans Serif Collection" panose="020B0502040504020204" pitchFamily="34" charset="0"/>
+                <a:cs typeface="Lao UI" panose="020B0502040204020203" pitchFamily="34" charset="0"/>
+              </a:rPr>
+              <a:t>Thank you for your attention!</a:t>
+            </a:r>
+          </a:p>
+        </p:txBody>
+      </p:sp>
+      <p:cxnSp>
+        <p:nvCxnSpPr>
+          <p:cNvPr id="81" name="Straight Connector 80">
+            <a:extLst>
+              <a:ext uri="{FF2B5EF4-FFF2-40B4-BE49-F238E27FC236}">
+                <a16:creationId xmlns:a16="http://schemas.microsoft.com/office/drawing/2014/main" id="{1C5372E1-5D0A-4FE4-B20F-D0CF85FD068B}"/>
+              </a:ext>
+              <a:ext uri="{C183D7F6-B498-43B3-948B-1728B52AA6E4}">
+                <adec:decorative xmlns:adec="http://schemas.microsoft.com/office/drawing/2017/decorative" val="1"/>
+              </a:ext>
+            </a:extLst>
+          </p:cNvPr>
+          <p:cNvCxnSpPr>
+            <a:cxnSpLocks noGrp="1" noRot="1" noChangeAspect="1" noMove="1" noResize="1" noEditPoints="1" noAdjustHandles="1" noChangeArrowheads="1" noChangeShapeType="1"/>
+          </p:cNvCxnSpPr>
+          <p:nvPr>
+            <p:extLst>
+              <p:ext uri="{386F3935-93C4-4BCD-93E2-E3B085C9AB24}">
+                <p16:designElem xmlns:p16="http://schemas.microsoft.com/office/powerpoint/2015/main" val="1"/>
+              </p:ext>
+            </p:extLst>
+          </p:nvPr>
+        </p:nvCxnSpPr>
+        <p:spPr>
+          <a:xfrm>
+            <a:off x="643467" y="678719"/>
+            <a:ext cx="10905066" cy="0"/>
+          </a:xfrm>
+          <a:prstGeom prst="line">
+            <a:avLst/>
+          </a:prstGeom>
+          <a:ln w="38100">
+            <a:solidFill>
+              <a:srgbClr val="FFFFFF"/>
+            </a:solidFill>
+          </a:ln>
+        </p:spPr>
+        <p:style>
+          <a:lnRef idx="1">
+            <a:schemeClr val="accent1"/>
+          </a:lnRef>
+          <a:fillRef idx="0">
+            <a:schemeClr val="accent1"/>
+          </a:fillRef>
+          <a:effectRef idx="0">
+            <a:schemeClr val="accent1"/>
+          </a:effectRef>
+          <a:fontRef idx="minor">
+            <a:schemeClr val="tx1"/>
+          </a:fontRef>
+        </p:style>
+      </p:cxnSp>
+      <p:cxnSp>
+        <p:nvCxnSpPr>
+          <p:cNvPr id="83" name="Straight Connector 82">
+            <a:extLst>
+              <a:ext uri="{FF2B5EF4-FFF2-40B4-BE49-F238E27FC236}">
+                <a16:creationId xmlns:a16="http://schemas.microsoft.com/office/drawing/2014/main" id="{513081F5-C318-4421-A7E9-D7F6810B656E}"/>
+              </a:ext>
+              <a:ext uri="{C183D7F6-B498-43B3-948B-1728B52AA6E4}">
+                <adec:decorative xmlns:adec="http://schemas.microsoft.com/office/drawing/2017/decorative" val="1"/>
+              </a:ext>
+            </a:extLst>
+          </p:cNvPr>
+          <p:cNvCxnSpPr>
+            <a:cxnSpLocks noGrp="1" noRot="1" noChangeAspect="1" noMove="1" noResize="1" noEditPoints="1" noAdjustHandles="1" noChangeArrowheads="1" noChangeShapeType="1"/>
+          </p:cNvCxnSpPr>
+          <p:nvPr>
+            <p:extLst>
+              <p:ext uri="{386F3935-93C4-4BCD-93E2-E3B085C9AB24}">
+                <p16:designElem xmlns:p16="http://schemas.microsoft.com/office/powerpoint/2015/main" val="1"/>
+              </p:ext>
+            </p:extLst>
+          </p:nvPr>
+        </p:nvCxnSpPr>
+        <p:spPr>
+          <a:xfrm>
+            <a:off x="643467" y="6309695"/>
+            <a:ext cx="10905066" cy="0"/>
+          </a:xfrm>
+          <a:prstGeom prst="line">
+            <a:avLst/>
+          </a:prstGeom>
+          <a:ln w="6350">
+            <a:solidFill>
+              <a:srgbClr val="FFFFFF"/>
+            </a:solidFill>
+          </a:ln>
+        </p:spPr>
+        <p:style>
+          <a:lnRef idx="1">
+            <a:schemeClr val="accent1"/>
+          </a:lnRef>
+          <a:fillRef idx="0">
+            <a:schemeClr val="accent1"/>
+          </a:fillRef>
+          <a:effectRef idx="0">
+            <a:schemeClr val="accent1"/>
+          </a:effectRef>
+          <a:fontRef idx="minor">
+            <a:schemeClr val="tx1"/>
+          </a:fontRef>
+        </p:style>
+      </p:cxnSp>
+    </p:spTree>
+    <p:extLst>
+      <p:ext uri="{BB962C8B-B14F-4D97-AF65-F5344CB8AC3E}">
+        <p14:creationId xmlns:p14="http://schemas.microsoft.com/office/powerpoint/2010/main" val="3922760462"/>
       </p:ext>
     </p:extLst>
   </p:cSld>
@@ -7909,7 +12234,7 @@
           </p:nvPr>
         </p:nvPicPr>
         <p:blipFill>
-          <a:blip r:embed="rId2"/>
+          <a:blip r:embed="rId3"/>
           <a:stretch>
             <a:fillRect/>
           </a:stretch>
@@ -7939,7 +12264,7 @@
           <p:nvPr/>
         </p:nvPicPr>
         <p:blipFill>
-          <a:blip r:embed="rId3"/>
+          <a:blip r:embed="rId4"/>
           <a:stretch>
             <a:fillRect/>
           </a:stretch>
@@ -8034,7 +12359,7 @@
           </p:nvPr>
         </p:nvPicPr>
         <p:blipFill>
-          <a:blip r:embed="rId2"/>
+          <a:blip r:embed="rId3"/>
           <a:srcRect/>
           <a:stretch/>
         </p:blipFill>
@@ -8063,7 +12388,7 @@
           <p:nvPr/>
         </p:nvPicPr>
         <p:blipFill>
-          <a:blip r:embed="rId3"/>
+          <a:blip r:embed="rId4"/>
           <a:srcRect/>
           <a:stretch/>
         </p:blipFill>
@@ -8162,7 +12487,7 @@
           <p:nvPr/>
         </p:nvPicPr>
         <p:blipFill>
-          <a:blip r:embed="rId2"/>
+          <a:blip r:embed="rId3"/>
           <a:stretch>
             <a:fillRect/>
           </a:stretch>
@@ -8258,7 +12583,7 @@
           <p:nvPr/>
         </p:nvPicPr>
         <p:blipFill>
-          <a:blip r:embed="rId2"/>
+          <a:blip r:embed="rId3"/>
           <a:srcRect/>
           <a:stretch/>
         </p:blipFill>
@@ -8331,7 +12656,7 @@
           <a:p>
             <a:r>
               <a:rPr lang="en-GB" dirty="0"/>
-              <a:t>User profile</a:t>
+              <a:t>Pic</a:t>
             </a:r>
           </a:p>
         </p:txBody>
@@ -8351,14 +12676,14 @@
           <p:nvPr/>
         </p:nvPicPr>
         <p:blipFill>
-          <a:blip r:embed="rId2"/>
+          <a:blip r:embed="rId3"/>
           <a:srcRect/>
           <a:stretch/>
         </p:blipFill>
         <p:spPr>
           <a:xfrm>
-            <a:off x="3615490" y="3429000"/>
-            <a:ext cx="4961020" cy="2607966"/>
+            <a:off x="3451690" y="3191120"/>
+            <a:ext cx="5288619" cy="2780183"/>
           </a:xfrm>
           <a:prstGeom prst="rect">
             <a:avLst/>
@@ -8372,7 +12697,7 @@
       </p:pic>
       <p:pic>
         <p:nvPicPr>
-          <p:cNvPr id="10" name="Immagine 9" descr="Immagine che contiene tavolo&#10;&#10;Descrizione generata automaticamente">
+          <p:cNvPr id="10" name="Immagine 9">
             <a:extLst>
               <a:ext uri="{FF2B5EF4-FFF2-40B4-BE49-F238E27FC236}">
                 <a16:creationId xmlns:a16="http://schemas.microsoft.com/office/drawing/2014/main" id="{E63297BA-DFE7-67B9-E54D-586E34299851}"/>
@@ -8385,15 +12710,14 @@
           <p:nvPr/>
         </p:nvPicPr>
         <p:blipFill>
-          <a:blip r:embed="rId3"/>
-          <a:stretch>
-            <a:fillRect/>
-          </a:stretch>
+          <a:blip r:embed="rId4"/>
+          <a:srcRect/>
+          <a:stretch/>
         </p:blipFill>
         <p:spPr>
           <a:xfrm>
-            <a:off x="2209800" y="1611820"/>
-            <a:ext cx="7772400" cy="1627661"/>
+            <a:off x="2209799" y="1691626"/>
+            <a:ext cx="7772400" cy="1299605"/>
           </a:xfrm>
           <a:prstGeom prst="rect">
             <a:avLst/>
@@ -8403,7 +12727,7 @@
     </p:spTree>
     <p:extLst>
       <p:ext uri="{BB962C8B-B14F-4D97-AF65-F5344CB8AC3E}">
-        <p14:creationId xmlns:p14="http://schemas.microsoft.com/office/powerpoint/2010/main" val="601814263"/>
+        <p14:creationId xmlns:p14="http://schemas.microsoft.com/office/powerpoint/2010/main" val="2273500275"/>
       </p:ext>
     </p:extLst>
   </p:cSld>
@@ -8453,7 +12777,7 @@
           <a:p>
             <a:r>
               <a:rPr lang="en-GB" dirty="0"/>
-              <a:t>User settings</a:t>
+              <a:t>Add pic</a:t>
             </a:r>
           </a:p>
         </p:txBody>
@@ -8473,14 +12797,14 @@
           <p:nvPr/>
         </p:nvPicPr>
         <p:blipFill>
-          <a:blip r:embed="rId2"/>
+          <a:blip r:embed="rId3"/>
           <a:srcRect/>
           <a:stretch/>
         </p:blipFill>
         <p:spPr>
           <a:xfrm>
-            <a:off x="3451690" y="3189286"/>
-            <a:ext cx="5288619" cy="2783851"/>
+            <a:off x="3063140" y="2789259"/>
+            <a:ext cx="6065720" cy="3176900"/>
           </a:xfrm>
           <a:prstGeom prst="rect">
             <a:avLst/>
@@ -8507,14 +12831,14 @@
           <p:nvPr/>
         </p:nvPicPr>
         <p:blipFill>
-          <a:blip r:embed="rId3"/>
+          <a:blip r:embed="rId4"/>
           <a:srcRect/>
           <a:stretch/>
         </p:blipFill>
         <p:spPr>
           <a:xfrm>
-            <a:off x="2209799" y="1679009"/>
-            <a:ext cx="7772400" cy="1324840"/>
+            <a:off x="2209799" y="1711410"/>
+            <a:ext cx="7772400" cy="706581"/>
           </a:xfrm>
           <a:prstGeom prst="rect">
             <a:avLst/>
@@ -8524,7 +12848,7 @@
     </p:spTree>
     <p:extLst>
       <p:ext uri="{BB962C8B-B14F-4D97-AF65-F5344CB8AC3E}">
-        <p14:creationId xmlns:p14="http://schemas.microsoft.com/office/powerpoint/2010/main" val="70103551"/>
+        <p14:creationId xmlns:p14="http://schemas.microsoft.com/office/powerpoint/2010/main" val="1975307702"/>
       </p:ext>
     </p:extLst>
   </p:cSld>

--- a/Documentation/Presentation.pptx
+++ b/Documentation/Presentation.pptx
@@ -220,7 +220,7 @@
           <a:p>
             <a:fld id="{078FA8FC-E36D-6E4B-843C-56BC4CA43923}" type="datetimeFigureOut">
               <a:rPr lang="it-IT" smtClean="0"/>
-              <a:t>13/04/23</a:t>
+              <a:t>14/04/2023</a:t>
             </a:fld>
             <a:endParaRPr lang="it-IT"/>
           </a:p>
@@ -667,6 +667,12 @@
           <a:lstStyle/>
           <a:p>
             <a:r>
+              <a:rPr lang="it-IT" u="sng" dirty="0"/>
+              <a:t>Martina:</a:t>
+            </a:r>
+          </a:p>
+          <a:p>
+            <a:r>
               <a:rPr lang="it-IT" dirty="0" err="1"/>
               <a:t>Regarding</a:t>
             </a:r>
@@ -688,31 +694,7 @@
             </a:r>
             <a:r>
               <a:rPr lang="it-IT" dirty="0"/>
-              <a:t> </a:t>
-            </a:r>
-            <a:r>
-              <a:rPr lang="it-IT" dirty="0" err="1"/>
-              <a:t>we</a:t>
-            </a:r>
-            <a:r>
-              <a:rPr lang="it-IT" dirty="0"/>
-              <a:t> </a:t>
-            </a:r>
-            <a:r>
-              <a:rPr lang="it-IT" dirty="0" err="1"/>
-              <a:t>used</a:t>
-            </a:r>
-            <a:r>
-              <a:rPr lang="it-IT" dirty="0"/>
-              <a:t> </a:t>
-            </a:r>
-            <a:r>
-              <a:rPr lang="it-IT" dirty="0" err="1"/>
-              <a:t>function</a:t>
-            </a:r>
-            <a:r>
-              <a:rPr lang="it-IT" dirty="0"/>
-              <a:t> points and </a:t>
+              <a:t> we used function points and </a:t>
             </a:r>
             <a:r>
               <a:rPr lang="it-IT" dirty="0" err="1"/>
@@ -720,15 +702,7 @@
             </a:r>
             <a:r>
               <a:rPr lang="it-IT" dirty="0"/>
-              <a:t> II to estimate the </a:t>
-            </a:r>
-            <a:r>
-              <a:rPr lang="it-IT" dirty="0" err="1"/>
-              <a:t>complexity</a:t>
-            </a:r>
-            <a:r>
-              <a:rPr lang="it-IT" dirty="0"/>
-              <a:t> of the software </a:t>
+              <a:t> II to estimate the complexity of the software </a:t>
             </a:r>
             <a:r>
               <a:rPr lang="it-IT" dirty="0" err="1"/>
@@ -736,7 +710,14 @@
             </a:r>
             <a:r>
               <a:rPr lang="it-IT" dirty="0"/>
-              <a:t>. In </a:t>
+              <a:t>. </a:t>
+            </a:r>
+            <a:br>
+              <a:rPr lang="it-IT" dirty="0"/>
+            </a:br>
+            <a:r>
+              <a:rPr lang="it-IT" dirty="0"/>
+              <a:t>In </a:t>
             </a:r>
             <a:r>
               <a:rPr lang="it-IT" dirty="0" err="1"/>
@@ -746,29 +727,73 @@
               <a:rPr lang="it-IT" dirty="0"/>
               <a:t>, </a:t>
             </a:r>
+          </a:p>
+          <a:p>
             <a:r>
               <a:rPr lang="it-IT" dirty="0" err="1"/>
               <a:t>unadjusted</a:t>
             </a:r>
             <a:r>
               <a:rPr lang="it-IT" dirty="0"/>
-              <a:t> </a:t>
-            </a:r>
-            <a:r>
-              <a:rPr lang="it-IT" dirty="0" err="1"/>
-              <a:t>function</a:t>
-            </a:r>
-            <a:r>
-              <a:rPr lang="it-IT" dirty="0"/>
-              <a:t> points are 116, </a:t>
-            </a:r>
+              <a:t> function points are 116 (</a:t>
+            </a:r>
+            <a:r>
+              <a:rPr lang="it-IT" dirty="0">
+                <a:effectLst/>
+              </a:rPr>
+              <a:t>one </a:t>
+            </a:r>
+            <a:r>
+              <a:rPr lang="it-IT" dirty="0" err="1">
+                <a:effectLst/>
+              </a:rPr>
+              <a:t>hundred</a:t>
+            </a:r>
+            <a:r>
+              <a:rPr lang="it-IT" dirty="0">
+                <a:effectLst/>
+              </a:rPr>
+              <a:t> </a:t>
+            </a:r>
+            <a:r>
+              <a:rPr lang="it-IT" dirty="0" err="1">
+                <a:effectLst/>
+              </a:rPr>
+              <a:t>sixteen</a:t>
+            </a:r>
+            <a:r>
+              <a:rPr lang="it-IT" dirty="0">
+                <a:effectLst/>
+              </a:rPr>
+              <a:t>)</a:t>
+            </a:r>
+            <a:r>
+              <a:rPr lang="it-IT" dirty="0"/>
+              <a:t>, </a:t>
+            </a:r>
+          </a:p>
+          <a:p>
             <a:r>
               <a:rPr lang="it-IT" dirty="0" err="1"/>
               <a:t>equivalent</a:t>
             </a:r>
             <a:r>
               <a:rPr lang="it-IT" dirty="0"/>
-              <a:t> source line of code in java are 6148, the </a:t>
+              <a:t> source line of code in java are 6148 (</a:t>
+            </a:r>
+            <a:r>
+              <a:rPr lang="en-US" dirty="0"/>
+              <a:t>six thousand one hundred forty-eight)</a:t>
+            </a:r>
+            <a:r>
+              <a:rPr lang="it-IT" dirty="0"/>
+              <a:t>, </a:t>
+            </a:r>
+          </a:p>
+          <a:p>
+            <a:r>
+              <a:rPr lang="it-IT" dirty="0"/>
+              <a:t>the </a:t>
             </a:r>
             <a:r>
               <a:rPr lang="it-IT" dirty="0" err="1"/>
@@ -800,7 +825,13 @@
             </a:r>
             <a:r>
               <a:rPr lang="it-IT" dirty="0"/>
-              <a:t> and the </a:t>
+              <a:t> </a:t>
+            </a:r>
+          </a:p>
+          <a:p>
+            <a:r>
+              <a:rPr lang="it-IT" dirty="0"/>
+              <a:t>and the </a:t>
             </a:r>
             <a:r>
               <a:rPr lang="it-IT" dirty="0" err="1"/>
@@ -909,21 +940,33 @@
           <a:bodyPr/>
           <a:lstStyle/>
           <a:p>
-            <a:r>
-              <a:rPr lang="it-IT" dirty="0" err="1"/>
-              <a:t>We</a:t>
-            </a:r>
-            <a:r>
-              <a:rPr lang="it-IT" dirty="0"/>
-              <a:t> </a:t>
-            </a:r>
-            <a:r>
-              <a:rPr lang="it-IT" dirty="0" err="1"/>
-              <a:t>used</a:t>
-            </a:r>
-            <a:r>
-              <a:rPr lang="it-IT" dirty="0"/>
-              <a:t> SCRUM agile framework to handle the software </a:t>
+            <a:pPr marL="0" marR="0" lvl="0" indent="0" algn="l" defTabSz="914400" rtl="0" eaLnBrk="1" fontAlgn="auto" latinLnBrk="0" hangingPunct="1">
+              <a:lnSpc>
+                <a:spcPct val="100000"/>
+              </a:lnSpc>
+              <a:spcBef>
+                <a:spcPts val="0"/>
+              </a:spcBef>
+              <a:spcAft>
+                <a:spcPts val="0"/>
+              </a:spcAft>
+              <a:buClrTx/>
+              <a:buSzTx/>
+              <a:buFontTx/>
+              <a:buNone/>
+              <a:tabLst/>
+              <a:defRPr/>
+            </a:pPr>
+            <a:r>
+              <a:rPr lang="it-IT" u="sng" dirty="0"/>
+              <a:t>Martina:</a:t>
+            </a:r>
+            <a:endParaRPr lang="it-IT" dirty="0"/>
+          </a:p>
+          <a:p>
+            <a:r>
+              <a:rPr lang="it-IT" dirty="0"/>
+              <a:t>We used SCRUM agile framework to handle the software </a:t>
             </a:r>
             <a:r>
               <a:rPr lang="it-IT" dirty="0" err="1"/>
@@ -963,7 +1006,7 @@
             </a:r>
             <a:r>
               <a:rPr lang="it-IT" dirty="0"/>
-              <a:t> of 14 days, for a </a:t>
+              <a:t> of 2 weeks, for a </a:t>
             </a:r>
             <a:r>
               <a:rPr lang="it-IT" dirty="0" err="1"/>
@@ -973,13 +1016,11 @@
               <a:rPr lang="it-IT" dirty="0"/>
               <a:t> of 60 days. </a:t>
             </a:r>
-            <a:r>
-              <a:rPr lang="it-IT" dirty="0" err="1"/>
-              <a:t>This</a:t>
-            </a:r>
-            <a:r>
-              <a:rPr lang="it-IT" dirty="0"/>
-              <a:t> </a:t>
+          </a:p>
+          <a:p>
+            <a:r>
+              <a:rPr lang="it-IT" dirty="0"/>
+              <a:t>This </a:t>
             </a:r>
             <a:r>
               <a:rPr lang="it-IT" dirty="0" err="1"/>
@@ -987,7 +1028,13 @@
             </a:r>
             <a:r>
               <a:rPr lang="it-IT" dirty="0"/>
-              <a:t> in a </a:t>
+              <a:t> in </a:t>
+            </a:r>
+          </a:p>
+          <a:p>
+            <a:r>
+              <a:rPr lang="it-IT" dirty="0"/>
+              <a:t>a </a:t>
             </a:r>
             <a:r>
               <a:rPr lang="it-IT" dirty="0" err="1"/>
@@ -995,7 +1042,35 @@
             </a:r>
             <a:r>
               <a:rPr lang="it-IT" dirty="0"/>
-              <a:t> of 201 </a:t>
+              <a:t> of 201 (</a:t>
+            </a:r>
+            <a:r>
+              <a:rPr lang="it-IT" dirty="0" err="1">
+                <a:effectLst/>
+              </a:rPr>
+              <a:t>two</a:t>
+            </a:r>
+            <a:r>
+              <a:rPr lang="it-IT" dirty="0">
+                <a:effectLst/>
+              </a:rPr>
+              <a:t> </a:t>
+            </a:r>
+            <a:r>
+              <a:rPr lang="it-IT" dirty="0" err="1">
+                <a:effectLst/>
+              </a:rPr>
+              <a:t>hundred</a:t>
+            </a:r>
+            <a:r>
+              <a:rPr lang="it-IT" dirty="0">
+                <a:effectLst/>
+              </a:rPr>
+              <a:t> one</a:t>
+            </a:r>
+            <a:r>
+              <a:rPr lang="it-IT" dirty="0"/>
+              <a:t>) </a:t>
             </a:r>
             <a:r>
               <a:rPr lang="it-IT" dirty="0" err="1"/>
@@ -1003,7 +1078,13 @@
             </a:r>
             <a:r>
               <a:rPr lang="it-IT" dirty="0"/>
-              <a:t> hours, 3.35 </a:t>
+              <a:t> hours, </a:t>
+            </a:r>
+          </a:p>
+          <a:p>
+            <a:r>
+              <a:rPr lang="it-IT" dirty="0"/>
+              <a:t>3.35 </a:t>
             </a:r>
             <a:r>
               <a:rPr lang="it-IT" dirty="0" err="1"/>
@@ -1019,7 +1100,37 @@
             </a:r>
             <a:r>
               <a:rPr lang="it-IT" dirty="0"/>
-              <a:t> hours per day and 216 </a:t>
+              <a:t> hours per day </a:t>
+            </a:r>
+          </a:p>
+          <a:p>
+            <a:r>
+              <a:rPr lang="it-IT" dirty="0"/>
+              <a:t>and 216 (</a:t>
+            </a:r>
+            <a:r>
+              <a:rPr lang="it-IT" dirty="0" err="1"/>
+              <a:t>two</a:t>
+            </a:r>
+            <a:r>
+              <a:rPr lang="it-IT" dirty="0"/>
+              <a:t> </a:t>
+            </a:r>
+            <a:r>
+              <a:rPr lang="it-IT" dirty="0" err="1"/>
+              <a:t>hundred</a:t>
+            </a:r>
+            <a:r>
+              <a:rPr lang="it-IT" dirty="0"/>
+              <a:t> </a:t>
+            </a:r>
+            <a:r>
+              <a:rPr lang="it-IT" dirty="0" err="1"/>
+              <a:t>sixteen</a:t>
+            </a:r>
+            <a:r>
+              <a:rPr lang="it-IT" dirty="0"/>
+              <a:t>) </a:t>
             </a:r>
             <a:r>
               <a:rPr lang="it-IT" dirty="0" err="1"/>
@@ -1112,17 +1223,181 @@
           <a:bodyPr/>
           <a:lstStyle/>
           <a:p>
+            <a:pPr marL="0" marR="0" lvl="0" indent="0" algn="l" defTabSz="914400" rtl="0" eaLnBrk="1" fontAlgn="auto" latinLnBrk="0" hangingPunct="1">
+              <a:lnSpc>
+                <a:spcPct val="100000"/>
+              </a:lnSpc>
+              <a:spcBef>
+                <a:spcPts val="0"/>
+              </a:spcBef>
+              <a:spcAft>
+                <a:spcPts val="0"/>
+              </a:spcAft>
+              <a:buClrTx/>
+              <a:buSzTx/>
+              <a:buFontTx/>
+              <a:buNone/>
+              <a:tabLst/>
+              <a:defRPr/>
+            </a:pPr>
+            <a:r>
+              <a:rPr lang="it-IT" u="sng" dirty="0"/>
+              <a:t>Martina:</a:t>
+            </a:r>
+            <a:endParaRPr lang="it-IT" dirty="0"/>
+          </a:p>
+          <a:p>
+            <a:r>
+              <a:rPr lang="it-IT" dirty="0"/>
+              <a:t>In this slide can be </a:t>
+            </a:r>
+            <a:r>
+              <a:rPr lang="it-IT" dirty="0" err="1"/>
+              <a:t>seen</a:t>
+            </a:r>
+            <a:r>
+              <a:rPr lang="it-IT" dirty="0"/>
+              <a:t> the </a:t>
+            </a:r>
+            <a:r>
+              <a:rPr lang="it-IT" dirty="0" err="1"/>
+              <a:t>burndown</a:t>
+            </a:r>
+            <a:r>
+              <a:rPr lang="it-IT" dirty="0"/>
+              <a:t> chart, </a:t>
+            </a:r>
+            <a:r>
+              <a:rPr lang="it-IT" dirty="0" err="1"/>
+              <a:t>that</a:t>
+            </a:r>
+            <a:r>
+              <a:rPr lang="it-IT" dirty="0"/>
+              <a:t> shows the </a:t>
+            </a:r>
+            <a:r>
+              <a:rPr lang="it-IT" dirty="0" err="1"/>
+              <a:t>amount</a:t>
+            </a:r>
+            <a:r>
+              <a:rPr lang="it-IT" dirty="0"/>
+              <a:t> of work </a:t>
+            </a:r>
+            <a:r>
+              <a:rPr lang="it-IT" dirty="0" err="1"/>
+              <a:t>that</a:t>
+            </a:r>
+            <a:r>
+              <a:rPr lang="it-IT" dirty="0"/>
+              <a:t> </a:t>
+            </a:r>
+            <a:r>
+              <a:rPr lang="it-IT" dirty="0" err="1"/>
+              <a:t>has</a:t>
+            </a:r>
+            <a:r>
+              <a:rPr lang="it-IT" dirty="0"/>
+              <a:t> </a:t>
+            </a:r>
+            <a:r>
+              <a:rPr lang="it-IT" dirty="0" err="1"/>
+              <a:t>been</a:t>
+            </a:r>
+            <a:r>
+              <a:rPr lang="it-IT" dirty="0"/>
+              <a:t> </a:t>
+            </a:r>
+            <a:r>
+              <a:rPr lang="it-IT" dirty="0" err="1"/>
+              <a:t>completed</a:t>
+            </a:r>
+            <a:r>
+              <a:rPr lang="it-IT" dirty="0"/>
+              <a:t> for </a:t>
+            </a:r>
+            <a:r>
+              <a:rPr lang="it-IT" dirty="0" err="1"/>
+              <a:t>each</a:t>
+            </a:r>
+            <a:r>
+              <a:rPr lang="it-IT" dirty="0"/>
+              <a:t> of the 60 days. </a:t>
+            </a:r>
+          </a:p>
+          <a:p>
             <a:r>
               <a:rPr lang="it-IT" dirty="0"/>
               <a:t>In </a:t>
             </a:r>
             <a:r>
               <a:rPr lang="it-IT" dirty="0" err="1"/>
-              <a:t>this</a:t>
-            </a:r>
-            <a:r>
-              <a:rPr lang="it-IT" dirty="0"/>
-              <a:t> slide can be </a:t>
+              <a:t>particular</a:t>
+            </a:r>
+            <a:r>
+              <a:rPr lang="it-IT" dirty="0"/>
+              <a:t> the blue line </a:t>
+            </a:r>
+            <a:r>
+              <a:rPr lang="it-IT" dirty="0" err="1"/>
+              <a:t>represents</a:t>
+            </a:r>
+            <a:r>
+              <a:rPr lang="it-IT" dirty="0"/>
+              <a:t> the plan, </a:t>
+            </a:r>
+          </a:p>
+          <a:p>
+            <a:r>
+              <a:rPr lang="it-IT" dirty="0"/>
+              <a:t>the </a:t>
+            </a:r>
+            <a:r>
+              <a:rPr lang="it-IT" dirty="0" err="1"/>
+              <a:t>orange</a:t>
+            </a:r>
+            <a:r>
+              <a:rPr lang="it-IT" dirty="0"/>
+              <a:t> one the </a:t>
+            </a:r>
+            <a:r>
+              <a:rPr lang="it-IT" dirty="0" err="1"/>
+              <a:t>estimated</a:t>
+            </a:r>
+            <a:r>
+              <a:rPr lang="it-IT" dirty="0"/>
+              <a:t> hours </a:t>
+            </a:r>
+          </a:p>
+          <a:p>
+            <a:r>
+              <a:rPr lang="it-IT" dirty="0"/>
+              <a:t>and the </a:t>
+            </a:r>
+            <a:r>
+              <a:rPr lang="it-IT" dirty="0" err="1"/>
+              <a:t>yellow</a:t>
+            </a:r>
+            <a:r>
+              <a:rPr lang="it-IT" dirty="0"/>
+              <a:t> one the </a:t>
+            </a:r>
+            <a:r>
+              <a:rPr lang="it-IT" dirty="0" err="1"/>
+              <a:t>remaining</a:t>
+            </a:r>
+            <a:r>
+              <a:rPr lang="it-IT" dirty="0"/>
+              <a:t> hours. </a:t>
+            </a:r>
+          </a:p>
+          <a:p>
+            <a:r>
+              <a:rPr lang="it-IT" dirty="0" err="1"/>
+              <a:t>As</a:t>
+            </a:r>
+            <a:r>
+              <a:rPr lang="it-IT" dirty="0"/>
+              <a:t> can be </a:t>
             </a:r>
             <a:r>
               <a:rPr lang="it-IT" dirty="0" err="1"/>
@@ -1130,143 +1405,7 @@
             </a:r>
             <a:r>
               <a:rPr lang="it-IT" dirty="0"/>
-              <a:t> the </a:t>
-            </a:r>
-            <a:r>
-              <a:rPr lang="it-IT" dirty="0" err="1"/>
-              <a:t>burndown</a:t>
-            </a:r>
-            <a:r>
-              <a:rPr lang="it-IT" dirty="0"/>
-              <a:t> chart, </a:t>
-            </a:r>
-            <a:r>
-              <a:rPr lang="it-IT" dirty="0" err="1"/>
-              <a:t>that</a:t>
-            </a:r>
-            <a:r>
-              <a:rPr lang="it-IT" dirty="0"/>
-              <a:t> shows the </a:t>
-            </a:r>
-            <a:r>
-              <a:rPr lang="it-IT" dirty="0" err="1"/>
-              <a:t>amount</a:t>
-            </a:r>
-            <a:r>
-              <a:rPr lang="it-IT" dirty="0"/>
-              <a:t> of work </a:t>
-            </a:r>
-            <a:r>
-              <a:rPr lang="it-IT" dirty="0" err="1"/>
-              <a:t>that</a:t>
-            </a:r>
-            <a:r>
-              <a:rPr lang="it-IT" dirty="0"/>
-              <a:t> </a:t>
-            </a:r>
-            <a:r>
-              <a:rPr lang="it-IT" dirty="0" err="1"/>
-              <a:t>has</a:t>
-            </a:r>
-            <a:r>
-              <a:rPr lang="it-IT" dirty="0"/>
-              <a:t> </a:t>
-            </a:r>
-            <a:r>
-              <a:rPr lang="it-IT" dirty="0" err="1"/>
-              <a:t>been</a:t>
-            </a:r>
-            <a:r>
-              <a:rPr lang="it-IT" dirty="0"/>
-              <a:t> </a:t>
-            </a:r>
-            <a:r>
-              <a:rPr lang="it-IT" dirty="0" err="1"/>
-              <a:t>completed</a:t>
-            </a:r>
-            <a:r>
-              <a:rPr lang="it-IT" dirty="0"/>
-              <a:t> for </a:t>
-            </a:r>
-            <a:r>
-              <a:rPr lang="it-IT" dirty="0" err="1"/>
-              <a:t>each</a:t>
-            </a:r>
-            <a:r>
-              <a:rPr lang="it-IT" dirty="0"/>
-              <a:t> of the 60 days. In </a:t>
-            </a:r>
-            <a:r>
-              <a:rPr lang="it-IT" dirty="0" err="1"/>
-              <a:t>particular</a:t>
-            </a:r>
-            <a:r>
-              <a:rPr lang="it-IT" dirty="0"/>
-              <a:t> the blue line </a:t>
-            </a:r>
-            <a:r>
-              <a:rPr lang="it-IT" dirty="0" err="1"/>
-              <a:t>represents</a:t>
-            </a:r>
-            <a:r>
-              <a:rPr lang="it-IT" dirty="0"/>
-              <a:t> the plan, the </a:t>
-            </a:r>
-            <a:r>
-              <a:rPr lang="it-IT" dirty="0" err="1"/>
-              <a:t>orange</a:t>
-            </a:r>
-            <a:r>
-              <a:rPr lang="it-IT" dirty="0"/>
-              <a:t> one the </a:t>
-            </a:r>
-            <a:r>
-              <a:rPr lang="it-IT" dirty="0" err="1"/>
-              <a:t>estimated</a:t>
-            </a:r>
-            <a:r>
-              <a:rPr lang="it-IT" dirty="0"/>
-              <a:t> hours and the </a:t>
-            </a:r>
-            <a:r>
-              <a:rPr lang="it-IT" dirty="0" err="1"/>
-              <a:t>yellow</a:t>
-            </a:r>
-            <a:r>
-              <a:rPr lang="it-IT" dirty="0"/>
-              <a:t> one the </a:t>
-            </a:r>
-            <a:r>
-              <a:rPr lang="it-IT" dirty="0" err="1"/>
-              <a:t>remaining</a:t>
-            </a:r>
-            <a:r>
-              <a:rPr lang="it-IT" dirty="0"/>
-              <a:t> hours. </a:t>
-            </a:r>
-            <a:r>
-              <a:rPr lang="it-IT" dirty="0" err="1"/>
-              <a:t>As</a:t>
-            </a:r>
-            <a:r>
-              <a:rPr lang="it-IT" dirty="0"/>
-              <a:t> can be </a:t>
-            </a:r>
-            <a:r>
-              <a:rPr lang="it-IT" dirty="0" err="1"/>
-              <a:t>seen</a:t>
-            </a:r>
-            <a:r>
-              <a:rPr lang="it-IT" dirty="0"/>
-              <a:t> </a:t>
-            </a:r>
-            <a:r>
-              <a:rPr lang="it-IT" dirty="0" err="1"/>
-              <a:t>we</a:t>
-            </a:r>
-            <a:r>
-              <a:rPr lang="it-IT" dirty="0"/>
-              <a:t> </a:t>
+              <a:t> we </a:t>
             </a:r>
             <a:r>
               <a:rPr lang="it-IT" dirty="0" err="1"/>
@@ -1274,15 +1413,7 @@
             </a:r>
             <a:r>
               <a:rPr lang="it-IT" dirty="0"/>
-              <a:t> </a:t>
-            </a:r>
-            <a:r>
-              <a:rPr lang="it-IT" dirty="0" err="1"/>
-              <a:t>not</a:t>
-            </a:r>
-            <a:r>
-              <a:rPr lang="it-IT" dirty="0"/>
-              <a:t> </a:t>
+              <a:t> not </a:t>
             </a:r>
             <a:r>
               <a:rPr lang="it-IT" dirty="0" err="1"/>
@@ -1290,15 +1421,7 @@
             </a:r>
             <a:r>
               <a:rPr lang="it-IT" dirty="0"/>
-              <a:t> to </a:t>
-            </a:r>
-            <a:r>
-              <a:rPr lang="it-IT" dirty="0" err="1"/>
-              <a:t>respect</a:t>
-            </a:r>
-            <a:r>
-              <a:rPr lang="it-IT" dirty="0"/>
-              <a:t> the hours </a:t>
+              <a:t> to respect the hours </a:t>
             </a:r>
             <a:r>
               <a:rPr lang="it-IT" dirty="0" err="1"/>
@@ -1399,6 +1522,30 @@
           <a:bodyPr/>
           <a:lstStyle/>
           <a:p>
+            <a:pPr marL="0" marR="0" lvl="0" indent="0" algn="l" defTabSz="914400" rtl="0" eaLnBrk="1" fontAlgn="auto" latinLnBrk="0" hangingPunct="1">
+              <a:lnSpc>
+                <a:spcPct val="100000"/>
+              </a:lnSpc>
+              <a:spcBef>
+                <a:spcPts val="0"/>
+              </a:spcBef>
+              <a:spcAft>
+                <a:spcPts val="0"/>
+              </a:spcAft>
+              <a:buClrTx/>
+              <a:buSzTx/>
+              <a:buFontTx/>
+              <a:buNone/>
+              <a:tabLst/>
+              <a:defRPr/>
+            </a:pPr>
+            <a:r>
+              <a:rPr lang="it-IT" u="sng" dirty="0"/>
+              <a:t>Martina:</a:t>
+            </a:r>
+            <a:endParaRPr lang="it-IT" dirty="0"/>
+          </a:p>
+          <a:p>
             <a:r>
               <a:rPr lang="it-IT" dirty="0" err="1"/>
               <a:t>Regarding</a:t>
@@ -1413,15 +1560,7 @@
             </a:r>
             <a:r>
               <a:rPr lang="it-IT" dirty="0"/>
-              <a:t>, in </a:t>
-            </a:r>
-            <a:r>
-              <a:rPr lang="it-IT" dirty="0" err="1"/>
-              <a:t>this</a:t>
-            </a:r>
-            <a:r>
-              <a:rPr lang="it-IT" dirty="0"/>
-              <a:t> slide can be </a:t>
+              <a:t>, in this slide can be </a:t>
             </a:r>
             <a:r>
               <a:rPr lang="it-IT" dirty="0" err="1"/>
@@ -1530,17 +1669,33 @@
           <a:bodyPr/>
           <a:lstStyle/>
           <a:p>
-            <a:r>
-              <a:rPr lang="it-IT" dirty="0"/>
-              <a:t>First of </a:t>
-            </a:r>
-            <a:r>
-              <a:rPr lang="it-IT" dirty="0" err="1"/>
-              <a:t>all</a:t>
-            </a:r>
-            <a:r>
-              <a:rPr lang="it-IT" dirty="0"/>
-              <a:t>, the system </a:t>
+            <a:pPr marL="0" marR="0" lvl="0" indent="0" algn="l" defTabSz="914400" rtl="0" eaLnBrk="1" fontAlgn="auto" latinLnBrk="0" hangingPunct="1">
+              <a:lnSpc>
+                <a:spcPct val="100000"/>
+              </a:lnSpc>
+              <a:spcBef>
+                <a:spcPts val="0"/>
+              </a:spcBef>
+              <a:spcAft>
+                <a:spcPts val="0"/>
+              </a:spcAft>
+              <a:buClrTx/>
+              <a:buSzTx/>
+              <a:buFontTx/>
+              <a:buNone/>
+              <a:tabLst/>
+              <a:defRPr/>
+            </a:pPr>
+            <a:r>
+              <a:rPr lang="it-IT" u="sng" dirty="0"/>
+              <a:t>Martina:</a:t>
+            </a:r>
+            <a:endParaRPr lang="it-IT" dirty="0"/>
+          </a:p>
+          <a:p>
+            <a:r>
+              <a:rPr lang="it-IT" dirty="0"/>
+              <a:t>First of all, the system </a:t>
             </a:r>
             <a:r>
               <a:rPr lang="it-IT" dirty="0" err="1"/>
@@ -1564,7 +1719,7 @@
             </a:r>
             <a:r>
               <a:rPr lang="it-IT" dirty="0"/>
-              <a:t> </a:t>
+              <a:t> on </a:t>
             </a:r>
             <a:r>
               <a:rPr lang="it-IT" dirty="0" err="1"/>
@@ -4462,7 +4617,7 @@
           <a:p>
             <a:fld id="{4CDE23C7-78A4-413A-A84B-93D4CC0A9EB1}" type="datetimeFigureOut">
               <a:rPr lang="en-US" smtClean="0"/>
-              <a:t>4/13/23</a:t>
+              <a:t>4/14/2023</a:t>
             </a:fld>
             <a:endParaRPr lang="en-US"/>
           </a:p>
@@ -4665,7 +4820,7 @@
           <a:p>
             <a:fld id="{4CDE23C7-78A4-413A-A84B-93D4CC0A9EB1}" type="datetimeFigureOut">
               <a:rPr lang="en-US" smtClean="0"/>
-              <a:t>4/13/23</a:t>
+              <a:t>4/14/2023</a:t>
             </a:fld>
             <a:endParaRPr lang="en-US"/>
           </a:p>
@@ -4873,7 +5028,7 @@
           <a:p>
             <a:fld id="{4CDE23C7-78A4-413A-A84B-93D4CC0A9EB1}" type="datetimeFigureOut">
               <a:rPr lang="en-US" smtClean="0"/>
-              <a:t>4/13/23</a:t>
+              <a:t>4/14/2023</a:t>
             </a:fld>
             <a:endParaRPr lang="en-US"/>
           </a:p>
@@ -5071,7 +5226,7 @@
           <a:p>
             <a:fld id="{4CDE23C7-78A4-413A-A84B-93D4CC0A9EB1}" type="datetimeFigureOut">
               <a:rPr lang="en-US" smtClean="0"/>
-              <a:t>4/13/23</a:t>
+              <a:t>4/14/2023</a:t>
             </a:fld>
             <a:endParaRPr lang="en-US"/>
           </a:p>
@@ -5348,7 +5503,7 @@
           <a:p>
             <a:fld id="{4CDE23C7-78A4-413A-A84B-93D4CC0A9EB1}" type="datetimeFigureOut">
               <a:rPr lang="en-US" smtClean="0"/>
-              <a:t>4/13/23</a:t>
+              <a:t>4/14/2023</a:t>
             </a:fld>
             <a:endParaRPr lang="en-US"/>
           </a:p>
@@ -5613,7 +5768,7 @@
           <a:p>
             <a:fld id="{4CDE23C7-78A4-413A-A84B-93D4CC0A9EB1}" type="datetimeFigureOut">
               <a:rPr lang="en-US" smtClean="0"/>
-              <a:t>4/13/23</a:t>
+              <a:t>4/14/2023</a:t>
             </a:fld>
             <a:endParaRPr lang="en-US"/>
           </a:p>
@@ -6029,7 +6184,7 @@
           <a:p>
             <a:fld id="{4CDE23C7-78A4-413A-A84B-93D4CC0A9EB1}" type="datetimeFigureOut">
               <a:rPr lang="en-US" smtClean="0"/>
-              <a:t>4/13/23</a:t>
+              <a:t>4/14/2023</a:t>
             </a:fld>
             <a:endParaRPr lang="en-US"/>
           </a:p>
@@ -6170,7 +6325,7 @@
           <a:p>
             <a:fld id="{4CDE23C7-78A4-413A-A84B-93D4CC0A9EB1}" type="datetimeFigureOut">
               <a:rPr lang="en-US" smtClean="0"/>
-              <a:t>4/13/23</a:t>
+              <a:t>4/14/2023</a:t>
             </a:fld>
             <a:endParaRPr lang="en-US"/>
           </a:p>
@@ -6283,7 +6438,7 @@
           <a:p>
             <a:fld id="{4CDE23C7-78A4-413A-A84B-93D4CC0A9EB1}" type="datetimeFigureOut">
               <a:rPr lang="en-US" smtClean="0"/>
-              <a:t>4/13/23</a:t>
+              <a:t>4/14/2023</a:t>
             </a:fld>
             <a:endParaRPr lang="en-US"/>
           </a:p>
@@ -6594,7 +6749,7 @@
           <a:p>
             <a:fld id="{4CDE23C7-78A4-413A-A84B-93D4CC0A9EB1}" type="datetimeFigureOut">
               <a:rPr lang="en-US" smtClean="0"/>
-              <a:t>4/13/23</a:t>
+              <a:t>4/14/2023</a:t>
             </a:fld>
             <a:endParaRPr lang="en-US"/>
           </a:p>
@@ -6882,7 +7037,7 @@
           <a:p>
             <a:fld id="{4CDE23C7-78A4-413A-A84B-93D4CC0A9EB1}" type="datetimeFigureOut">
               <a:rPr lang="en-US" smtClean="0"/>
-              <a:t>4/13/23</a:t>
+              <a:t>4/14/2023</a:t>
             </a:fld>
             <a:endParaRPr lang="en-US"/>
           </a:p>
@@ -7122,7 +7277,7 @@
             <a:fld id="{4CDE23C7-78A4-413A-A84B-93D4CC0A9EB1}" type="datetimeFigureOut">
               <a:rPr lang="en-US" smtClean="0"/>
               <a:pPr/>
-              <a:t>4/13/23</a:t>
+              <a:t>4/14/2023</a:t>
             </a:fld>
             <a:endParaRPr lang="en-US" dirty="0"/>
           </a:p>
@@ -10418,7 +10573,7 @@
                   <a:spcPts val="600"/>
                 </a:spcAft>
               </a:pPr>
-              <a:t>4/13/23</a:t>
+              <a:t>4/14/2023</a:t>
             </a:fld>
             <a:endParaRPr lang="en-US" dirty="0">
               <a:solidFill>
